--- a/jarFolder/CENG552Presentation.pptx
+++ b/jarFolder/CENG552Presentation.pptx
@@ -5,26 +5,29 @@
     <p:sldMasterId id="2147483684" r:id="rId1"/>
   </p:sldMasterIdLst>
   <p:notesMasterIdLst>
-    <p:notesMasterId r:id="rId16"/>
+    <p:notesMasterId r:id="rId19"/>
   </p:notesMasterIdLst>
   <p:handoutMasterIdLst>
-    <p:handoutMasterId r:id="rId17"/>
+    <p:handoutMasterId r:id="rId20"/>
   </p:handoutMasterIdLst>
   <p:sldIdLst>
     <p:sldId id="256" r:id="rId2"/>
     <p:sldId id="271" r:id="rId3"/>
     <p:sldId id="257" r:id="rId4"/>
     <p:sldId id="301" r:id="rId5"/>
-    <p:sldId id="302" r:id="rId6"/>
-    <p:sldId id="303" r:id="rId7"/>
-    <p:sldId id="304" r:id="rId8"/>
-    <p:sldId id="305" r:id="rId9"/>
-    <p:sldId id="307" r:id="rId10"/>
-    <p:sldId id="306" r:id="rId11"/>
-    <p:sldId id="300" r:id="rId12"/>
-    <p:sldId id="298" r:id="rId13"/>
-    <p:sldId id="299" r:id="rId14"/>
-    <p:sldId id="278" r:id="rId15"/>
+    <p:sldId id="309" r:id="rId6"/>
+    <p:sldId id="302" r:id="rId7"/>
+    <p:sldId id="303" r:id="rId8"/>
+    <p:sldId id="304" r:id="rId9"/>
+    <p:sldId id="305" r:id="rId10"/>
+    <p:sldId id="307" r:id="rId11"/>
+    <p:sldId id="306" r:id="rId12"/>
+    <p:sldId id="300" r:id="rId13"/>
+    <p:sldId id="298" r:id="rId14"/>
+    <p:sldId id="299" r:id="rId15"/>
+    <p:sldId id="308" r:id="rId16"/>
+    <p:sldId id="310" r:id="rId17"/>
+    <p:sldId id="278" r:id="rId18"/>
   </p:sldIdLst>
   <p:sldSz cx="9144000" cy="6858000" type="screen4x3"/>
   <p:notesSz cx="9296400" cy="7010400"/>
@@ -872,165 +875,6 @@
                 <a:tabLst/>
                 <a:defRPr/>
               </a:pPr>
-              <a:t>11</a:t>
-            </a:fld>
-            <a:endParaRPr kumimoji="0" lang="en-US" sz="1200" b="0" i="0" u="none" strike="noStrike" kern="1200" cap="none" spc="0" normalizeH="0" baseline="0" noProof="0">
-              <a:ln>
-                <a:noFill/>
-              </a:ln>
-              <a:solidFill>
-                <a:prstClr val="black"/>
-              </a:solidFill>
-              <a:effectLst/>
-              <a:uLnTx/>
-              <a:uFillTx/>
-              <a:latin typeface="Calibri"/>
-              <a:ea typeface="+mn-ea"/>
-              <a:cs typeface="+mn-cs"/>
-            </a:endParaRPr>
-          </a:p>
-        </p:txBody>
-      </p:sp>
-    </p:spTree>
-    <p:extLst>
-      <p:ext uri="{BB962C8B-B14F-4D97-AF65-F5344CB8AC3E}">
-        <p14:creationId xmlns:p14="http://schemas.microsoft.com/office/powerpoint/2010/main" val="1350078797"/>
-      </p:ext>
-    </p:extLst>
-  </p:cSld>
-  <p:clrMapOvr>
-    <a:masterClrMapping/>
-  </p:clrMapOvr>
-</p:notes>
-</file>
-
-<file path=ppt/notesSlides/notesSlide11.xml><?xml version="1.0" encoding="utf-8"?>
-<p:notes xmlns:a="http://schemas.openxmlformats.org/drawingml/2006/main" xmlns:r="http://schemas.openxmlformats.org/officeDocument/2006/relationships" xmlns:p="http://schemas.openxmlformats.org/presentationml/2006/main">
-  <p:cSld>
-    <p:spTree>
-      <p:nvGrpSpPr>
-        <p:cNvPr id="1" name=""/>
-        <p:cNvGrpSpPr/>
-        <p:nvPr/>
-      </p:nvGrpSpPr>
-      <p:grpSpPr>
-        <a:xfrm>
-          <a:off x="0" y="0"/>
-          <a:ext cx="0" cy="0"/>
-          <a:chOff x="0" y="0"/>
-          <a:chExt cx="0" cy="0"/>
-        </a:xfrm>
-      </p:grpSpPr>
-      <p:sp>
-        <p:nvSpPr>
-          <p:cNvPr id="2" name="Slide Image Placeholder 1"/>
-          <p:cNvSpPr>
-            <a:spLocks noGrp="1" noRot="1" noChangeAspect="1"/>
-          </p:cNvSpPr>
-          <p:nvPr>
-            <p:ph type="sldImg"/>
-          </p:nvPr>
-        </p:nvSpPr>
-        <p:spPr/>
-      </p:sp>
-      <p:sp>
-        <p:nvSpPr>
-          <p:cNvPr id="3" name="Notes Placeholder 2"/>
-          <p:cNvSpPr>
-            <a:spLocks noGrp="1"/>
-          </p:cNvSpPr>
-          <p:nvPr>
-            <p:ph type="body" idx="1"/>
-          </p:nvPr>
-        </p:nvSpPr>
-        <p:spPr/>
-        <p:txBody>
-          <a:bodyPr/>
-          <a:lstStyle/>
-          <a:p>
-            <a:r>
-              <a:rPr lang="en-US" dirty="0"/>
-              <a:t>The test model can be considered</a:t>
-            </a:r>
-          </a:p>
-          <a:p>
-            <a:r>
-              <a:rPr lang="en-US" dirty="0"/>
-              <a:t>as a reference test model2 in the sense that it captures all</a:t>
-            </a:r>
-          </a:p>
-          <a:p>
-            <a:r>
-              <a:rPr lang="en-US" dirty="0"/>
-              <a:t>possible usage scenarios for a family of systems</a:t>
-            </a:r>
-          </a:p>
-        </p:txBody>
-      </p:sp>
-      <p:sp>
-        <p:nvSpPr>
-          <p:cNvPr id="4" name="Slide Number Placeholder 3"/>
-          <p:cNvSpPr>
-            <a:spLocks noGrp="1"/>
-          </p:cNvSpPr>
-          <p:nvPr>
-            <p:ph type="sldNum" sz="quarter" idx="10"/>
-          </p:nvPr>
-        </p:nvSpPr>
-        <p:spPr/>
-        <p:txBody>
-          <a:bodyPr/>
-          <a:lstStyle/>
-          <a:p>
-            <a:pPr marL="0" marR="0" lvl="0" indent="0" algn="r" defTabSz="914400" rtl="0" eaLnBrk="1" fontAlgn="auto" latinLnBrk="0" hangingPunct="1">
-              <a:lnSpc>
-                <a:spcPct val="100000"/>
-              </a:lnSpc>
-              <a:spcBef>
-                <a:spcPts val="0"/>
-              </a:spcBef>
-              <a:spcAft>
-                <a:spcPts val="0"/>
-              </a:spcAft>
-              <a:buClrTx/>
-              <a:buSzTx/>
-              <a:buFontTx/>
-              <a:buNone/>
-              <a:tabLst/>
-              <a:defRPr/>
-            </a:pPr>
-            <a:fld id="{86DD51C1-76A8-45EE-B5F0-0C83FFC4CFF4}" type="slidenum">
-              <a:rPr kumimoji="0" lang="en-US" sz="1200" b="0" i="0" u="none" strike="noStrike" kern="1200" cap="none" spc="0" normalizeH="0" baseline="0" noProof="0" smtClean="0">
-                <a:ln>
-                  <a:noFill/>
-                </a:ln>
-                <a:solidFill>
-                  <a:prstClr val="black"/>
-                </a:solidFill>
-                <a:effectLst/>
-                <a:uLnTx/>
-                <a:uFillTx/>
-                <a:latin typeface="Calibri"/>
-                <a:ea typeface="+mn-ea"/>
-                <a:cs typeface="+mn-cs"/>
-              </a:rPr>
-              <a:pPr marL="0" marR="0" lvl="0" indent="0" algn="r" defTabSz="914400" rtl="0" eaLnBrk="1" fontAlgn="auto" latinLnBrk="0" hangingPunct="1">
-                <a:lnSpc>
-                  <a:spcPct val="100000"/>
-                </a:lnSpc>
-                <a:spcBef>
-                  <a:spcPts val="0"/>
-                </a:spcBef>
-                <a:spcAft>
-                  <a:spcPts val="0"/>
-                </a:spcAft>
-                <a:buClrTx/>
-                <a:buSzTx/>
-                <a:buFontTx/>
-                <a:buNone/>
-                <a:tabLst/>
-                <a:defRPr/>
-              </a:pPr>
               <a:t>12</a:t>
             </a:fld>
             <a:endParaRPr kumimoji="0" lang="en-US" sz="1200" b="0" i="0" u="none" strike="noStrike" kern="1200" cap="none" spc="0" normalizeH="0" baseline="0" noProof="0">
@@ -1053,7 +897,7 @@
     </p:spTree>
     <p:extLst>
       <p:ext uri="{BB962C8B-B14F-4D97-AF65-F5344CB8AC3E}">
-        <p14:creationId xmlns:p14="http://schemas.microsoft.com/office/powerpoint/2010/main" val="3551350035"/>
+        <p14:creationId xmlns:p14="http://schemas.microsoft.com/office/powerpoint/2010/main" val="1350078797"/>
       </p:ext>
     </p:extLst>
   </p:cSld>
@@ -1063,7 +907,7 @@
 </p:notes>
 </file>
 
-<file path=ppt/notesSlides/notesSlide12.xml><?xml version="1.0" encoding="utf-8"?>
+<file path=ppt/notesSlides/notesSlide11.xml><?xml version="1.0" encoding="utf-8"?>
 <p:notes xmlns:a="http://schemas.openxmlformats.org/drawingml/2006/main" xmlns:r="http://schemas.openxmlformats.org/officeDocument/2006/relationships" xmlns:p="http://schemas.openxmlformats.org/presentationml/2006/main">
   <p:cSld>
     <p:spTree>
@@ -1212,7 +1056,484 @@
     </p:spTree>
     <p:extLst>
       <p:ext uri="{BB962C8B-B14F-4D97-AF65-F5344CB8AC3E}">
+        <p14:creationId xmlns:p14="http://schemas.microsoft.com/office/powerpoint/2010/main" val="3551350035"/>
+      </p:ext>
+    </p:extLst>
+  </p:cSld>
+  <p:clrMapOvr>
+    <a:masterClrMapping/>
+  </p:clrMapOvr>
+</p:notes>
+</file>
+
+<file path=ppt/notesSlides/notesSlide12.xml><?xml version="1.0" encoding="utf-8"?>
+<p:notes xmlns:a="http://schemas.openxmlformats.org/drawingml/2006/main" xmlns:r="http://schemas.openxmlformats.org/officeDocument/2006/relationships" xmlns:p="http://schemas.openxmlformats.org/presentationml/2006/main">
+  <p:cSld>
+    <p:spTree>
+      <p:nvGrpSpPr>
+        <p:cNvPr id="1" name=""/>
+        <p:cNvGrpSpPr/>
+        <p:nvPr/>
+      </p:nvGrpSpPr>
+      <p:grpSpPr>
+        <a:xfrm>
+          <a:off x="0" y="0"/>
+          <a:ext cx="0" cy="0"/>
+          <a:chOff x="0" y="0"/>
+          <a:chExt cx="0" cy="0"/>
+        </a:xfrm>
+      </p:grpSpPr>
+      <p:sp>
+        <p:nvSpPr>
+          <p:cNvPr id="2" name="Slide Image Placeholder 1"/>
+          <p:cNvSpPr>
+            <a:spLocks noGrp="1" noRot="1" noChangeAspect="1"/>
+          </p:cNvSpPr>
+          <p:nvPr>
+            <p:ph type="sldImg"/>
+          </p:nvPr>
+        </p:nvSpPr>
+        <p:spPr/>
+      </p:sp>
+      <p:sp>
+        <p:nvSpPr>
+          <p:cNvPr id="3" name="Notes Placeholder 2"/>
+          <p:cNvSpPr>
+            <a:spLocks noGrp="1"/>
+          </p:cNvSpPr>
+          <p:nvPr>
+            <p:ph type="body" idx="1"/>
+          </p:nvPr>
+        </p:nvSpPr>
+        <p:spPr/>
+        <p:txBody>
+          <a:bodyPr/>
+          <a:lstStyle/>
+          <a:p>
+            <a:r>
+              <a:rPr lang="en-US" dirty="0"/>
+              <a:t>The test model can be considered</a:t>
+            </a:r>
+          </a:p>
+          <a:p>
+            <a:r>
+              <a:rPr lang="en-US" dirty="0"/>
+              <a:t>as a reference test model2 in the sense that it captures all</a:t>
+            </a:r>
+          </a:p>
+          <a:p>
+            <a:r>
+              <a:rPr lang="en-US" dirty="0"/>
+              <a:t>possible usage scenarios for a family of systems</a:t>
+            </a:r>
+          </a:p>
+        </p:txBody>
+      </p:sp>
+      <p:sp>
+        <p:nvSpPr>
+          <p:cNvPr id="4" name="Slide Number Placeholder 3"/>
+          <p:cNvSpPr>
+            <a:spLocks noGrp="1"/>
+          </p:cNvSpPr>
+          <p:nvPr>
+            <p:ph type="sldNum" sz="quarter" idx="10"/>
+          </p:nvPr>
+        </p:nvSpPr>
+        <p:spPr/>
+        <p:txBody>
+          <a:bodyPr/>
+          <a:lstStyle/>
+          <a:p>
+            <a:pPr marL="0" marR="0" lvl="0" indent="0" algn="r" defTabSz="914400" rtl="0" eaLnBrk="1" fontAlgn="auto" latinLnBrk="0" hangingPunct="1">
+              <a:lnSpc>
+                <a:spcPct val="100000"/>
+              </a:lnSpc>
+              <a:spcBef>
+                <a:spcPts val="0"/>
+              </a:spcBef>
+              <a:spcAft>
+                <a:spcPts val="0"/>
+              </a:spcAft>
+              <a:buClrTx/>
+              <a:buSzTx/>
+              <a:buFontTx/>
+              <a:buNone/>
+              <a:tabLst/>
+              <a:defRPr/>
+            </a:pPr>
+            <a:fld id="{86DD51C1-76A8-45EE-B5F0-0C83FFC4CFF4}" type="slidenum">
+              <a:rPr kumimoji="0" lang="en-US" sz="1200" b="0" i="0" u="none" strike="noStrike" kern="1200" cap="none" spc="0" normalizeH="0" baseline="0" noProof="0" smtClean="0">
+                <a:ln>
+                  <a:noFill/>
+                </a:ln>
+                <a:solidFill>
+                  <a:prstClr val="black"/>
+                </a:solidFill>
+                <a:effectLst/>
+                <a:uLnTx/>
+                <a:uFillTx/>
+                <a:latin typeface="Calibri"/>
+                <a:ea typeface="+mn-ea"/>
+                <a:cs typeface="+mn-cs"/>
+              </a:rPr>
+              <a:pPr marL="0" marR="0" lvl="0" indent="0" algn="r" defTabSz="914400" rtl="0" eaLnBrk="1" fontAlgn="auto" latinLnBrk="0" hangingPunct="1">
+                <a:lnSpc>
+                  <a:spcPct val="100000"/>
+                </a:lnSpc>
+                <a:spcBef>
+                  <a:spcPts val="0"/>
+                </a:spcBef>
+                <a:spcAft>
+                  <a:spcPts val="0"/>
+                </a:spcAft>
+                <a:buClrTx/>
+                <a:buSzTx/>
+                <a:buFontTx/>
+                <a:buNone/>
+                <a:tabLst/>
+                <a:defRPr/>
+              </a:pPr>
+              <a:t>14</a:t>
+            </a:fld>
+            <a:endParaRPr kumimoji="0" lang="en-US" sz="1200" b="0" i="0" u="none" strike="noStrike" kern="1200" cap="none" spc="0" normalizeH="0" baseline="0" noProof="0">
+              <a:ln>
+                <a:noFill/>
+              </a:ln>
+              <a:solidFill>
+                <a:prstClr val="black"/>
+              </a:solidFill>
+              <a:effectLst/>
+              <a:uLnTx/>
+              <a:uFillTx/>
+              <a:latin typeface="Calibri"/>
+              <a:ea typeface="+mn-ea"/>
+              <a:cs typeface="+mn-cs"/>
+            </a:endParaRPr>
+          </a:p>
+        </p:txBody>
+      </p:sp>
+    </p:spTree>
+    <p:extLst>
+      <p:ext uri="{BB962C8B-B14F-4D97-AF65-F5344CB8AC3E}">
         <p14:creationId xmlns:p14="http://schemas.microsoft.com/office/powerpoint/2010/main" val="405624041"/>
+      </p:ext>
+    </p:extLst>
+  </p:cSld>
+  <p:clrMapOvr>
+    <a:masterClrMapping/>
+  </p:clrMapOvr>
+</p:notes>
+</file>
+
+<file path=ppt/notesSlides/notesSlide13.xml><?xml version="1.0" encoding="utf-8"?>
+<p:notes xmlns:a="http://schemas.openxmlformats.org/drawingml/2006/main" xmlns:r="http://schemas.openxmlformats.org/officeDocument/2006/relationships" xmlns:p="http://schemas.openxmlformats.org/presentationml/2006/main">
+  <p:cSld>
+    <p:spTree>
+      <p:nvGrpSpPr>
+        <p:cNvPr id="1" name=""/>
+        <p:cNvGrpSpPr/>
+        <p:nvPr/>
+      </p:nvGrpSpPr>
+      <p:grpSpPr>
+        <a:xfrm>
+          <a:off x="0" y="0"/>
+          <a:ext cx="0" cy="0"/>
+          <a:chOff x="0" y="0"/>
+          <a:chExt cx="0" cy="0"/>
+        </a:xfrm>
+      </p:grpSpPr>
+      <p:sp>
+        <p:nvSpPr>
+          <p:cNvPr id="2" name="Slide Image Placeholder 1"/>
+          <p:cNvSpPr>
+            <a:spLocks noGrp="1" noRot="1" noChangeAspect="1"/>
+          </p:cNvSpPr>
+          <p:nvPr>
+            <p:ph type="sldImg"/>
+          </p:nvPr>
+        </p:nvSpPr>
+        <p:spPr/>
+      </p:sp>
+      <p:sp>
+        <p:nvSpPr>
+          <p:cNvPr id="3" name="Notes Placeholder 2"/>
+          <p:cNvSpPr>
+            <a:spLocks noGrp="1"/>
+          </p:cNvSpPr>
+          <p:nvPr>
+            <p:ph type="body" idx="1"/>
+          </p:nvPr>
+        </p:nvSpPr>
+        <p:spPr/>
+        <p:txBody>
+          <a:bodyPr/>
+          <a:lstStyle/>
+          <a:p>
+            <a:r>
+              <a:rPr lang="en-US" dirty="0"/>
+              <a:t>The test model can be considered</a:t>
+            </a:r>
+          </a:p>
+          <a:p>
+            <a:r>
+              <a:rPr lang="en-US" dirty="0"/>
+              <a:t>as a reference test model2 in the sense that it captures all</a:t>
+            </a:r>
+          </a:p>
+          <a:p>
+            <a:r>
+              <a:rPr lang="en-US" dirty="0"/>
+              <a:t>possible usage scenarios for a family of systems</a:t>
+            </a:r>
+          </a:p>
+        </p:txBody>
+      </p:sp>
+      <p:sp>
+        <p:nvSpPr>
+          <p:cNvPr id="4" name="Slide Number Placeholder 3"/>
+          <p:cNvSpPr>
+            <a:spLocks noGrp="1"/>
+          </p:cNvSpPr>
+          <p:nvPr>
+            <p:ph type="sldNum" sz="quarter" idx="10"/>
+          </p:nvPr>
+        </p:nvSpPr>
+        <p:spPr/>
+        <p:txBody>
+          <a:bodyPr/>
+          <a:lstStyle/>
+          <a:p>
+            <a:pPr marL="0" marR="0" lvl="0" indent="0" algn="r" defTabSz="914400" rtl="0" eaLnBrk="1" fontAlgn="auto" latinLnBrk="0" hangingPunct="1">
+              <a:lnSpc>
+                <a:spcPct val="100000"/>
+              </a:lnSpc>
+              <a:spcBef>
+                <a:spcPts val="0"/>
+              </a:spcBef>
+              <a:spcAft>
+                <a:spcPts val="0"/>
+              </a:spcAft>
+              <a:buClrTx/>
+              <a:buSzTx/>
+              <a:buFontTx/>
+              <a:buNone/>
+              <a:tabLst/>
+              <a:defRPr/>
+            </a:pPr>
+            <a:fld id="{86DD51C1-76A8-45EE-B5F0-0C83FFC4CFF4}" type="slidenum">
+              <a:rPr kumimoji="0" lang="en-US" sz="1200" b="0" i="0" u="none" strike="noStrike" kern="1200" cap="none" spc="0" normalizeH="0" baseline="0" noProof="0" smtClean="0">
+                <a:ln>
+                  <a:noFill/>
+                </a:ln>
+                <a:solidFill>
+                  <a:prstClr val="black"/>
+                </a:solidFill>
+                <a:effectLst/>
+                <a:uLnTx/>
+                <a:uFillTx/>
+                <a:latin typeface="Calibri"/>
+                <a:ea typeface="+mn-ea"/>
+                <a:cs typeface="+mn-cs"/>
+              </a:rPr>
+              <a:pPr marL="0" marR="0" lvl="0" indent="0" algn="r" defTabSz="914400" rtl="0" eaLnBrk="1" fontAlgn="auto" latinLnBrk="0" hangingPunct="1">
+                <a:lnSpc>
+                  <a:spcPct val="100000"/>
+                </a:lnSpc>
+                <a:spcBef>
+                  <a:spcPts val="0"/>
+                </a:spcBef>
+                <a:spcAft>
+                  <a:spcPts val="0"/>
+                </a:spcAft>
+                <a:buClrTx/>
+                <a:buSzTx/>
+                <a:buFontTx/>
+                <a:buNone/>
+                <a:tabLst/>
+                <a:defRPr/>
+              </a:pPr>
+              <a:t>15</a:t>
+            </a:fld>
+            <a:endParaRPr kumimoji="0" lang="en-US" sz="1200" b="0" i="0" u="none" strike="noStrike" kern="1200" cap="none" spc="0" normalizeH="0" baseline="0" noProof="0">
+              <a:ln>
+                <a:noFill/>
+              </a:ln>
+              <a:solidFill>
+                <a:prstClr val="black"/>
+              </a:solidFill>
+              <a:effectLst/>
+              <a:uLnTx/>
+              <a:uFillTx/>
+              <a:latin typeface="Calibri"/>
+              <a:ea typeface="+mn-ea"/>
+              <a:cs typeface="+mn-cs"/>
+            </a:endParaRPr>
+          </a:p>
+        </p:txBody>
+      </p:sp>
+    </p:spTree>
+    <p:extLst>
+      <p:ext uri="{BB962C8B-B14F-4D97-AF65-F5344CB8AC3E}">
+        <p14:creationId xmlns:p14="http://schemas.microsoft.com/office/powerpoint/2010/main" val="3441637810"/>
+      </p:ext>
+    </p:extLst>
+  </p:cSld>
+  <p:clrMapOvr>
+    <a:masterClrMapping/>
+  </p:clrMapOvr>
+</p:notes>
+</file>
+
+<file path=ppt/notesSlides/notesSlide14.xml><?xml version="1.0" encoding="utf-8"?>
+<p:notes xmlns:a="http://schemas.openxmlformats.org/drawingml/2006/main" xmlns:r="http://schemas.openxmlformats.org/officeDocument/2006/relationships" xmlns:p="http://schemas.openxmlformats.org/presentationml/2006/main">
+  <p:cSld>
+    <p:spTree>
+      <p:nvGrpSpPr>
+        <p:cNvPr id="1" name=""/>
+        <p:cNvGrpSpPr/>
+        <p:nvPr/>
+      </p:nvGrpSpPr>
+      <p:grpSpPr>
+        <a:xfrm>
+          <a:off x="0" y="0"/>
+          <a:ext cx="0" cy="0"/>
+          <a:chOff x="0" y="0"/>
+          <a:chExt cx="0" cy="0"/>
+        </a:xfrm>
+      </p:grpSpPr>
+      <p:sp>
+        <p:nvSpPr>
+          <p:cNvPr id="2" name="Slide Image Placeholder 1"/>
+          <p:cNvSpPr>
+            <a:spLocks noGrp="1" noRot="1" noChangeAspect="1"/>
+          </p:cNvSpPr>
+          <p:nvPr>
+            <p:ph type="sldImg"/>
+          </p:nvPr>
+        </p:nvSpPr>
+        <p:spPr/>
+      </p:sp>
+      <p:sp>
+        <p:nvSpPr>
+          <p:cNvPr id="3" name="Notes Placeholder 2"/>
+          <p:cNvSpPr>
+            <a:spLocks noGrp="1"/>
+          </p:cNvSpPr>
+          <p:nvPr>
+            <p:ph type="body" idx="1"/>
+          </p:nvPr>
+        </p:nvSpPr>
+        <p:spPr/>
+        <p:txBody>
+          <a:bodyPr/>
+          <a:lstStyle/>
+          <a:p>
+            <a:r>
+              <a:rPr lang="en-US" dirty="0"/>
+              <a:t>The test model can be considered</a:t>
+            </a:r>
+          </a:p>
+          <a:p>
+            <a:r>
+              <a:rPr lang="en-US" dirty="0"/>
+              <a:t>as a reference test model2 in the sense that it captures all</a:t>
+            </a:r>
+          </a:p>
+          <a:p>
+            <a:r>
+              <a:rPr lang="en-US" dirty="0"/>
+              <a:t>possible usage scenarios for a family of systems</a:t>
+            </a:r>
+          </a:p>
+        </p:txBody>
+      </p:sp>
+      <p:sp>
+        <p:nvSpPr>
+          <p:cNvPr id="4" name="Slide Number Placeholder 3"/>
+          <p:cNvSpPr>
+            <a:spLocks noGrp="1"/>
+          </p:cNvSpPr>
+          <p:nvPr>
+            <p:ph type="sldNum" sz="quarter" idx="10"/>
+          </p:nvPr>
+        </p:nvSpPr>
+        <p:spPr/>
+        <p:txBody>
+          <a:bodyPr/>
+          <a:lstStyle/>
+          <a:p>
+            <a:pPr marL="0" marR="0" lvl="0" indent="0" algn="r" defTabSz="914400" rtl="0" eaLnBrk="1" fontAlgn="auto" latinLnBrk="0" hangingPunct="1">
+              <a:lnSpc>
+                <a:spcPct val="100000"/>
+              </a:lnSpc>
+              <a:spcBef>
+                <a:spcPts val="0"/>
+              </a:spcBef>
+              <a:spcAft>
+                <a:spcPts val="0"/>
+              </a:spcAft>
+              <a:buClrTx/>
+              <a:buSzTx/>
+              <a:buFontTx/>
+              <a:buNone/>
+              <a:tabLst/>
+              <a:defRPr/>
+            </a:pPr>
+            <a:fld id="{86DD51C1-76A8-45EE-B5F0-0C83FFC4CFF4}" type="slidenum">
+              <a:rPr kumimoji="0" lang="en-US" sz="1200" b="0" i="0" u="none" strike="noStrike" kern="1200" cap="none" spc="0" normalizeH="0" baseline="0" noProof="0" smtClean="0">
+                <a:ln>
+                  <a:noFill/>
+                </a:ln>
+                <a:solidFill>
+                  <a:prstClr val="black"/>
+                </a:solidFill>
+                <a:effectLst/>
+                <a:uLnTx/>
+                <a:uFillTx/>
+                <a:latin typeface="Calibri"/>
+                <a:ea typeface="+mn-ea"/>
+                <a:cs typeface="+mn-cs"/>
+              </a:rPr>
+              <a:pPr marL="0" marR="0" lvl="0" indent="0" algn="r" defTabSz="914400" rtl="0" eaLnBrk="1" fontAlgn="auto" latinLnBrk="0" hangingPunct="1">
+                <a:lnSpc>
+                  <a:spcPct val="100000"/>
+                </a:lnSpc>
+                <a:spcBef>
+                  <a:spcPts val="0"/>
+                </a:spcBef>
+                <a:spcAft>
+                  <a:spcPts val="0"/>
+                </a:spcAft>
+                <a:buClrTx/>
+                <a:buSzTx/>
+                <a:buFontTx/>
+                <a:buNone/>
+                <a:tabLst/>
+                <a:defRPr/>
+              </a:pPr>
+              <a:t>16</a:t>
+            </a:fld>
+            <a:endParaRPr kumimoji="0" lang="en-US" sz="1200" b="0" i="0" u="none" strike="noStrike" kern="1200" cap="none" spc="0" normalizeH="0" baseline="0" noProof="0">
+              <a:ln>
+                <a:noFill/>
+              </a:ln>
+              <a:solidFill>
+                <a:prstClr val="black"/>
+              </a:solidFill>
+              <a:effectLst/>
+              <a:uLnTx/>
+              <a:uFillTx/>
+              <a:latin typeface="Calibri"/>
+              <a:ea typeface="+mn-ea"/>
+              <a:cs typeface="+mn-cs"/>
+            </a:endParaRPr>
+          </a:p>
+        </p:txBody>
+      </p:sp>
+    </p:spTree>
+    <p:extLst>
+      <p:ext uri="{BB962C8B-B14F-4D97-AF65-F5344CB8AC3E}">
+        <p14:creationId xmlns:p14="http://schemas.microsoft.com/office/powerpoint/2010/main" val="117665362"/>
       </p:ext>
     </p:extLst>
   </p:cSld>
@@ -1562,150 +1883,6 @@
                 <a:tabLst/>
                 <a:defRPr/>
               </a:pPr>
-              <a:t>5</a:t>
-            </a:fld>
-            <a:endParaRPr kumimoji="0" lang="en-US" sz="1200" b="0" i="0" u="none" strike="noStrike" kern="1200" cap="none" spc="0" normalizeH="0" baseline="0" noProof="0">
-              <a:ln>
-                <a:noFill/>
-              </a:ln>
-              <a:solidFill>
-                <a:prstClr val="black"/>
-              </a:solidFill>
-              <a:effectLst/>
-              <a:uLnTx/>
-              <a:uFillTx/>
-              <a:latin typeface="Calibri"/>
-              <a:ea typeface="+mn-ea"/>
-              <a:cs typeface="+mn-cs"/>
-            </a:endParaRPr>
-          </a:p>
-        </p:txBody>
-      </p:sp>
-    </p:spTree>
-    <p:extLst>
-      <p:ext uri="{BB962C8B-B14F-4D97-AF65-F5344CB8AC3E}">
-        <p14:creationId xmlns:p14="http://schemas.microsoft.com/office/powerpoint/2010/main" val="2234708292"/>
-      </p:ext>
-    </p:extLst>
-  </p:cSld>
-  <p:clrMapOvr>
-    <a:masterClrMapping/>
-  </p:clrMapOvr>
-</p:notes>
-</file>
-
-<file path=ppt/notesSlides/notesSlide5.xml><?xml version="1.0" encoding="utf-8"?>
-<p:notes xmlns:a="http://schemas.openxmlformats.org/drawingml/2006/main" xmlns:r="http://schemas.openxmlformats.org/officeDocument/2006/relationships" xmlns:p="http://schemas.openxmlformats.org/presentationml/2006/main">
-  <p:cSld>
-    <p:spTree>
-      <p:nvGrpSpPr>
-        <p:cNvPr id="1" name=""/>
-        <p:cNvGrpSpPr/>
-        <p:nvPr/>
-      </p:nvGrpSpPr>
-      <p:grpSpPr>
-        <a:xfrm>
-          <a:off x="0" y="0"/>
-          <a:ext cx="0" cy="0"/>
-          <a:chOff x="0" y="0"/>
-          <a:chExt cx="0" cy="0"/>
-        </a:xfrm>
-      </p:grpSpPr>
-      <p:sp>
-        <p:nvSpPr>
-          <p:cNvPr id="2" name="Slide Image Placeholder 1"/>
-          <p:cNvSpPr>
-            <a:spLocks noGrp="1" noRot="1" noChangeAspect="1"/>
-          </p:cNvSpPr>
-          <p:nvPr>
-            <p:ph type="sldImg"/>
-          </p:nvPr>
-        </p:nvSpPr>
-        <p:spPr/>
-      </p:sp>
-      <p:sp>
-        <p:nvSpPr>
-          <p:cNvPr id="3" name="Notes Placeholder 2"/>
-          <p:cNvSpPr>
-            <a:spLocks noGrp="1"/>
-          </p:cNvSpPr>
-          <p:nvPr>
-            <p:ph type="body" idx="1"/>
-          </p:nvPr>
-        </p:nvSpPr>
-        <p:spPr/>
-        <p:txBody>
-          <a:bodyPr/>
-          <a:lstStyle/>
-          <a:p>
-            <a:endParaRPr lang="en-US" baseline="0" dirty="0"/>
-          </a:p>
-        </p:txBody>
-      </p:sp>
-      <p:sp>
-        <p:nvSpPr>
-          <p:cNvPr id="4" name="Slide Number Placeholder 3"/>
-          <p:cNvSpPr>
-            <a:spLocks noGrp="1"/>
-          </p:cNvSpPr>
-          <p:nvPr>
-            <p:ph type="sldNum" sz="quarter" idx="10"/>
-          </p:nvPr>
-        </p:nvSpPr>
-        <p:spPr/>
-        <p:txBody>
-          <a:bodyPr/>
-          <a:lstStyle/>
-          <a:p>
-            <a:pPr marL="0" marR="0" lvl="0" indent="0" algn="r" defTabSz="914400" rtl="0" eaLnBrk="1" fontAlgn="auto" latinLnBrk="0" hangingPunct="1">
-              <a:lnSpc>
-                <a:spcPct val="100000"/>
-              </a:lnSpc>
-              <a:spcBef>
-                <a:spcPts val="0"/>
-              </a:spcBef>
-              <a:spcAft>
-                <a:spcPts val="0"/>
-              </a:spcAft>
-              <a:buClrTx/>
-              <a:buSzTx/>
-              <a:buFontTx/>
-              <a:buNone/>
-              <a:tabLst/>
-              <a:defRPr/>
-            </a:pPr>
-            <a:fld id="{86DD51C1-76A8-45EE-B5F0-0C83FFC4CFF4}" type="slidenum">
-              <a:rPr kumimoji="0" lang="en-US" sz="1200" b="0" i="0" u="none" strike="noStrike" kern="1200" cap="none" spc="0" normalizeH="0" baseline="0" noProof="0" smtClean="0">
-                <a:ln>
-                  <a:noFill/>
-                </a:ln>
-                <a:solidFill>
-                  <a:prstClr val="black"/>
-                </a:solidFill>
-                <a:effectLst/>
-                <a:uLnTx/>
-                <a:uFillTx/>
-                <a:latin typeface="Calibri"/>
-                <a:ea typeface="+mn-ea"/>
-                <a:cs typeface="+mn-cs"/>
-              </a:rPr>
-              <a:pPr marL="0" marR="0" lvl="0" indent="0" algn="r" defTabSz="914400" rtl="0" eaLnBrk="1" fontAlgn="auto" latinLnBrk="0" hangingPunct="1">
-                <a:lnSpc>
-                  <a:spcPct val="100000"/>
-                </a:lnSpc>
-                <a:spcBef>
-                  <a:spcPts val="0"/>
-                </a:spcBef>
-                <a:spcAft>
-                  <a:spcPts val="0"/>
-                </a:spcAft>
-                <a:buClrTx/>
-                <a:buSzTx/>
-                <a:buFontTx/>
-                <a:buNone/>
-                <a:tabLst/>
-                <a:defRPr/>
-              </a:pPr>
               <a:t>6</a:t>
             </a:fld>
             <a:endParaRPr kumimoji="0" lang="en-US" sz="1200" b="0" i="0" u="none" strike="noStrike" kern="1200" cap="none" spc="0" normalizeH="0" baseline="0" noProof="0">
@@ -1728,7 +1905,7 @@
     </p:spTree>
     <p:extLst>
       <p:ext uri="{BB962C8B-B14F-4D97-AF65-F5344CB8AC3E}">
-        <p14:creationId xmlns:p14="http://schemas.microsoft.com/office/powerpoint/2010/main" val="1445499102"/>
+        <p14:creationId xmlns:p14="http://schemas.microsoft.com/office/powerpoint/2010/main" val="2234708292"/>
       </p:ext>
     </p:extLst>
   </p:cSld>
@@ -1738,7 +1915,7 @@
 </p:notes>
 </file>
 
-<file path=ppt/notesSlides/notesSlide6.xml><?xml version="1.0" encoding="utf-8"?>
+<file path=ppt/notesSlides/notesSlide5.xml><?xml version="1.0" encoding="utf-8"?>
 <p:notes xmlns:a="http://schemas.openxmlformats.org/drawingml/2006/main" xmlns:r="http://schemas.openxmlformats.org/officeDocument/2006/relationships" xmlns:p="http://schemas.openxmlformats.org/presentationml/2006/main">
   <p:cSld>
     <p:spTree>
@@ -1872,7 +2049,7 @@
     </p:spTree>
     <p:extLst>
       <p:ext uri="{BB962C8B-B14F-4D97-AF65-F5344CB8AC3E}">
-        <p14:creationId xmlns:p14="http://schemas.microsoft.com/office/powerpoint/2010/main" val="1616958361"/>
+        <p14:creationId xmlns:p14="http://schemas.microsoft.com/office/powerpoint/2010/main" val="1445499102"/>
       </p:ext>
     </p:extLst>
   </p:cSld>
@@ -1882,7 +2059,7 @@
 </p:notes>
 </file>
 
-<file path=ppt/notesSlides/notesSlide7.xml><?xml version="1.0" encoding="utf-8"?>
+<file path=ppt/notesSlides/notesSlide6.xml><?xml version="1.0" encoding="utf-8"?>
 <p:notes xmlns:a="http://schemas.openxmlformats.org/drawingml/2006/main" xmlns:r="http://schemas.openxmlformats.org/officeDocument/2006/relationships" xmlns:p="http://schemas.openxmlformats.org/presentationml/2006/main">
   <p:cSld>
     <p:spTree>
@@ -2016,7 +2193,7 @@
     </p:spTree>
     <p:extLst>
       <p:ext uri="{BB962C8B-B14F-4D97-AF65-F5344CB8AC3E}">
-        <p14:creationId xmlns:p14="http://schemas.microsoft.com/office/powerpoint/2010/main" val="572865971"/>
+        <p14:creationId xmlns:p14="http://schemas.microsoft.com/office/powerpoint/2010/main" val="1616958361"/>
       </p:ext>
     </p:extLst>
   </p:cSld>
@@ -2026,7 +2203,7 @@
 </p:notes>
 </file>
 
-<file path=ppt/notesSlides/notesSlide8.xml><?xml version="1.0" encoding="utf-8"?>
+<file path=ppt/notesSlides/notesSlide7.xml><?xml version="1.0" encoding="utf-8"?>
 <p:notes xmlns:a="http://schemas.openxmlformats.org/drawingml/2006/main" xmlns:r="http://schemas.openxmlformats.org/officeDocument/2006/relationships" xmlns:p="http://schemas.openxmlformats.org/presentationml/2006/main">
   <p:cSld>
     <p:spTree>
@@ -2160,7 +2337,7 @@
     </p:spTree>
     <p:extLst>
       <p:ext uri="{BB962C8B-B14F-4D97-AF65-F5344CB8AC3E}">
-        <p14:creationId xmlns:p14="http://schemas.microsoft.com/office/powerpoint/2010/main" val="3776294080"/>
+        <p14:creationId xmlns:p14="http://schemas.microsoft.com/office/powerpoint/2010/main" val="572865971"/>
       </p:ext>
     </p:extLst>
   </p:cSld>
@@ -2170,7 +2347,7 @@
 </p:notes>
 </file>
 
-<file path=ppt/notesSlides/notesSlide9.xml><?xml version="1.0" encoding="utf-8"?>
+<file path=ppt/notesSlides/notesSlide8.xml><?xml version="1.0" encoding="utf-8"?>
 <p:notes xmlns:a="http://schemas.openxmlformats.org/drawingml/2006/main" xmlns:r="http://schemas.openxmlformats.org/officeDocument/2006/relationships" xmlns:p="http://schemas.openxmlformats.org/presentationml/2006/main">
   <p:cSld>
     <p:spTree>
@@ -2283,6 +2460,150 @@
                 <a:defRPr/>
               </a:pPr>
               <a:t>10</a:t>
+            </a:fld>
+            <a:endParaRPr kumimoji="0" lang="en-US" sz="1200" b="0" i="0" u="none" strike="noStrike" kern="1200" cap="none" spc="0" normalizeH="0" baseline="0" noProof="0">
+              <a:ln>
+                <a:noFill/>
+              </a:ln>
+              <a:solidFill>
+                <a:prstClr val="black"/>
+              </a:solidFill>
+              <a:effectLst/>
+              <a:uLnTx/>
+              <a:uFillTx/>
+              <a:latin typeface="Calibri"/>
+              <a:ea typeface="+mn-ea"/>
+              <a:cs typeface="+mn-cs"/>
+            </a:endParaRPr>
+          </a:p>
+        </p:txBody>
+      </p:sp>
+    </p:spTree>
+    <p:extLst>
+      <p:ext uri="{BB962C8B-B14F-4D97-AF65-F5344CB8AC3E}">
+        <p14:creationId xmlns:p14="http://schemas.microsoft.com/office/powerpoint/2010/main" val="3776294080"/>
+      </p:ext>
+    </p:extLst>
+  </p:cSld>
+  <p:clrMapOvr>
+    <a:masterClrMapping/>
+  </p:clrMapOvr>
+</p:notes>
+</file>
+
+<file path=ppt/notesSlides/notesSlide9.xml><?xml version="1.0" encoding="utf-8"?>
+<p:notes xmlns:a="http://schemas.openxmlformats.org/drawingml/2006/main" xmlns:r="http://schemas.openxmlformats.org/officeDocument/2006/relationships" xmlns:p="http://schemas.openxmlformats.org/presentationml/2006/main">
+  <p:cSld>
+    <p:spTree>
+      <p:nvGrpSpPr>
+        <p:cNvPr id="1" name=""/>
+        <p:cNvGrpSpPr/>
+        <p:nvPr/>
+      </p:nvGrpSpPr>
+      <p:grpSpPr>
+        <a:xfrm>
+          <a:off x="0" y="0"/>
+          <a:ext cx="0" cy="0"/>
+          <a:chOff x="0" y="0"/>
+          <a:chExt cx="0" cy="0"/>
+        </a:xfrm>
+      </p:grpSpPr>
+      <p:sp>
+        <p:nvSpPr>
+          <p:cNvPr id="2" name="Slide Image Placeholder 1"/>
+          <p:cNvSpPr>
+            <a:spLocks noGrp="1" noRot="1" noChangeAspect="1"/>
+          </p:cNvSpPr>
+          <p:nvPr>
+            <p:ph type="sldImg"/>
+          </p:nvPr>
+        </p:nvSpPr>
+        <p:spPr/>
+      </p:sp>
+      <p:sp>
+        <p:nvSpPr>
+          <p:cNvPr id="3" name="Notes Placeholder 2"/>
+          <p:cNvSpPr>
+            <a:spLocks noGrp="1"/>
+          </p:cNvSpPr>
+          <p:nvPr>
+            <p:ph type="body" idx="1"/>
+          </p:nvPr>
+        </p:nvSpPr>
+        <p:spPr/>
+        <p:txBody>
+          <a:bodyPr/>
+          <a:lstStyle/>
+          <a:p>
+            <a:endParaRPr lang="en-US" baseline="0" dirty="0"/>
+          </a:p>
+        </p:txBody>
+      </p:sp>
+      <p:sp>
+        <p:nvSpPr>
+          <p:cNvPr id="4" name="Slide Number Placeholder 3"/>
+          <p:cNvSpPr>
+            <a:spLocks noGrp="1"/>
+          </p:cNvSpPr>
+          <p:nvPr>
+            <p:ph type="sldNum" sz="quarter" idx="10"/>
+          </p:nvPr>
+        </p:nvSpPr>
+        <p:spPr/>
+        <p:txBody>
+          <a:bodyPr/>
+          <a:lstStyle/>
+          <a:p>
+            <a:pPr marL="0" marR="0" lvl="0" indent="0" algn="r" defTabSz="914400" rtl="0" eaLnBrk="1" fontAlgn="auto" latinLnBrk="0" hangingPunct="1">
+              <a:lnSpc>
+                <a:spcPct val="100000"/>
+              </a:lnSpc>
+              <a:spcBef>
+                <a:spcPts val="0"/>
+              </a:spcBef>
+              <a:spcAft>
+                <a:spcPts val="0"/>
+              </a:spcAft>
+              <a:buClrTx/>
+              <a:buSzTx/>
+              <a:buFontTx/>
+              <a:buNone/>
+              <a:tabLst/>
+              <a:defRPr/>
+            </a:pPr>
+            <a:fld id="{86DD51C1-76A8-45EE-B5F0-0C83FFC4CFF4}" type="slidenum">
+              <a:rPr kumimoji="0" lang="en-US" sz="1200" b="0" i="0" u="none" strike="noStrike" kern="1200" cap="none" spc="0" normalizeH="0" baseline="0" noProof="0" smtClean="0">
+                <a:ln>
+                  <a:noFill/>
+                </a:ln>
+                <a:solidFill>
+                  <a:prstClr val="black"/>
+                </a:solidFill>
+                <a:effectLst/>
+                <a:uLnTx/>
+                <a:uFillTx/>
+                <a:latin typeface="Calibri"/>
+                <a:ea typeface="+mn-ea"/>
+                <a:cs typeface="+mn-cs"/>
+              </a:rPr>
+              <a:pPr marL="0" marR="0" lvl="0" indent="0" algn="r" defTabSz="914400" rtl="0" eaLnBrk="1" fontAlgn="auto" latinLnBrk="0" hangingPunct="1">
+                <a:lnSpc>
+                  <a:spcPct val="100000"/>
+                </a:lnSpc>
+                <a:spcBef>
+                  <a:spcPts val="0"/>
+                </a:spcBef>
+                <a:spcAft>
+                  <a:spcPts val="0"/>
+                </a:spcAft>
+                <a:buClrTx/>
+                <a:buSzTx/>
+                <a:buFontTx/>
+                <a:buNone/>
+                <a:tabLst/>
+                <a:defRPr/>
+              </a:pPr>
+              <a:t>11</a:t>
             </a:fld>
             <a:endParaRPr kumimoji="0" lang="en-US" sz="1200" b="0" i="0" u="none" strike="noStrike" kern="1200" cap="none" spc="0" normalizeH="0" baseline="0" noProof="0">
               <a:ln>
@@ -6161,8 +6482,8 @@
         </p:blipFill>
         <p:spPr>
           <a:xfrm>
-            <a:off x="635915" y="1538687"/>
-            <a:ext cx="3689427" cy="2888968"/>
+            <a:off x="5469490" y="1981200"/>
+            <a:ext cx="3384627" cy="2633769"/>
           </a:xfrm>
           <a:prstGeom prst="rect">
             <a:avLst/>
@@ -6273,6 +6594,518 @@
                 <a:defRPr/>
               </a:pPr>
               <a:t>10</a:t>
+            </a:fld>
+            <a:endParaRPr kumimoji="0" lang="en-US" sz="1200" b="0" i="0" u="none" strike="noStrike" kern="1200" cap="none" spc="0" normalizeH="0" baseline="0" noProof="0">
+              <a:ln>
+                <a:noFill/>
+              </a:ln>
+              <a:solidFill>
+                <a:prstClr val="black">
+                  <a:lumMod val="65000"/>
+                  <a:lumOff val="35000"/>
+                </a:prstClr>
+              </a:solidFill>
+              <a:effectLst/>
+              <a:uLnTx/>
+              <a:uFillTx/>
+              <a:latin typeface="Century Gothic" pitchFamily="34" charset="0"/>
+              <a:ea typeface="+mn-ea"/>
+              <a:cs typeface="+mn-cs"/>
+            </a:endParaRPr>
+          </a:p>
+        </p:txBody>
+      </p:sp>
+      <p:cxnSp>
+        <p:nvCxnSpPr>
+          <p:cNvPr id="15" name="Düz Ok Bağlayıcısı 14">
+            <a:extLst>
+              <a:ext uri="{FF2B5EF4-FFF2-40B4-BE49-F238E27FC236}">
+                <a16:creationId xmlns:a16="http://schemas.microsoft.com/office/drawing/2014/main" id="{9E112050-01A1-437C-A755-CF996B3C58F8}"/>
+              </a:ext>
+            </a:extLst>
+          </p:cNvPr>
+          <p:cNvCxnSpPr/>
+          <p:nvPr/>
+        </p:nvCxnSpPr>
+        <p:spPr>
+          <a:xfrm>
+            <a:off x="3886200" y="3429000"/>
+            <a:ext cx="0" cy="0"/>
+          </a:xfrm>
+          <a:prstGeom prst="straightConnector1">
+            <a:avLst/>
+          </a:prstGeom>
+          <a:ln>
+            <a:tailEnd type="triangle"/>
+          </a:ln>
+        </p:spPr>
+        <p:style>
+          <a:lnRef idx="1">
+            <a:schemeClr val="accent1"/>
+          </a:lnRef>
+          <a:fillRef idx="0">
+            <a:schemeClr val="accent1"/>
+          </a:fillRef>
+          <a:effectRef idx="0">
+            <a:schemeClr val="accent1"/>
+          </a:effectRef>
+          <a:fontRef idx="minor">
+            <a:schemeClr val="tx1"/>
+          </a:fontRef>
+        </p:style>
+      </p:cxnSp>
+      <p:cxnSp>
+        <p:nvCxnSpPr>
+          <p:cNvPr id="19" name="Düz Ok Bağlayıcısı 18">
+            <a:extLst>
+              <a:ext uri="{FF2B5EF4-FFF2-40B4-BE49-F238E27FC236}">
+                <a16:creationId xmlns:a16="http://schemas.microsoft.com/office/drawing/2014/main" id="{DDDF5E7E-B7F0-403A-AD0D-192C397BBC76}"/>
+              </a:ext>
+            </a:extLst>
+          </p:cNvPr>
+          <p:cNvCxnSpPr/>
+          <p:nvPr/>
+        </p:nvCxnSpPr>
+        <p:spPr>
+          <a:xfrm>
+            <a:off x="2133600" y="3383556"/>
+            <a:ext cx="0" cy="0"/>
+          </a:xfrm>
+          <a:prstGeom prst="straightConnector1">
+            <a:avLst/>
+          </a:prstGeom>
+          <a:ln>
+            <a:tailEnd type="triangle"/>
+          </a:ln>
+        </p:spPr>
+        <p:style>
+          <a:lnRef idx="1">
+            <a:schemeClr val="accent1"/>
+          </a:lnRef>
+          <a:fillRef idx="0">
+            <a:schemeClr val="accent1"/>
+          </a:fillRef>
+          <a:effectRef idx="0">
+            <a:schemeClr val="accent1"/>
+          </a:effectRef>
+          <a:fontRef idx="minor">
+            <a:schemeClr val="tx1"/>
+          </a:fontRef>
+        </p:style>
+      </p:cxnSp>
+      <p:sp>
+        <p:nvSpPr>
+          <p:cNvPr id="7" name="İçerik Yer Tutucusu 6">
+            <a:extLst>
+              <a:ext uri="{FF2B5EF4-FFF2-40B4-BE49-F238E27FC236}">
+                <a16:creationId xmlns:a16="http://schemas.microsoft.com/office/drawing/2014/main" id="{9E0E01C6-2C40-4F79-A50C-D27B144C25F5}"/>
+              </a:ext>
+            </a:extLst>
+          </p:cNvPr>
+          <p:cNvSpPr>
+            <a:spLocks noGrp="1"/>
+          </p:cNvSpPr>
+          <p:nvPr>
+            <p:ph idx="1"/>
+          </p:nvPr>
+        </p:nvSpPr>
+        <p:spPr>
+          <a:xfrm>
+            <a:off x="457200" y="1813462"/>
+            <a:ext cx="4800600" cy="4053938"/>
+          </a:xfrm>
+        </p:spPr>
+        <p:txBody>
+          <a:bodyPr>
+            <a:normAutofit/>
+          </a:bodyPr>
+          <a:lstStyle/>
+          <a:p>
+            <a:r>
+              <a:rPr lang="tr-TR" dirty="0"/>
+              <a:t>Test Step </a:t>
+            </a:r>
+            <a:r>
+              <a:rPr lang="tr-TR" dirty="0" err="1"/>
+              <a:t>List</a:t>
+            </a:r>
+            <a:r>
+              <a:rPr lang="tr-TR" dirty="0"/>
+              <a:t> </a:t>
+            </a:r>
+            <a:r>
+              <a:rPr lang="tr-TR" dirty="0" err="1"/>
+              <a:t>operations</a:t>
+            </a:r>
+            <a:r>
+              <a:rPr lang="tr-TR" dirty="0"/>
+              <a:t> </a:t>
+            </a:r>
+            <a:r>
+              <a:rPr lang="tr-TR" dirty="0" err="1"/>
+              <a:t>are</a:t>
+            </a:r>
+            <a:r>
+              <a:rPr lang="tr-TR" dirty="0"/>
+              <a:t> </a:t>
+            </a:r>
+            <a:r>
+              <a:rPr lang="tr-TR" dirty="0" err="1"/>
+              <a:t>given</a:t>
+            </a:r>
+            <a:r>
+              <a:rPr lang="tr-TR" dirty="0"/>
+              <a:t> as </a:t>
+            </a:r>
+            <a:r>
+              <a:rPr lang="tr-TR" dirty="0" err="1"/>
+              <a:t>input</a:t>
+            </a:r>
+            <a:r>
+              <a:rPr lang="tr-TR" dirty="0"/>
+              <a:t> </a:t>
+            </a:r>
+            <a:r>
+              <a:rPr lang="tr-TR" dirty="0" err="1"/>
+              <a:t>to</a:t>
+            </a:r>
+            <a:r>
+              <a:rPr lang="tr-TR" dirty="0"/>
+              <a:t> </a:t>
+            </a:r>
+            <a:r>
+              <a:rPr lang="tr-TR" dirty="0" err="1"/>
+              <a:t>tes</a:t>
+            </a:r>
+            <a:r>
+              <a:rPr lang="tr-TR" dirty="0"/>
+              <a:t> </a:t>
+            </a:r>
+            <a:r>
+              <a:rPr lang="tr-TR" dirty="0" err="1"/>
+              <a:t>case</a:t>
+            </a:r>
+            <a:r>
+              <a:rPr lang="tr-TR" dirty="0"/>
+              <a:t>.</a:t>
+            </a:r>
+          </a:p>
+          <a:p>
+            <a:r>
+              <a:rPr lang="tr-TR" dirty="0"/>
+              <a:t>Operations </a:t>
+            </a:r>
+            <a:r>
+              <a:rPr lang="tr-TR" dirty="0" err="1"/>
+              <a:t>are</a:t>
+            </a:r>
+            <a:r>
+              <a:rPr lang="tr-TR" dirty="0"/>
+              <a:t> </a:t>
+            </a:r>
+            <a:r>
+              <a:rPr lang="tr-TR" dirty="0" err="1"/>
+              <a:t>wiriting</a:t>
+            </a:r>
+            <a:r>
+              <a:rPr lang="tr-TR" dirty="0"/>
+              <a:t> a </a:t>
+            </a:r>
+            <a:r>
+              <a:rPr lang="tr-TR" dirty="0" err="1"/>
+              <a:t>text</a:t>
+            </a:r>
+            <a:r>
+              <a:rPr lang="tr-TR" dirty="0"/>
+              <a:t> file </a:t>
+            </a:r>
+            <a:r>
+              <a:rPr lang="tr-TR" dirty="0" err="1"/>
+              <a:t>and</a:t>
+            </a:r>
+            <a:r>
+              <a:rPr lang="tr-TR" dirty="0"/>
+              <a:t> </a:t>
+            </a:r>
+            <a:r>
+              <a:rPr lang="tr-TR" dirty="0" err="1"/>
+              <a:t>send</a:t>
+            </a:r>
+            <a:r>
+              <a:rPr lang="tr-TR" dirty="0"/>
+              <a:t> </a:t>
+            </a:r>
+            <a:r>
+              <a:rPr lang="tr-TR" dirty="0" err="1"/>
+              <a:t>related</a:t>
+            </a:r>
+            <a:r>
+              <a:rPr lang="tr-TR" dirty="0"/>
+              <a:t> </a:t>
+            </a:r>
+            <a:r>
+              <a:rPr lang="tr-TR" dirty="0" err="1"/>
+              <a:t>directory</a:t>
+            </a:r>
+            <a:r>
+              <a:rPr lang="tr-TR" dirty="0"/>
+              <a:t> </a:t>
+            </a:r>
+            <a:r>
+              <a:rPr lang="tr-TR" dirty="0" err="1"/>
+              <a:t>automatically</a:t>
+            </a:r>
+            <a:r>
+              <a:rPr lang="tr-TR" dirty="0"/>
+              <a:t>.</a:t>
+            </a:r>
+          </a:p>
+          <a:p>
+            <a:r>
+              <a:rPr lang="tr-TR" dirty="0" err="1"/>
+              <a:t>Usage</a:t>
+            </a:r>
+            <a:r>
+              <a:rPr lang="tr-TR" dirty="0"/>
+              <a:t> is </a:t>
+            </a:r>
+            <a:r>
+              <a:rPr lang="tr-TR" dirty="0" err="1"/>
+              <a:t>like</a:t>
+            </a:r>
+            <a:r>
+              <a:rPr lang="tr-TR" dirty="0"/>
+              <a:t> </a:t>
+            </a:r>
+            <a:r>
+              <a:rPr lang="tr-TR" dirty="0" err="1"/>
+              <a:t>this</a:t>
+            </a:r>
+            <a:r>
+              <a:rPr lang="tr-TR" dirty="0"/>
+              <a:t> </a:t>
+            </a:r>
+          </a:p>
+          <a:p>
+            <a:r>
+              <a:rPr lang="tr-TR" dirty="0"/>
+              <a:t>Operations </a:t>
+            </a:r>
+            <a:r>
+              <a:rPr lang="tr-TR" dirty="0" err="1"/>
+              <a:t>list</a:t>
+            </a:r>
+            <a:endParaRPr lang="tr-TR" dirty="0"/>
+          </a:p>
+          <a:p>
+            <a:pPr lvl="1"/>
+            <a:r>
+              <a:rPr lang="tr-TR" dirty="0"/>
+              <a:t>CLICK</a:t>
+            </a:r>
+          </a:p>
+          <a:p>
+            <a:pPr lvl="1"/>
+            <a:r>
+              <a:rPr lang="tr-TR" dirty="0"/>
+              <a:t>SETPARAM</a:t>
+            </a:r>
+          </a:p>
+          <a:p>
+            <a:pPr lvl="1"/>
+            <a:r>
+              <a:rPr lang="tr-TR" dirty="0"/>
+              <a:t>VERIFYPARAM</a:t>
+            </a:r>
+          </a:p>
+          <a:p>
+            <a:pPr lvl="1"/>
+            <a:r>
+              <a:rPr lang="tr-TR" dirty="0"/>
+              <a:t>VERIFYOBJECT</a:t>
+            </a:r>
+          </a:p>
+          <a:p>
+            <a:pPr lvl="1"/>
+            <a:endParaRPr lang="tr-TR" dirty="0"/>
+          </a:p>
+          <a:p>
+            <a:pPr lvl="1"/>
+            <a:endParaRPr lang="tr-TR" dirty="0"/>
+          </a:p>
+          <a:p>
+            <a:pPr lvl="1"/>
+            <a:endParaRPr lang="tr-TR" dirty="0"/>
+          </a:p>
+          <a:p>
+            <a:endParaRPr lang="en-US" dirty="0"/>
+          </a:p>
+        </p:txBody>
+      </p:sp>
+    </p:spTree>
+    <p:extLst>
+      <p:ext uri="{BB962C8B-B14F-4D97-AF65-F5344CB8AC3E}">
+        <p14:creationId xmlns:p14="http://schemas.microsoft.com/office/powerpoint/2010/main" val="1040358282"/>
+      </p:ext>
+    </p:extLst>
+  </p:cSld>
+  <p:clrMapOvr>
+    <a:masterClrMapping/>
+  </p:clrMapOvr>
+</p:sld>
+</file>
+
+<file path=ppt/slides/slide11.xml><?xml version="1.0" encoding="utf-8"?>
+<p:sld xmlns:a="http://schemas.openxmlformats.org/drawingml/2006/main" xmlns:r="http://schemas.openxmlformats.org/officeDocument/2006/relationships" xmlns:p="http://schemas.openxmlformats.org/presentationml/2006/main">
+  <p:cSld>
+    <p:spTree>
+      <p:nvGrpSpPr>
+        <p:cNvPr id="1" name=""/>
+        <p:cNvGrpSpPr/>
+        <p:nvPr/>
+      </p:nvGrpSpPr>
+      <p:grpSpPr>
+        <a:xfrm>
+          <a:off x="0" y="0"/>
+          <a:ext cx="0" cy="0"/>
+          <a:chOff x="0" y="0"/>
+          <a:chExt cx="0" cy="0"/>
+        </a:xfrm>
+      </p:grpSpPr>
+      <p:pic>
+        <p:nvPicPr>
+          <p:cNvPr id="3" name="Resim 2">
+            <a:extLst>
+              <a:ext uri="{FF2B5EF4-FFF2-40B4-BE49-F238E27FC236}">
+                <a16:creationId xmlns:a16="http://schemas.microsoft.com/office/drawing/2014/main" id="{A06B6C7E-8A44-4274-9595-F1D06749EB49}"/>
+              </a:ext>
+            </a:extLst>
+          </p:cNvPr>
+          <p:cNvPicPr>
+            <a:picLocks noChangeAspect="1"/>
+          </p:cNvPicPr>
+          <p:nvPr/>
+        </p:nvPicPr>
+        <p:blipFill>
+          <a:blip r:embed="rId3"/>
+          <a:stretch>
+            <a:fillRect/>
+          </a:stretch>
+        </p:blipFill>
+        <p:spPr>
+          <a:xfrm>
+            <a:off x="635915" y="1538687"/>
+            <a:ext cx="3689427" cy="2888968"/>
+          </a:xfrm>
+          <a:prstGeom prst="rect">
+            <a:avLst/>
+          </a:prstGeom>
+        </p:spPr>
+      </p:pic>
+      <p:sp>
+        <p:nvSpPr>
+          <p:cNvPr id="2" name="Title 1"/>
+          <p:cNvSpPr>
+            <a:spLocks noGrp="1"/>
+          </p:cNvSpPr>
+          <p:nvPr>
+            <p:ph type="title"/>
+          </p:nvPr>
+        </p:nvSpPr>
+        <p:spPr>
+          <a:xfrm>
+            <a:off x="457200" y="381000"/>
+            <a:ext cx="8229600" cy="914400"/>
+          </a:xfrm>
+        </p:spPr>
+        <p:txBody>
+          <a:bodyPr/>
+          <a:lstStyle/>
+          <a:p>
+            <a:r>
+              <a:rPr lang="tr-TR" sz="4000" dirty="0"/>
+              <a:t>Test Step </a:t>
+            </a:r>
+            <a:r>
+              <a:rPr lang="tr-TR" sz="4000" dirty="0" err="1"/>
+              <a:t>List</a:t>
+            </a:r>
+            <a:r>
+              <a:rPr lang="tr-TR" sz="4000" dirty="0"/>
+              <a:t> File</a:t>
+            </a:r>
+            <a:endParaRPr lang="en-US" sz="4000" dirty="0"/>
+          </a:p>
+        </p:txBody>
+      </p:sp>
+      <p:sp>
+        <p:nvSpPr>
+          <p:cNvPr id="14" name="Slide Number Placeholder 13"/>
+          <p:cNvSpPr>
+            <a:spLocks noGrp="1"/>
+          </p:cNvSpPr>
+          <p:nvPr>
+            <p:ph type="sldNum" sz="quarter" idx="12"/>
+          </p:nvPr>
+        </p:nvSpPr>
+        <p:spPr/>
+        <p:txBody>
+          <a:bodyPr/>
+          <a:lstStyle/>
+          <a:p>
+            <a:pPr marL="0" marR="0" lvl="0" indent="0" algn="l" defTabSz="914400" rtl="0" eaLnBrk="1" fontAlgn="auto" latinLnBrk="0" hangingPunct="1">
+              <a:lnSpc>
+                <a:spcPct val="100000"/>
+              </a:lnSpc>
+              <a:spcBef>
+                <a:spcPts val="0"/>
+              </a:spcBef>
+              <a:spcAft>
+                <a:spcPts val="0"/>
+              </a:spcAft>
+              <a:buClrTx/>
+              <a:buSzTx/>
+              <a:buFontTx/>
+              <a:buNone/>
+              <a:tabLst/>
+              <a:defRPr/>
+            </a:pPr>
+            <a:fld id="{D3A8E80F-08AD-4AA5-83D2-78A6B2333CC0}" type="slidenum">
+              <a:rPr kumimoji="0" lang="en-US" sz="1200" b="0" i="0" u="none" strike="noStrike" kern="1200" cap="none" spc="0" normalizeH="0" baseline="0" noProof="0" smtClean="0">
+                <a:ln>
+                  <a:noFill/>
+                </a:ln>
+                <a:solidFill>
+                  <a:prstClr val="black">
+                    <a:lumMod val="65000"/>
+                    <a:lumOff val="35000"/>
+                  </a:prstClr>
+                </a:solidFill>
+                <a:effectLst/>
+                <a:uLnTx/>
+                <a:uFillTx/>
+                <a:latin typeface="Century Gothic" pitchFamily="34" charset="0"/>
+                <a:ea typeface="+mn-ea"/>
+                <a:cs typeface="+mn-cs"/>
+              </a:rPr>
+              <a:pPr marL="0" marR="0" lvl="0" indent="0" algn="l" defTabSz="914400" rtl="0" eaLnBrk="1" fontAlgn="auto" latinLnBrk="0" hangingPunct="1">
+                <a:lnSpc>
+                  <a:spcPct val="100000"/>
+                </a:lnSpc>
+                <a:spcBef>
+                  <a:spcPts val="0"/>
+                </a:spcBef>
+                <a:spcAft>
+                  <a:spcPts val="0"/>
+                </a:spcAft>
+                <a:buClrTx/>
+                <a:buSzTx/>
+                <a:buFontTx/>
+                <a:buNone/>
+                <a:tabLst/>
+                <a:defRPr/>
+              </a:pPr>
+              <a:t>11</a:t>
             </a:fld>
             <a:endParaRPr kumimoji="0" lang="en-US" sz="1200" b="0" i="0" u="none" strike="noStrike" kern="1200" cap="none" spc="0" normalizeH="0" baseline="0" noProof="0">
               <a:ln>
@@ -6589,7 +7422,7 @@
 </p:sld>
 </file>
 
-<file path=ppt/slides/slide11.xml><?xml version="1.0" encoding="utf-8"?>
+<file path=ppt/slides/slide12.xml><?xml version="1.0" encoding="utf-8"?>
 <p:sld xmlns:a="http://schemas.openxmlformats.org/drawingml/2006/main" xmlns:r="http://schemas.openxmlformats.org/officeDocument/2006/relationships" xmlns:p="http://schemas.openxmlformats.org/presentationml/2006/main">
   <p:cSld>
     <p:spTree>
@@ -6813,704 +7646,6 @@
               </a:ln>
               <a:solidFill>
                 <a:prstClr val="black"/>
-              </a:solidFill>
-              <a:effectLst/>
-              <a:uLnTx/>
-              <a:uFillTx/>
-              <a:latin typeface="Palatino Linotype"/>
-              <a:ea typeface="+mn-ea"/>
-              <a:cs typeface="+mn-cs"/>
-            </a:endParaRPr>
-          </a:p>
-        </p:txBody>
-      </p:sp>
-      <p:sp>
-        <p:nvSpPr>
-          <p:cNvPr id="8" name="Slide Number Placeholder 7"/>
-          <p:cNvSpPr>
-            <a:spLocks noGrp="1"/>
-          </p:cNvSpPr>
-          <p:nvPr>
-            <p:ph type="sldNum" sz="quarter" idx="12"/>
-          </p:nvPr>
-        </p:nvSpPr>
-        <p:spPr/>
-        <p:txBody>
-          <a:bodyPr/>
-          <a:lstStyle/>
-          <a:p>
-            <a:pPr marL="0" marR="0" lvl="0" indent="0" algn="l" defTabSz="914400" rtl="0" eaLnBrk="1" fontAlgn="auto" latinLnBrk="0" hangingPunct="1">
-              <a:lnSpc>
-                <a:spcPct val="100000"/>
-              </a:lnSpc>
-              <a:spcBef>
-                <a:spcPts val="0"/>
-              </a:spcBef>
-              <a:spcAft>
-                <a:spcPts val="0"/>
-              </a:spcAft>
-              <a:buClrTx/>
-              <a:buSzTx/>
-              <a:buFontTx/>
-              <a:buNone/>
-              <a:tabLst/>
-              <a:defRPr/>
-            </a:pPr>
-            <a:fld id="{D3A8E80F-08AD-4AA5-83D2-78A6B2333CC0}" type="slidenum">
-              <a:rPr kumimoji="0" lang="en-US" sz="1200" b="0" i="0" u="none" strike="noStrike" kern="1200" cap="none" spc="0" normalizeH="0" baseline="0" noProof="0" smtClean="0">
-                <a:ln>
-                  <a:noFill/>
-                </a:ln>
-                <a:solidFill>
-                  <a:prstClr val="black">
-                    <a:lumMod val="65000"/>
-                    <a:lumOff val="35000"/>
-                  </a:prstClr>
-                </a:solidFill>
-                <a:effectLst/>
-                <a:uLnTx/>
-                <a:uFillTx/>
-                <a:latin typeface="Century Gothic" pitchFamily="34" charset="0"/>
-                <a:ea typeface="+mn-ea"/>
-                <a:cs typeface="+mn-cs"/>
-              </a:rPr>
-              <a:pPr marL="0" marR="0" lvl="0" indent="0" algn="l" defTabSz="914400" rtl="0" eaLnBrk="1" fontAlgn="auto" latinLnBrk="0" hangingPunct="1">
-                <a:lnSpc>
-                  <a:spcPct val="100000"/>
-                </a:lnSpc>
-                <a:spcBef>
-                  <a:spcPts val="0"/>
-                </a:spcBef>
-                <a:spcAft>
-                  <a:spcPts val="0"/>
-                </a:spcAft>
-                <a:buClrTx/>
-                <a:buSzTx/>
-                <a:buFontTx/>
-                <a:buNone/>
-                <a:tabLst/>
-                <a:defRPr/>
-              </a:pPr>
-              <a:t>11</a:t>
-            </a:fld>
-            <a:endParaRPr kumimoji="0" lang="en-US" sz="1200" b="0" i="0" u="none" strike="noStrike" kern="1200" cap="none" spc="0" normalizeH="0" baseline="0" noProof="0">
-              <a:ln>
-                <a:noFill/>
-              </a:ln>
-              <a:solidFill>
-                <a:prstClr val="black">
-                  <a:lumMod val="65000"/>
-                  <a:lumOff val="35000"/>
-                </a:prstClr>
-              </a:solidFill>
-              <a:effectLst/>
-              <a:uLnTx/>
-              <a:uFillTx/>
-              <a:latin typeface="Century Gothic" pitchFamily="34" charset="0"/>
-              <a:ea typeface="+mn-ea"/>
-              <a:cs typeface="+mn-cs"/>
-            </a:endParaRPr>
-          </a:p>
-        </p:txBody>
-      </p:sp>
-      <p:sp>
-        <p:nvSpPr>
-          <p:cNvPr id="14" name="Content Placeholder 2">
-            <a:extLst>
-              <a:ext uri="{FF2B5EF4-FFF2-40B4-BE49-F238E27FC236}">
-                <a16:creationId xmlns:a16="http://schemas.microsoft.com/office/drawing/2014/main" id="{3EDEAFFE-544D-4ABD-8BD6-2FA82E9F163B}"/>
-              </a:ext>
-            </a:extLst>
-          </p:cNvPr>
-          <p:cNvSpPr>
-            <a:spLocks noGrp="1"/>
-          </p:cNvSpPr>
-          <p:nvPr>
-            <p:ph idx="1"/>
-          </p:nvPr>
-        </p:nvSpPr>
-        <p:spPr>
-          <a:xfrm>
-            <a:off x="307974" y="5167082"/>
-            <a:ext cx="8607425" cy="914400"/>
-          </a:xfrm>
-        </p:spPr>
-        <p:txBody>
-          <a:bodyPr>
-            <a:normAutofit lnSpcReduction="10000"/>
-          </a:bodyPr>
-          <a:lstStyle/>
-          <a:p>
-            <a:pPr marL="365760" lvl="1" indent="-283464" algn="just">
-              <a:spcBef>
-                <a:spcPts val="600"/>
-              </a:spcBef>
-              <a:buSzPct val="80000"/>
-              <a:buFont typeface="Wingdings 2"/>
-              <a:buChar char=""/>
-            </a:pPr>
-            <a:r>
-              <a:rPr lang="tr-TR" sz="2000" dirty="0" err="1"/>
-              <a:t>Sample</a:t>
-            </a:r>
-            <a:r>
-              <a:rPr lang="tr-TR" sz="2000" dirty="0"/>
-              <a:t> </a:t>
-            </a:r>
-            <a:r>
-              <a:rPr lang="tr-TR" sz="2000" dirty="0" err="1"/>
-              <a:t>Cloud</a:t>
-            </a:r>
-            <a:r>
-              <a:rPr lang="tr-TR" sz="2000" dirty="0"/>
-              <a:t> </a:t>
-            </a:r>
-            <a:r>
-              <a:rPr lang="tr-TR" sz="2000" dirty="0" err="1"/>
-              <a:t>Login</a:t>
-            </a:r>
-            <a:r>
-              <a:rPr lang="tr-TR" sz="2000" dirty="0"/>
-              <a:t> Operations Test Case. Test </a:t>
-            </a:r>
-            <a:r>
-              <a:rPr lang="tr-TR" sz="2000" dirty="0" err="1"/>
-              <a:t>operations</a:t>
-            </a:r>
-            <a:r>
-              <a:rPr lang="tr-TR" sz="2000" dirty="0"/>
-              <a:t> </a:t>
-            </a:r>
-            <a:r>
-              <a:rPr lang="tr-TR" sz="2000" dirty="0" err="1"/>
-              <a:t>sequence</a:t>
-            </a:r>
-            <a:r>
-              <a:rPr lang="tr-TR" sz="2000" dirty="0"/>
-              <a:t> </a:t>
-            </a:r>
-            <a:r>
-              <a:rPr lang="tr-TR" sz="2000" dirty="0" err="1"/>
-              <a:t>give</a:t>
-            </a:r>
-            <a:r>
-              <a:rPr lang="tr-TR" sz="2000" dirty="0"/>
-              <a:t> GenerateTestStepList1 </a:t>
-            </a:r>
-            <a:r>
-              <a:rPr lang="tr-TR" sz="2000" dirty="0" err="1"/>
-              <a:t>module</a:t>
-            </a:r>
-            <a:r>
-              <a:rPr lang="tr-TR" sz="2000" dirty="0"/>
-              <a:t> as </a:t>
-            </a:r>
-            <a:r>
-              <a:rPr lang="tr-TR" sz="2000" dirty="0" err="1"/>
-              <a:t>input</a:t>
-            </a:r>
-            <a:r>
-              <a:rPr lang="tr-TR" sz="2000" dirty="0"/>
-              <a:t> </a:t>
-            </a:r>
-            <a:r>
-              <a:rPr lang="tr-TR" sz="2000" dirty="0" err="1"/>
-              <a:t>string</a:t>
-            </a:r>
-            <a:r>
-              <a:rPr lang="tr-TR" sz="2000" dirty="0"/>
-              <a:t>. </a:t>
-            </a:r>
-            <a:r>
-              <a:rPr lang="tr-TR" sz="2000" dirty="0" err="1"/>
-              <a:t>And</a:t>
-            </a:r>
-            <a:r>
-              <a:rPr lang="tr-TR" sz="2000" dirty="0"/>
-              <a:t> </a:t>
-            </a:r>
-            <a:r>
-              <a:rPr lang="tr-TR" sz="2000" dirty="0" err="1"/>
-              <a:t>then</a:t>
-            </a:r>
-            <a:r>
-              <a:rPr lang="tr-TR" sz="2000" dirty="0"/>
-              <a:t> </a:t>
-            </a:r>
-            <a:r>
-              <a:rPr lang="tr-TR" sz="2000" dirty="0" err="1"/>
-              <a:t>writing</a:t>
-            </a:r>
-            <a:r>
-              <a:rPr lang="tr-TR" sz="2000" dirty="0"/>
-              <a:t> a </a:t>
-            </a:r>
-            <a:r>
-              <a:rPr lang="tr-TR" sz="2000" dirty="0" err="1"/>
-              <a:t>text</a:t>
-            </a:r>
-            <a:r>
-              <a:rPr lang="tr-TR" sz="2000" dirty="0"/>
-              <a:t> file </a:t>
-            </a:r>
-            <a:r>
-              <a:rPr lang="tr-TR" sz="2000" dirty="0" err="1"/>
-              <a:t>from</a:t>
-            </a:r>
-            <a:r>
-              <a:rPr lang="tr-TR" sz="2000" dirty="0"/>
-              <a:t> </a:t>
-            </a:r>
-            <a:r>
-              <a:rPr lang="tr-TR" sz="2000" dirty="0" err="1"/>
-              <a:t>this</a:t>
-            </a:r>
-            <a:r>
-              <a:rPr lang="tr-TR" sz="2000" dirty="0"/>
-              <a:t> </a:t>
-            </a:r>
-            <a:r>
-              <a:rPr lang="tr-TR" sz="2000" dirty="0" err="1"/>
-              <a:t>module</a:t>
-            </a:r>
-            <a:r>
-              <a:rPr lang="tr-TR" sz="2000" dirty="0"/>
-              <a:t> </a:t>
-            </a:r>
-            <a:r>
-              <a:rPr lang="tr-TR" sz="2000" dirty="0" err="1"/>
-              <a:t>sending</a:t>
-            </a:r>
-            <a:r>
-              <a:rPr lang="tr-TR" sz="2000" dirty="0"/>
-              <a:t> </a:t>
-            </a:r>
-            <a:r>
-              <a:rPr lang="tr-TR" sz="2000" dirty="0" err="1"/>
-              <a:t>related</a:t>
-            </a:r>
-            <a:r>
-              <a:rPr lang="tr-TR" sz="2000" dirty="0"/>
-              <a:t> </a:t>
-            </a:r>
-            <a:r>
-              <a:rPr lang="tr-TR" sz="2000"/>
-              <a:t>directory </a:t>
-            </a:r>
-            <a:endParaRPr lang="tr-TR" sz="2000" dirty="0"/>
-          </a:p>
-          <a:p>
-            <a:pPr marL="365760" lvl="1" indent="-283464" algn="just">
-              <a:spcBef>
-                <a:spcPts val="600"/>
-              </a:spcBef>
-              <a:buSzPct val="80000"/>
-              <a:buFont typeface="Wingdings 2"/>
-              <a:buChar char=""/>
-            </a:pPr>
-            <a:endParaRPr lang="tr-TR" sz="2000" dirty="0"/>
-          </a:p>
-          <a:p>
-            <a:pPr marL="365760" lvl="1" indent="-283464" algn="just">
-              <a:spcBef>
-                <a:spcPts val="600"/>
-              </a:spcBef>
-              <a:buSzPct val="80000"/>
-              <a:buFont typeface="Wingdings 2"/>
-              <a:buChar char=""/>
-            </a:pPr>
-            <a:endParaRPr lang="en-US" sz="2000" dirty="0"/>
-          </a:p>
-        </p:txBody>
-      </p:sp>
-      <p:pic>
-        <p:nvPicPr>
-          <p:cNvPr id="7" name="Resim 6">
-            <a:extLst>
-              <a:ext uri="{FF2B5EF4-FFF2-40B4-BE49-F238E27FC236}">
-                <a16:creationId xmlns:a16="http://schemas.microsoft.com/office/drawing/2014/main" id="{37EAEF66-6F10-4DB0-9929-0541282BF57F}"/>
-              </a:ext>
-            </a:extLst>
-          </p:cNvPr>
-          <p:cNvPicPr>
-            <a:picLocks noChangeAspect="1"/>
-          </p:cNvPicPr>
-          <p:nvPr/>
-        </p:nvPicPr>
-        <p:blipFill>
-          <a:blip r:embed="rId4"/>
-          <a:stretch>
-            <a:fillRect/>
-          </a:stretch>
-        </p:blipFill>
-        <p:spPr>
-          <a:xfrm>
-            <a:off x="4651375" y="1342656"/>
-            <a:ext cx="4357570" cy="2690884"/>
-          </a:xfrm>
-          <a:prstGeom prst="rect">
-            <a:avLst/>
-          </a:prstGeom>
-        </p:spPr>
-      </p:pic>
-    </p:spTree>
-    <p:extLst>
-      <p:ext uri="{BB962C8B-B14F-4D97-AF65-F5344CB8AC3E}">
-        <p14:creationId xmlns:p14="http://schemas.microsoft.com/office/powerpoint/2010/main" val="541842775"/>
-      </p:ext>
-    </p:extLst>
-  </p:cSld>
-  <p:clrMapOvr>
-    <a:masterClrMapping/>
-  </p:clrMapOvr>
-</p:sld>
-</file>
-
-<file path=ppt/slides/slide12.xml><?xml version="1.0" encoding="utf-8"?>
-<p:sld xmlns:a="http://schemas.openxmlformats.org/drawingml/2006/main" xmlns:r="http://schemas.openxmlformats.org/officeDocument/2006/relationships" xmlns:p="http://schemas.openxmlformats.org/presentationml/2006/main">
-  <p:cSld>
-    <p:spTree>
-      <p:nvGrpSpPr>
-        <p:cNvPr id="1" name=""/>
-        <p:cNvGrpSpPr/>
-        <p:nvPr/>
-      </p:nvGrpSpPr>
-      <p:grpSpPr>
-        <a:xfrm>
-          <a:off x="0" y="0"/>
-          <a:ext cx="0" cy="0"/>
-          <a:chOff x="0" y="0"/>
-          <a:chExt cx="0" cy="0"/>
-        </a:xfrm>
-      </p:grpSpPr>
-      <p:pic>
-        <p:nvPicPr>
-          <p:cNvPr id="13" name="Resim 12">
-            <a:extLst>
-              <a:ext uri="{FF2B5EF4-FFF2-40B4-BE49-F238E27FC236}">
-                <a16:creationId xmlns:a16="http://schemas.microsoft.com/office/drawing/2014/main" id="{EB6612B1-C995-4319-B228-95CB35E7F683}"/>
-              </a:ext>
-            </a:extLst>
-          </p:cNvPr>
-          <p:cNvPicPr>
-            <a:picLocks noChangeAspect="1"/>
-          </p:cNvPicPr>
-          <p:nvPr/>
-        </p:nvPicPr>
-        <p:blipFill>
-          <a:blip r:embed="rId3"/>
-          <a:stretch>
-            <a:fillRect/>
-          </a:stretch>
-        </p:blipFill>
-        <p:spPr>
-          <a:xfrm>
-            <a:off x="1981200" y="1476247"/>
-            <a:ext cx="3657600" cy="2385600"/>
-          </a:xfrm>
-          <a:prstGeom prst="rect">
-            <a:avLst/>
-          </a:prstGeom>
-        </p:spPr>
-      </p:pic>
-      <p:sp>
-        <p:nvSpPr>
-          <p:cNvPr id="2" name="Title 1"/>
-          <p:cNvSpPr>
-            <a:spLocks noGrp="1"/>
-          </p:cNvSpPr>
-          <p:nvPr>
-            <p:ph type="title"/>
-          </p:nvPr>
-        </p:nvSpPr>
-        <p:spPr>
-          <a:xfrm>
-            <a:off x="312933" y="349132"/>
-            <a:ext cx="8229600" cy="911188"/>
-          </a:xfrm>
-        </p:spPr>
-        <p:txBody>
-          <a:bodyPr>
-            <a:normAutofit/>
-          </a:bodyPr>
-          <a:lstStyle/>
-          <a:p>
-            <a:r>
-              <a:rPr lang="tr-TR" sz="4000" dirty="0"/>
-              <a:t>Test Case </a:t>
-            </a:r>
-            <a:r>
-              <a:rPr lang="tr-TR" sz="4000" dirty="0" err="1"/>
-              <a:t>Preparation</a:t>
-            </a:r>
-            <a:r>
-              <a:rPr lang="tr-TR" sz="4000" dirty="0"/>
-              <a:t>(1)</a:t>
-            </a:r>
-            <a:endParaRPr lang="en-US" sz="4000" dirty="0"/>
-          </a:p>
-        </p:txBody>
-      </p:sp>
-      <p:sp>
-        <p:nvSpPr>
-          <p:cNvPr id="4" name="AutoShape 2" descr="Image result for turkcell"/>
-          <p:cNvSpPr>
-            <a:spLocks noChangeAspect="1" noChangeArrowheads="1"/>
-          </p:cNvSpPr>
-          <p:nvPr/>
-        </p:nvSpPr>
-        <p:spPr bwMode="auto">
-          <a:xfrm>
-            <a:off x="155575" y="-144463"/>
-            <a:ext cx="304800" cy="304801"/>
-          </a:xfrm>
-          <a:prstGeom prst="rect">
-            <a:avLst/>
-          </a:prstGeom>
-          <a:noFill/>
-          <a:extLst>
-            <a:ext uri="{909E8E84-426E-40DD-AFC4-6F175D3DCCD1}">
-              <a14:hiddenFill xmlns:a14="http://schemas.microsoft.com/office/drawing/2010/main">
-                <a:solidFill>
-                  <a:srgbClr val="FFFFFF"/>
-                </a:solidFill>
-              </a14:hiddenFill>
-            </a:ext>
-          </a:extLst>
-        </p:spPr>
-        <p:txBody>
-          <a:bodyPr vert="horz" wrap="square" lIns="91440" tIns="45720" rIns="91440" bIns="45720" numCol="1" anchor="t" anchorCtr="0" compatLnSpc="1">
-            <a:prstTxWarp prst="textNoShape">
-              <a:avLst/>
-            </a:prstTxWarp>
-          </a:bodyPr>
-          <a:lstStyle/>
-          <a:p>
-            <a:pPr marL="0" marR="0" lvl="0" indent="0" algn="l" defTabSz="914400" rtl="0" eaLnBrk="1" fontAlgn="auto" latinLnBrk="0" hangingPunct="1">
-              <a:lnSpc>
-                <a:spcPct val="100000"/>
-              </a:lnSpc>
-              <a:spcBef>
-                <a:spcPts val="0"/>
-              </a:spcBef>
-              <a:spcAft>
-                <a:spcPts val="0"/>
-              </a:spcAft>
-              <a:buClrTx/>
-              <a:buSzTx/>
-              <a:buFontTx/>
-              <a:buNone/>
-              <a:tabLst/>
-              <a:defRPr/>
-            </a:pPr>
-            <a:endParaRPr kumimoji="0" lang="en-US" sz="1800" b="0" i="0" u="none" strike="noStrike" kern="1200" cap="none" spc="0" normalizeH="0" baseline="0" noProof="0">
-              <a:ln>
-                <a:noFill/>
-              </a:ln>
-              <a:solidFill>
-                <a:prstClr val="black"/>
-              </a:solidFill>
-              <a:effectLst/>
-              <a:uLnTx/>
-              <a:uFillTx/>
-              <a:latin typeface="Palatino Linotype"/>
-              <a:ea typeface="+mn-ea"/>
-              <a:cs typeface="+mn-cs"/>
-            </a:endParaRPr>
-          </a:p>
-        </p:txBody>
-      </p:sp>
-      <p:sp>
-        <p:nvSpPr>
-          <p:cNvPr id="5" name="AutoShape 4" descr="Image result for turkcell"/>
-          <p:cNvSpPr>
-            <a:spLocks noChangeAspect="1" noChangeArrowheads="1"/>
-          </p:cNvSpPr>
-          <p:nvPr/>
-        </p:nvSpPr>
-        <p:spPr bwMode="auto">
-          <a:xfrm>
-            <a:off x="307975" y="7937"/>
-            <a:ext cx="304800" cy="304801"/>
-          </a:xfrm>
-          <a:prstGeom prst="rect">
-            <a:avLst/>
-          </a:prstGeom>
-          <a:noFill/>
-          <a:extLst>
-            <a:ext uri="{909E8E84-426E-40DD-AFC4-6F175D3DCCD1}">
-              <a14:hiddenFill xmlns:a14="http://schemas.microsoft.com/office/drawing/2010/main">
-                <a:solidFill>
-                  <a:srgbClr val="FFFFFF"/>
-                </a:solidFill>
-              </a14:hiddenFill>
-            </a:ext>
-          </a:extLst>
-        </p:spPr>
-        <p:txBody>
-          <a:bodyPr vert="horz" wrap="square" lIns="91440" tIns="45720" rIns="91440" bIns="45720" numCol="1" anchor="t" anchorCtr="0" compatLnSpc="1">
-            <a:prstTxWarp prst="textNoShape">
-              <a:avLst/>
-            </a:prstTxWarp>
-          </a:bodyPr>
-          <a:lstStyle/>
-          <a:p>
-            <a:pPr marL="0" marR="0" lvl="0" indent="0" algn="l" defTabSz="914400" rtl="0" eaLnBrk="1" fontAlgn="auto" latinLnBrk="0" hangingPunct="1">
-              <a:lnSpc>
-                <a:spcPct val="100000"/>
-              </a:lnSpc>
-              <a:spcBef>
-                <a:spcPts val="0"/>
-              </a:spcBef>
-              <a:spcAft>
-                <a:spcPts val="0"/>
-              </a:spcAft>
-              <a:buClrTx/>
-              <a:buSzTx/>
-              <a:buFontTx/>
-              <a:buNone/>
-              <a:tabLst/>
-              <a:defRPr/>
-            </a:pPr>
-            <a:endParaRPr kumimoji="0" lang="en-US" sz="1800" b="0" i="0" u="none" strike="noStrike" kern="1200" cap="none" spc="0" normalizeH="0" baseline="0" noProof="0">
-              <a:ln>
-                <a:noFill/>
-              </a:ln>
-              <a:solidFill>
-                <a:prstClr val="black"/>
-              </a:solidFill>
-              <a:effectLst/>
-              <a:uLnTx/>
-              <a:uFillTx/>
-              <a:latin typeface="Palatino Linotype"/>
-              <a:ea typeface="+mn-ea"/>
-              <a:cs typeface="+mn-cs"/>
-            </a:endParaRPr>
-          </a:p>
-        </p:txBody>
-      </p:sp>
-      <p:sp>
-        <p:nvSpPr>
-          <p:cNvPr id="11" name="Line Callout 1 10"/>
-          <p:cNvSpPr/>
-          <p:nvPr/>
-        </p:nvSpPr>
-        <p:spPr>
-          <a:xfrm>
-            <a:off x="154037" y="1507888"/>
-            <a:ext cx="1674763" cy="701912"/>
-          </a:xfrm>
-          <a:prstGeom prst="borderCallout1">
-            <a:avLst>
-              <a:gd name="adj1" fmla="val 5312"/>
-              <a:gd name="adj2" fmla="val 107410"/>
-              <a:gd name="adj3" fmla="val 179360"/>
-              <a:gd name="adj4" fmla="val 136631"/>
-            </a:avLst>
-          </a:prstGeom>
-          <a:solidFill>
-            <a:srgbClr val="FF0000"/>
-          </a:solidFill>
-          <a:ln>
-            <a:solidFill>
-              <a:srgbClr val="FF0000"/>
-            </a:solidFill>
-          </a:ln>
-        </p:spPr>
-        <p:style>
-          <a:lnRef idx="2">
-            <a:schemeClr val="accent1">
-              <a:shade val="50000"/>
-            </a:schemeClr>
-          </a:lnRef>
-          <a:fillRef idx="1">
-            <a:schemeClr val="accent1"/>
-          </a:fillRef>
-          <a:effectRef idx="0">
-            <a:schemeClr val="accent1"/>
-          </a:effectRef>
-          <a:fontRef idx="minor">
-            <a:schemeClr val="lt1"/>
-          </a:fontRef>
-        </p:style>
-        <p:txBody>
-          <a:bodyPr rtlCol="0" anchor="ctr"/>
-          <a:lstStyle/>
-          <a:p>
-            <a:pPr marL="0" marR="0" lvl="0" indent="0" algn="ctr" defTabSz="914400" rtl="0" eaLnBrk="1" fontAlgn="auto" latinLnBrk="0" hangingPunct="1">
-              <a:lnSpc>
-                <a:spcPct val="100000"/>
-              </a:lnSpc>
-              <a:spcBef>
-                <a:spcPts val="0"/>
-              </a:spcBef>
-              <a:spcAft>
-                <a:spcPts val="0"/>
-              </a:spcAft>
-              <a:buClrTx/>
-              <a:buSzTx/>
-              <a:buFontTx/>
-              <a:buNone/>
-              <a:tabLst/>
-              <a:defRPr/>
-            </a:pPr>
-            <a:r>
-              <a:rPr kumimoji="0" lang="tr-TR" sz="1600" b="0" i="0" u="none" strike="noStrike" kern="1200" cap="none" spc="0" normalizeH="0" baseline="0" noProof="0" dirty="0" err="1">
-                <a:ln>
-                  <a:noFill/>
-                </a:ln>
-                <a:solidFill>
-                  <a:prstClr val="white"/>
-                </a:solidFill>
-                <a:effectLst/>
-                <a:uLnTx/>
-                <a:uFillTx/>
-                <a:latin typeface="Palatino Linotype"/>
-                <a:ea typeface="+mn-ea"/>
-                <a:cs typeface="+mn-cs"/>
-              </a:rPr>
-              <a:t>Generate</a:t>
-            </a:r>
-            <a:r>
-              <a:rPr kumimoji="0" lang="tr-TR" sz="1600" b="0" i="0" u="none" strike="noStrike" kern="1200" cap="none" spc="0" normalizeH="0" baseline="0" noProof="0" dirty="0">
-                <a:ln>
-                  <a:noFill/>
-                </a:ln>
-                <a:solidFill>
-                  <a:prstClr val="white"/>
-                </a:solidFill>
-                <a:effectLst/>
-                <a:uLnTx/>
-                <a:uFillTx/>
-                <a:latin typeface="Palatino Linotype"/>
-                <a:ea typeface="+mn-ea"/>
-                <a:cs typeface="+mn-cs"/>
-              </a:rPr>
-              <a:t> Test Step </a:t>
-            </a:r>
-            <a:r>
-              <a:rPr kumimoji="0" lang="tr-TR" sz="1600" b="0" i="0" u="none" strike="noStrike" kern="1200" cap="none" spc="0" normalizeH="0" baseline="0" noProof="0" dirty="0" err="1">
-                <a:ln>
-                  <a:noFill/>
-                </a:ln>
-                <a:solidFill>
-                  <a:prstClr val="white"/>
-                </a:solidFill>
-                <a:effectLst/>
-                <a:uLnTx/>
-                <a:uFillTx/>
-                <a:latin typeface="Palatino Linotype"/>
-                <a:ea typeface="+mn-ea"/>
-                <a:cs typeface="+mn-cs"/>
-              </a:rPr>
-              <a:t>List</a:t>
-            </a:r>
-            <a:endParaRPr kumimoji="0" lang="en-US" sz="1600" b="0" i="0" u="none" strike="noStrike" kern="1200" cap="none" spc="0" normalizeH="0" baseline="0" noProof="0" dirty="0">
-              <a:ln>
-                <a:noFill/>
-              </a:ln>
-              <a:solidFill>
-                <a:prstClr val="white"/>
               </a:solidFill>
               <a:effectLst/>
               <a:uLnTx/>
@@ -7629,8 +7764,8 @@
         </p:nvSpPr>
         <p:spPr>
           <a:xfrm>
-            <a:off x="381000" y="4724400"/>
-            <a:ext cx="8229600" cy="1828800"/>
+            <a:off x="307974" y="5167082"/>
+            <a:ext cx="8607425" cy="914400"/>
           </a:xfrm>
         </p:spPr>
         <p:txBody>
@@ -7648,36 +7783,72 @@
               <a:buChar char=""/>
             </a:pPr>
             <a:r>
-              <a:rPr lang="tr-TR" sz="2000" b="1" dirty="0" err="1"/>
-              <a:t>Generate</a:t>
+              <a:rPr lang="tr-TR" sz="2000" dirty="0" err="1"/>
+              <a:t>Sample</a:t>
+            </a:r>
+            <a:r>
+              <a:rPr lang="tr-TR" sz="2000" dirty="0"/>
+              <a:t> </a:t>
+            </a:r>
+            <a:r>
+              <a:rPr lang="tr-TR" sz="2000" dirty="0" err="1"/>
+              <a:t>Cloud</a:t>
+            </a:r>
+            <a:r>
+              <a:rPr lang="tr-TR" sz="2000" dirty="0"/>
+              <a:t> </a:t>
+            </a:r>
+            <a:r>
+              <a:rPr lang="tr-TR" sz="2000" dirty="0" err="1"/>
+              <a:t>Login</a:t>
+            </a:r>
+            <a:r>
+              <a:rPr lang="tr-TR" sz="2000" dirty="0"/>
+              <a:t> Operations Test Case. Test </a:t>
+            </a:r>
+            <a:r>
+              <a:rPr lang="tr-TR" sz="2000" dirty="0" err="1"/>
+              <a:t>operations</a:t>
+            </a:r>
+            <a:r>
+              <a:rPr lang="tr-TR" sz="2000" dirty="0"/>
+              <a:t> </a:t>
+            </a:r>
+            <a:r>
+              <a:rPr lang="tr-TR" sz="2000" dirty="0" err="1"/>
+              <a:t>sequence</a:t>
+            </a:r>
+            <a:r>
+              <a:rPr lang="tr-TR" sz="2000" dirty="0"/>
+              <a:t> </a:t>
+            </a:r>
+            <a:r>
+              <a:rPr lang="tr-TR" sz="2000" dirty="0" err="1"/>
+              <a:t>give</a:t>
+            </a:r>
+            <a:r>
+              <a:rPr lang="tr-TR" sz="2000" dirty="0"/>
+              <a:t> </a:t>
             </a:r>
             <a:r>
               <a:rPr lang="tr-TR" sz="2000" b="1" dirty="0"/>
-              <a:t> Test Step </a:t>
-            </a:r>
-            <a:r>
-              <a:rPr lang="tr-TR" sz="2000" b="1" dirty="0" err="1"/>
-              <a:t>List</a:t>
-            </a:r>
-            <a:r>
-              <a:rPr lang="tr-TR" sz="2000" b="1" dirty="0"/>
-              <a:t> : </a:t>
+              <a:t>GenerateTestStepList1</a:t>
             </a:r>
             <a:r>
               <a:rPr lang="tr-TR" sz="2000" dirty="0"/>
-              <a:t>TestStep.txt is </a:t>
+              <a:t> </a:t>
             </a:r>
             <a:r>
               <a:rPr lang="tr-TR" sz="2000" dirty="0" err="1"/>
-              <a:t>generated</a:t>
+              <a:t>module</a:t>
             </a:r>
             <a:r>
               <a:rPr lang="tr-TR" sz="2000" dirty="0"/>
-              <a:t> </a:t>
+              <a:t> as </a:t>
             </a:r>
             <a:r>
               <a:rPr lang="tr-TR" sz="2000" dirty="0" err="1"/>
-              <a:t>and</a:t>
+              <a:t>input</a:t>
             </a:r>
             <a:r>
               <a:rPr lang="tr-TR" sz="2000" dirty="0"/>
@@ -7685,15 +7856,79 @@
             </a:r>
             <a:r>
               <a:rPr lang="tr-TR" sz="2000" dirty="0" err="1"/>
-              <a:t>send</a:t>
+              <a:t>string</a:t>
             </a:r>
             <a:r>
               <a:rPr lang="tr-TR" sz="2000" dirty="0"/>
-              <a:t> </a:t>
+              <a:t>. </a:t>
             </a:r>
             <a:r>
               <a:rPr lang="tr-TR" sz="2000" dirty="0" err="1"/>
-              <a:t>given</a:t>
+              <a:t>And</a:t>
+            </a:r>
+            <a:r>
+              <a:rPr lang="tr-TR" sz="2000" dirty="0"/>
+              <a:t> </a:t>
+            </a:r>
+            <a:r>
+              <a:rPr lang="tr-TR" sz="2000" dirty="0" err="1"/>
+              <a:t>then</a:t>
+            </a:r>
+            <a:r>
+              <a:rPr lang="tr-TR" sz="2000" dirty="0"/>
+              <a:t> </a:t>
+            </a:r>
+            <a:r>
+              <a:rPr lang="tr-TR" sz="2000" dirty="0" err="1"/>
+              <a:t>writing</a:t>
+            </a:r>
+            <a:r>
+              <a:rPr lang="tr-TR" sz="2000" dirty="0"/>
+              <a:t> a </a:t>
+            </a:r>
+            <a:r>
+              <a:rPr lang="tr-TR" sz="2000" dirty="0" err="1"/>
+              <a:t>text</a:t>
+            </a:r>
+            <a:r>
+              <a:rPr lang="tr-TR" sz="2000" dirty="0"/>
+              <a:t> file </a:t>
+            </a:r>
+            <a:r>
+              <a:rPr lang="tr-TR" sz="2000" dirty="0" err="1"/>
+              <a:t>from</a:t>
+            </a:r>
+            <a:r>
+              <a:rPr lang="tr-TR" sz="2000" dirty="0"/>
+              <a:t> </a:t>
+            </a:r>
+            <a:r>
+              <a:rPr lang="tr-TR" sz="2000" dirty="0" err="1"/>
+              <a:t>this</a:t>
+            </a:r>
+            <a:r>
+              <a:rPr lang="tr-TR" sz="2000" dirty="0"/>
+              <a:t> </a:t>
+            </a:r>
+            <a:r>
+              <a:rPr lang="tr-TR" sz="2000" dirty="0" err="1"/>
+              <a:t>module</a:t>
+            </a:r>
+            <a:r>
+              <a:rPr lang="tr-TR" sz="2000" dirty="0"/>
+              <a:t> </a:t>
+            </a:r>
+            <a:r>
+              <a:rPr lang="tr-TR" sz="2000" dirty="0" err="1"/>
+              <a:t>sending</a:t>
+            </a:r>
+            <a:r>
+              <a:rPr lang="tr-TR" sz="2000" dirty="0"/>
+              <a:t> </a:t>
+            </a:r>
+            <a:r>
+              <a:rPr lang="tr-TR" sz="2000" dirty="0" err="1"/>
+              <a:t>related</a:t>
             </a:r>
             <a:r>
               <a:rPr lang="tr-TR" sz="2000" dirty="0"/>
@@ -7705,127 +7940,7 @@
             </a:r>
             <a:r>
               <a:rPr lang="tr-TR" sz="2000" dirty="0"/>
-              <a:t> in </a:t>
-            </a:r>
-            <a:r>
-              <a:rPr lang="tr-TR" sz="2000" dirty="0" err="1"/>
-              <a:t>this</a:t>
-            </a:r>
-            <a:r>
-              <a:rPr lang="tr-TR" sz="2000" dirty="0"/>
-              <a:t> </a:t>
-            </a:r>
-            <a:r>
-              <a:rPr lang="tr-TR" sz="2000" dirty="0" err="1"/>
-              <a:t>module</a:t>
-            </a:r>
-            <a:r>
-              <a:rPr lang="tr-TR" sz="2000" dirty="0"/>
-              <a:t>. </a:t>
-            </a:r>
-            <a:r>
-              <a:rPr lang="tr-TR" sz="2000" dirty="0" err="1"/>
-              <a:t>Ssh</a:t>
-            </a:r>
-            <a:r>
-              <a:rPr lang="tr-TR" sz="2000" dirty="0"/>
-              <a:t> </a:t>
-            </a:r>
-            <a:r>
-              <a:rPr lang="tr-TR" sz="2000" dirty="0" err="1"/>
-              <a:t>connection</a:t>
-            </a:r>
-            <a:r>
-              <a:rPr lang="tr-TR" sz="2000" dirty="0"/>
-              <a:t> is done </a:t>
-            </a:r>
-            <a:r>
-              <a:rPr lang="tr-TR" sz="2000" dirty="0" err="1"/>
-              <a:t>to</a:t>
-            </a:r>
-            <a:r>
-              <a:rPr lang="tr-TR" sz="2000" dirty="0"/>
-              <a:t> </a:t>
-            </a:r>
-            <a:r>
-              <a:rPr lang="tr-TR" sz="2000" dirty="0" err="1"/>
-              <a:t>virtual</a:t>
-            </a:r>
-            <a:r>
-              <a:rPr lang="tr-TR" sz="2000" dirty="0"/>
-              <a:t> PC, file </a:t>
-            </a:r>
-            <a:r>
-              <a:rPr lang="tr-TR" sz="2000" dirty="0" err="1"/>
-              <a:t>created</a:t>
-            </a:r>
-            <a:r>
-              <a:rPr lang="tr-TR" sz="2000" dirty="0"/>
-              <a:t> </a:t>
-            </a:r>
-            <a:r>
-              <a:rPr lang="tr-TR" sz="2000" dirty="0" err="1"/>
-              <a:t>to</a:t>
-            </a:r>
-            <a:r>
-              <a:rPr lang="tr-TR" sz="2000" dirty="0"/>
-              <a:t> </a:t>
-            </a:r>
-            <a:r>
-              <a:rPr lang="tr-TR" sz="2000" dirty="0" err="1"/>
-              <a:t>given</a:t>
-            </a:r>
-            <a:r>
-              <a:rPr lang="tr-TR" sz="2000" dirty="0"/>
-              <a:t> </a:t>
-            </a:r>
-            <a:r>
-              <a:rPr lang="tr-TR" sz="2000" dirty="0" err="1"/>
-              <a:t>directory</a:t>
-            </a:r>
-            <a:r>
-              <a:rPr lang="tr-TR" sz="2000" dirty="0"/>
-              <a:t> </a:t>
-            </a:r>
-            <a:r>
-              <a:rPr lang="tr-TR" sz="2000" dirty="0" err="1"/>
-              <a:t>which</a:t>
-            </a:r>
-            <a:r>
-              <a:rPr lang="tr-TR" sz="2000" dirty="0"/>
-              <a:t> </a:t>
-            </a:r>
-            <a:r>
-              <a:rPr lang="tr-TR" sz="2000" dirty="0" err="1"/>
-              <a:t>we</a:t>
-            </a:r>
-            <a:r>
-              <a:rPr lang="tr-TR" sz="2000" dirty="0"/>
-              <a:t> </a:t>
-            </a:r>
-            <a:r>
-              <a:rPr lang="tr-TR" sz="2000" dirty="0" err="1"/>
-              <a:t>run</a:t>
-            </a:r>
-            <a:r>
-              <a:rPr lang="tr-TR" sz="2000" dirty="0"/>
-              <a:t> </a:t>
-            </a:r>
-            <a:r>
-              <a:rPr lang="tr-TR" sz="2000" dirty="0" err="1"/>
-              <a:t>our</a:t>
-            </a:r>
-            <a:r>
-              <a:rPr lang="tr-TR" sz="2000" dirty="0"/>
-              <a:t> .</a:t>
-            </a:r>
-            <a:r>
-              <a:rPr lang="tr-TR" sz="2000" dirty="0" err="1"/>
-              <a:t>jar</a:t>
-            </a:r>
-            <a:r>
-              <a:rPr lang="tr-TR" sz="2000" dirty="0"/>
-              <a:t> file.</a:t>
+              <a:t> </a:t>
             </a:r>
           </a:p>
           <a:p>
@@ -7837,6 +7952,735 @@
               <a:buFont typeface="Wingdings 2"/>
               <a:buChar char=""/>
             </a:pPr>
+            <a:endParaRPr lang="tr-TR" sz="2000" dirty="0"/>
+          </a:p>
+          <a:p>
+            <a:pPr marL="365760" lvl="1" indent="-283464" algn="just">
+              <a:spcBef>
+                <a:spcPts val="600"/>
+              </a:spcBef>
+              <a:buSzPct val="80000"/>
+              <a:buFont typeface="Wingdings 2"/>
+              <a:buChar char=""/>
+            </a:pPr>
+            <a:endParaRPr lang="en-US" sz="2000" dirty="0"/>
+          </a:p>
+        </p:txBody>
+      </p:sp>
+      <p:pic>
+        <p:nvPicPr>
+          <p:cNvPr id="7" name="Resim 6">
+            <a:extLst>
+              <a:ext uri="{FF2B5EF4-FFF2-40B4-BE49-F238E27FC236}">
+                <a16:creationId xmlns:a16="http://schemas.microsoft.com/office/drawing/2014/main" id="{37EAEF66-6F10-4DB0-9929-0541282BF57F}"/>
+              </a:ext>
+            </a:extLst>
+          </p:cNvPr>
+          <p:cNvPicPr>
+            <a:picLocks noChangeAspect="1"/>
+          </p:cNvPicPr>
+          <p:nvPr/>
+        </p:nvPicPr>
+        <p:blipFill>
+          <a:blip r:embed="rId4"/>
+          <a:stretch>
+            <a:fillRect/>
+          </a:stretch>
+        </p:blipFill>
+        <p:spPr>
+          <a:xfrm>
+            <a:off x="4651375" y="1342656"/>
+            <a:ext cx="4357570" cy="2690884"/>
+          </a:xfrm>
+          <a:prstGeom prst="rect">
+            <a:avLst/>
+          </a:prstGeom>
+        </p:spPr>
+      </p:pic>
+    </p:spTree>
+    <p:extLst>
+      <p:ext uri="{BB962C8B-B14F-4D97-AF65-F5344CB8AC3E}">
+        <p14:creationId xmlns:p14="http://schemas.microsoft.com/office/powerpoint/2010/main" val="541842775"/>
+      </p:ext>
+    </p:extLst>
+  </p:cSld>
+  <p:clrMapOvr>
+    <a:masterClrMapping/>
+  </p:clrMapOvr>
+</p:sld>
+</file>
+
+<file path=ppt/slides/slide13.xml><?xml version="1.0" encoding="utf-8"?>
+<p:sld xmlns:a="http://schemas.openxmlformats.org/drawingml/2006/main" xmlns:r="http://schemas.openxmlformats.org/officeDocument/2006/relationships" xmlns:p="http://schemas.openxmlformats.org/presentationml/2006/main">
+  <p:cSld>
+    <p:spTree>
+      <p:nvGrpSpPr>
+        <p:cNvPr id="1" name=""/>
+        <p:cNvGrpSpPr/>
+        <p:nvPr/>
+      </p:nvGrpSpPr>
+      <p:grpSpPr>
+        <a:xfrm>
+          <a:off x="0" y="0"/>
+          <a:ext cx="0" cy="0"/>
+          <a:chOff x="0" y="0"/>
+          <a:chExt cx="0" cy="0"/>
+        </a:xfrm>
+      </p:grpSpPr>
+      <p:pic>
+        <p:nvPicPr>
+          <p:cNvPr id="13" name="Resim 12">
+            <a:extLst>
+              <a:ext uri="{FF2B5EF4-FFF2-40B4-BE49-F238E27FC236}">
+                <a16:creationId xmlns:a16="http://schemas.microsoft.com/office/drawing/2014/main" id="{EB6612B1-C995-4319-B228-95CB35E7F683}"/>
+              </a:ext>
+            </a:extLst>
+          </p:cNvPr>
+          <p:cNvPicPr>
+            <a:picLocks noChangeAspect="1"/>
+          </p:cNvPicPr>
+          <p:nvPr/>
+        </p:nvPicPr>
+        <p:blipFill>
+          <a:blip r:embed="rId3"/>
+          <a:stretch>
+            <a:fillRect/>
+          </a:stretch>
+        </p:blipFill>
+        <p:spPr>
+          <a:xfrm>
+            <a:off x="1981200" y="1476247"/>
+            <a:ext cx="3657600" cy="2385600"/>
+          </a:xfrm>
+          <a:prstGeom prst="rect">
+            <a:avLst/>
+          </a:prstGeom>
+        </p:spPr>
+      </p:pic>
+      <p:sp>
+        <p:nvSpPr>
+          <p:cNvPr id="2" name="Title 1"/>
+          <p:cNvSpPr>
+            <a:spLocks noGrp="1"/>
+          </p:cNvSpPr>
+          <p:nvPr>
+            <p:ph type="title"/>
+          </p:nvPr>
+        </p:nvSpPr>
+        <p:spPr>
+          <a:xfrm>
+            <a:off x="312933" y="349132"/>
+            <a:ext cx="8229600" cy="911188"/>
+          </a:xfrm>
+        </p:spPr>
+        <p:txBody>
+          <a:bodyPr>
+            <a:normAutofit/>
+          </a:bodyPr>
+          <a:lstStyle/>
+          <a:p>
+            <a:r>
+              <a:rPr lang="tr-TR" sz="4000" dirty="0"/>
+              <a:t>Test Case </a:t>
+            </a:r>
+            <a:r>
+              <a:rPr lang="tr-TR" sz="4000" dirty="0" err="1"/>
+              <a:t>Preparation</a:t>
+            </a:r>
+            <a:r>
+              <a:rPr lang="tr-TR" sz="4000" dirty="0"/>
+              <a:t>(1)</a:t>
+            </a:r>
+            <a:endParaRPr lang="en-US" sz="4000" dirty="0"/>
+          </a:p>
+        </p:txBody>
+      </p:sp>
+      <p:sp>
+        <p:nvSpPr>
+          <p:cNvPr id="4" name="AutoShape 2" descr="Image result for turkcell"/>
+          <p:cNvSpPr>
+            <a:spLocks noChangeAspect="1" noChangeArrowheads="1"/>
+          </p:cNvSpPr>
+          <p:nvPr/>
+        </p:nvSpPr>
+        <p:spPr bwMode="auto">
+          <a:xfrm>
+            <a:off x="155575" y="-144463"/>
+            <a:ext cx="304800" cy="304801"/>
+          </a:xfrm>
+          <a:prstGeom prst="rect">
+            <a:avLst/>
+          </a:prstGeom>
+          <a:noFill/>
+          <a:extLst>
+            <a:ext uri="{909E8E84-426E-40DD-AFC4-6F175D3DCCD1}">
+              <a14:hiddenFill xmlns:a14="http://schemas.microsoft.com/office/drawing/2010/main">
+                <a:solidFill>
+                  <a:srgbClr val="FFFFFF"/>
+                </a:solidFill>
+              </a14:hiddenFill>
+            </a:ext>
+          </a:extLst>
+        </p:spPr>
+        <p:txBody>
+          <a:bodyPr vert="horz" wrap="square" lIns="91440" tIns="45720" rIns="91440" bIns="45720" numCol="1" anchor="t" anchorCtr="0" compatLnSpc="1">
+            <a:prstTxWarp prst="textNoShape">
+              <a:avLst/>
+            </a:prstTxWarp>
+          </a:bodyPr>
+          <a:lstStyle/>
+          <a:p>
+            <a:pPr marL="0" marR="0" lvl="0" indent="0" algn="l" defTabSz="914400" rtl="0" eaLnBrk="1" fontAlgn="auto" latinLnBrk="0" hangingPunct="1">
+              <a:lnSpc>
+                <a:spcPct val="100000"/>
+              </a:lnSpc>
+              <a:spcBef>
+                <a:spcPts val="0"/>
+              </a:spcBef>
+              <a:spcAft>
+                <a:spcPts val="0"/>
+              </a:spcAft>
+              <a:buClrTx/>
+              <a:buSzTx/>
+              <a:buFontTx/>
+              <a:buNone/>
+              <a:tabLst/>
+              <a:defRPr/>
+            </a:pPr>
+            <a:endParaRPr kumimoji="0" lang="en-US" sz="1800" b="0" i="0" u="none" strike="noStrike" kern="1200" cap="none" spc="0" normalizeH="0" baseline="0" noProof="0">
+              <a:ln>
+                <a:noFill/>
+              </a:ln>
+              <a:solidFill>
+                <a:prstClr val="black"/>
+              </a:solidFill>
+              <a:effectLst/>
+              <a:uLnTx/>
+              <a:uFillTx/>
+              <a:latin typeface="Palatino Linotype"/>
+              <a:ea typeface="+mn-ea"/>
+              <a:cs typeface="+mn-cs"/>
+            </a:endParaRPr>
+          </a:p>
+        </p:txBody>
+      </p:sp>
+      <p:sp>
+        <p:nvSpPr>
+          <p:cNvPr id="5" name="AutoShape 4" descr="Image result for turkcell"/>
+          <p:cNvSpPr>
+            <a:spLocks noChangeAspect="1" noChangeArrowheads="1"/>
+          </p:cNvSpPr>
+          <p:nvPr/>
+        </p:nvSpPr>
+        <p:spPr bwMode="auto">
+          <a:xfrm>
+            <a:off x="307975" y="7937"/>
+            <a:ext cx="304800" cy="304801"/>
+          </a:xfrm>
+          <a:prstGeom prst="rect">
+            <a:avLst/>
+          </a:prstGeom>
+          <a:noFill/>
+          <a:extLst>
+            <a:ext uri="{909E8E84-426E-40DD-AFC4-6F175D3DCCD1}">
+              <a14:hiddenFill xmlns:a14="http://schemas.microsoft.com/office/drawing/2010/main">
+                <a:solidFill>
+                  <a:srgbClr val="FFFFFF"/>
+                </a:solidFill>
+              </a14:hiddenFill>
+            </a:ext>
+          </a:extLst>
+        </p:spPr>
+        <p:txBody>
+          <a:bodyPr vert="horz" wrap="square" lIns="91440" tIns="45720" rIns="91440" bIns="45720" numCol="1" anchor="t" anchorCtr="0" compatLnSpc="1">
+            <a:prstTxWarp prst="textNoShape">
+              <a:avLst/>
+            </a:prstTxWarp>
+          </a:bodyPr>
+          <a:lstStyle/>
+          <a:p>
+            <a:pPr marL="0" marR="0" lvl="0" indent="0" algn="l" defTabSz="914400" rtl="0" eaLnBrk="1" fontAlgn="auto" latinLnBrk="0" hangingPunct="1">
+              <a:lnSpc>
+                <a:spcPct val="100000"/>
+              </a:lnSpc>
+              <a:spcBef>
+                <a:spcPts val="0"/>
+              </a:spcBef>
+              <a:spcAft>
+                <a:spcPts val="0"/>
+              </a:spcAft>
+              <a:buClrTx/>
+              <a:buSzTx/>
+              <a:buFontTx/>
+              <a:buNone/>
+              <a:tabLst/>
+              <a:defRPr/>
+            </a:pPr>
+            <a:endParaRPr kumimoji="0" lang="en-US" sz="1800" b="0" i="0" u="none" strike="noStrike" kern="1200" cap="none" spc="0" normalizeH="0" baseline="0" noProof="0">
+              <a:ln>
+                <a:noFill/>
+              </a:ln>
+              <a:solidFill>
+                <a:prstClr val="black"/>
+              </a:solidFill>
+              <a:effectLst/>
+              <a:uLnTx/>
+              <a:uFillTx/>
+              <a:latin typeface="Palatino Linotype"/>
+              <a:ea typeface="+mn-ea"/>
+              <a:cs typeface="+mn-cs"/>
+            </a:endParaRPr>
+          </a:p>
+        </p:txBody>
+      </p:sp>
+      <p:sp>
+        <p:nvSpPr>
+          <p:cNvPr id="11" name="Line Callout 1 10"/>
+          <p:cNvSpPr/>
+          <p:nvPr/>
+        </p:nvSpPr>
+        <p:spPr>
+          <a:xfrm>
+            <a:off x="154037" y="1507888"/>
+            <a:ext cx="1674763" cy="701912"/>
+          </a:xfrm>
+          <a:prstGeom prst="borderCallout1">
+            <a:avLst>
+              <a:gd name="adj1" fmla="val 5312"/>
+              <a:gd name="adj2" fmla="val 107410"/>
+              <a:gd name="adj3" fmla="val 179360"/>
+              <a:gd name="adj4" fmla="val 136631"/>
+            </a:avLst>
+          </a:prstGeom>
+          <a:solidFill>
+            <a:srgbClr val="FF0000"/>
+          </a:solidFill>
+          <a:ln>
+            <a:solidFill>
+              <a:srgbClr val="FF0000"/>
+            </a:solidFill>
+          </a:ln>
+        </p:spPr>
+        <p:style>
+          <a:lnRef idx="2">
+            <a:schemeClr val="accent1">
+              <a:shade val="50000"/>
+            </a:schemeClr>
+          </a:lnRef>
+          <a:fillRef idx="1">
+            <a:schemeClr val="accent1"/>
+          </a:fillRef>
+          <a:effectRef idx="0">
+            <a:schemeClr val="accent1"/>
+          </a:effectRef>
+          <a:fontRef idx="minor">
+            <a:schemeClr val="lt1"/>
+          </a:fontRef>
+        </p:style>
+        <p:txBody>
+          <a:bodyPr rtlCol="0" anchor="ctr"/>
+          <a:lstStyle/>
+          <a:p>
+            <a:pPr marL="0" marR="0" lvl="0" indent="0" algn="ctr" defTabSz="914400" rtl="0" eaLnBrk="1" fontAlgn="auto" latinLnBrk="0" hangingPunct="1">
+              <a:lnSpc>
+                <a:spcPct val="100000"/>
+              </a:lnSpc>
+              <a:spcBef>
+                <a:spcPts val="0"/>
+              </a:spcBef>
+              <a:spcAft>
+                <a:spcPts val="0"/>
+              </a:spcAft>
+              <a:buClrTx/>
+              <a:buSzTx/>
+              <a:buFontTx/>
+              <a:buNone/>
+              <a:tabLst/>
+              <a:defRPr/>
+            </a:pPr>
+            <a:r>
+              <a:rPr kumimoji="0" lang="tr-TR" sz="1600" b="0" i="0" u="none" strike="noStrike" kern="1200" cap="none" spc="0" normalizeH="0" baseline="0" noProof="0" dirty="0" err="1">
+                <a:ln>
+                  <a:noFill/>
+                </a:ln>
+                <a:solidFill>
+                  <a:prstClr val="white"/>
+                </a:solidFill>
+                <a:effectLst/>
+                <a:uLnTx/>
+                <a:uFillTx/>
+                <a:latin typeface="Palatino Linotype"/>
+                <a:ea typeface="+mn-ea"/>
+                <a:cs typeface="+mn-cs"/>
+              </a:rPr>
+              <a:t>Generate</a:t>
+            </a:r>
+            <a:r>
+              <a:rPr kumimoji="0" lang="tr-TR" sz="1600" b="0" i="0" u="none" strike="noStrike" kern="1200" cap="none" spc="0" normalizeH="0" baseline="0" noProof="0" dirty="0">
+                <a:ln>
+                  <a:noFill/>
+                </a:ln>
+                <a:solidFill>
+                  <a:prstClr val="white"/>
+                </a:solidFill>
+                <a:effectLst/>
+                <a:uLnTx/>
+                <a:uFillTx/>
+                <a:latin typeface="Palatino Linotype"/>
+                <a:ea typeface="+mn-ea"/>
+                <a:cs typeface="+mn-cs"/>
+              </a:rPr>
+              <a:t> Test Step </a:t>
+            </a:r>
+            <a:r>
+              <a:rPr kumimoji="0" lang="tr-TR" sz="1600" b="0" i="0" u="none" strike="noStrike" kern="1200" cap="none" spc="0" normalizeH="0" baseline="0" noProof="0" dirty="0" err="1">
+                <a:ln>
+                  <a:noFill/>
+                </a:ln>
+                <a:solidFill>
+                  <a:prstClr val="white"/>
+                </a:solidFill>
+                <a:effectLst/>
+                <a:uLnTx/>
+                <a:uFillTx/>
+                <a:latin typeface="Palatino Linotype"/>
+                <a:ea typeface="+mn-ea"/>
+                <a:cs typeface="+mn-cs"/>
+              </a:rPr>
+              <a:t>List</a:t>
+            </a:r>
+            <a:endParaRPr kumimoji="0" lang="en-US" sz="1600" b="0" i="0" u="none" strike="noStrike" kern="1200" cap="none" spc="0" normalizeH="0" baseline="0" noProof="0" dirty="0">
+              <a:ln>
+                <a:noFill/>
+              </a:ln>
+              <a:solidFill>
+                <a:prstClr val="white"/>
+              </a:solidFill>
+              <a:effectLst/>
+              <a:uLnTx/>
+              <a:uFillTx/>
+              <a:latin typeface="Palatino Linotype"/>
+              <a:ea typeface="+mn-ea"/>
+              <a:cs typeface="+mn-cs"/>
+            </a:endParaRPr>
+          </a:p>
+        </p:txBody>
+      </p:sp>
+      <p:sp>
+        <p:nvSpPr>
+          <p:cNvPr id="8" name="Slide Number Placeholder 7"/>
+          <p:cNvSpPr>
+            <a:spLocks noGrp="1"/>
+          </p:cNvSpPr>
+          <p:nvPr>
+            <p:ph type="sldNum" sz="quarter" idx="12"/>
+          </p:nvPr>
+        </p:nvSpPr>
+        <p:spPr/>
+        <p:txBody>
+          <a:bodyPr/>
+          <a:lstStyle/>
+          <a:p>
+            <a:pPr marL="0" marR="0" lvl="0" indent="0" algn="l" defTabSz="914400" rtl="0" eaLnBrk="1" fontAlgn="auto" latinLnBrk="0" hangingPunct="1">
+              <a:lnSpc>
+                <a:spcPct val="100000"/>
+              </a:lnSpc>
+              <a:spcBef>
+                <a:spcPts val="0"/>
+              </a:spcBef>
+              <a:spcAft>
+                <a:spcPts val="0"/>
+              </a:spcAft>
+              <a:buClrTx/>
+              <a:buSzTx/>
+              <a:buFontTx/>
+              <a:buNone/>
+              <a:tabLst/>
+              <a:defRPr/>
+            </a:pPr>
+            <a:fld id="{D3A8E80F-08AD-4AA5-83D2-78A6B2333CC0}" type="slidenum">
+              <a:rPr kumimoji="0" lang="en-US" sz="1200" b="0" i="0" u="none" strike="noStrike" kern="1200" cap="none" spc="0" normalizeH="0" baseline="0" noProof="0" smtClean="0">
+                <a:ln>
+                  <a:noFill/>
+                </a:ln>
+                <a:solidFill>
+                  <a:prstClr val="black">
+                    <a:lumMod val="65000"/>
+                    <a:lumOff val="35000"/>
+                  </a:prstClr>
+                </a:solidFill>
+                <a:effectLst/>
+                <a:uLnTx/>
+                <a:uFillTx/>
+                <a:latin typeface="Century Gothic" pitchFamily="34" charset="0"/>
+                <a:ea typeface="+mn-ea"/>
+                <a:cs typeface="+mn-cs"/>
+              </a:rPr>
+              <a:pPr marL="0" marR="0" lvl="0" indent="0" algn="l" defTabSz="914400" rtl="0" eaLnBrk="1" fontAlgn="auto" latinLnBrk="0" hangingPunct="1">
+                <a:lnSpc>
+                  <a:spcPct val="100000"/>
+                </a:lnSpc>
+                <a:spcBef>
+                  <a:spcPts val="0"/>
+                </a:spcBef>
+                <a:spcAft>
+                  <a:spcPts val="0"/>
+                </a:spcAft>
+                <a:buClrTx/>
+                <a:buSzTx/>
+                <a:buFontTx/>
+                <a:buNone/>
+                <a:tabLst/>
+                <a:defRPr/>
+              </a:pPr>
+              <a:t>13</a:t>
+            </a:fld>
+            <a:endParaRPr kumimoji="0" lang="en-US" sz="1200" b="0" i="0" u="none" strike="noStrike" kern="1200" cap="none" spc="0" normalizeH="0" baseline="0" noProof="0">
+              <a:ln>
+                <a:noFill/>
+              </a:ln>
+              <a:solidFill>
+                <a:prstClr val="black">
+                  <a:lumMod val="65000"/>
+                  <a:lumOff val="35000"/>
+                </a:prstClr>
+              </a:solidFill>
+              <a:effectLst/>
+              <a:uLnTx/>
+              <a:uFillTx/>
+              <a:latin typeface="Century Gothic" pitchFamily="34" charset="0"/>
+              <a:ea typeface="+mn-ea"/>
+              <a:cs typeface="+mn-cs"/>
+            </a:endParaRPr>
+          </a:p>
+        </p:txBody>
+      </p:sp>
+      <p:sp>
+        <p:nvSpPr>
+          <p:cNvPr id="14" name="Content Placeholder 2">
+            <a:extLst>
+              <a:ext uri="{FF2B5EF4-FFF2-40B4-BE49-F238E27FC236}">
+                <a16:creationId xmlns:a16="http://schemas.microsoft.com/office/drawing/2014/main" id="{3EDEAFFE-544D-4ABD-8BD6-2FA82E9F163B}"/>
+              </a:ext>
+            </a:extLst>
+          </p:cNvPr>
+          <p:cNvSpPr>
+            <a:spLocks noGrp="1"/>
+          </p:cNvSpPr>
+          <p:nvPr>
+            <p:ph idx="1"/>
+          </p:nvPr>
+        </p:nvSpPr>
+        <p:spPr>
+          <a:xfrm>
+            <a:off x="381000" y="4724400"/>
+            <a:ext cx="8229600" cy="1828800"/>
+          </a:xfrm>
+        </p:spPr>
+        <p:txBody>
+          <a:bodyPr>
+            <a:normAutofit lnSpcReduction="10000"/>
+          </a:bodyPr>
+          <a:lstStyle/>
+          <a:p>
+            <a:pPr marL="365760" lvl="1" indent="-283464" algn="just">
+              <a:spcBef>
+                <a:spcPts val="600"/>
+              </a:spcBef>
+              <a:buSzPct val="80000"/>
+              <a:buFont typeface="Wingdings 2"/>
+              <a:buChar char=""/>
+            </a:pPr>
+            <a:r>
+              <a:rPr lang="tr-TR" sz="2000" b="1" dirty="0" err="1"/>
+              <a:t>Generate</a:t>
+            </a:r>
+            <a:r>
+              <a:rPr lang="tr-TR" sz="2000" b="1" dirty="0"/>
+              <a:t> Test Step </a:t>
+            </a:r>
+            <a:r>
+              <a:rPr lang="tr-TR" sz="2000" b="1" dirty="0" err="1"/>
+              <a:t>List</a:t>
+            </a:r>
+            <a:r>
+              <a:rPr lang="tr-TR" sz="2000" b="1" dirty="0"/>
+              <a:t> : </a:t>
+            </a:r>
+            <a:r>
+              <a:rPr lang="tr-TR" sz="2000" dirty="0"/>
+              <a:t>TestStep.txt is </a:t>
+            </a:r>
+            <a:r>
+              <a:rPr lang="tr-TR" sz="2000" dirty="0" err="1"/>
+              <a:t>generated</a:t>
+            </a:r>
+            <a:r>
+              <a:rPr lang="tr-TR" sz="2000" dirty="0"/>
+              <a:t> </a:t>
+            </a:r>
+            <a:r>
+              <a:rPr lang="tr-TR" sz="2000" dirty="0" err="1"/>
+              <a:t>and</a:t>
+            </a:r>
+            <a:r>
+              <a:rPr lang="tr-TR" sz="2000" dirty="0"/>
+              <a:t> </a:t>
+            </a:r>
+            <a:r>
+              <a:rPr lang="tr-TR" sz="2000" dirty="0" err="1"/>
+              <a:t>send</a:t>
+            </a:r>
+            <a:r>
+              <a:rPr lang="tr-TR" sz="2000" dirty="0"/>
+              <a:t> </a:t>
+            </a:r>
+            <a:r>
+              <a:rPr lang="tr-TR" sz="2000" dirty="0" err="1"/>
+              <a:t>given</a:t>
+            </a:r>
+            <a:r>
+              <a:rPr lang="tr-TR" sz="2000" dirty="0"/>
+              <a:t> </a:t>
+            </a:r>
+            <a:r>
+              <a:rPr lang="tr-TR" sz="2000" dirty="0" err="1"/>
+              <a:t>directory</a:t>
+            </a:r>
+            <a:r>
+              <a:rPr lang="tr-TR" sz="2000" dirty="0"/>
+              <a:t> in </a:t>
+            </a:r>
+            <a:r>
+              <a:rPr lang="tr-TR" sz="2000" dirty="0" err="1"/>
+              <a:t>this</a:t>
+            </a:r>
+            <a:r>
+              <a:rPr lang="tr-TR" sz="2000" dirty="0"/>
+              <a:t> </a:t>
+            </a:r>
+            <a:r>
+              <a:rPr lang="tr-TR" sz="2000" dirty="0" err="1"/>
+              <a:t>module</a:t>
+            </a:r>
+            <a:r>
+              <a:rPr lang="tr-TR" sz="2000" dirty="0"/>
+              <a:t>. </a:t>
+            </a:r>
+            <a:r>
+              <a:rPr lang="tr-TR" sz="2000" dirty="0" err="1"/>
+              <a:t>Ssh</a:t>
+            </a:r>
+            <a:r>
+              <a:rPr lang="tr-TR" sz="2000" dirty="0"/>
+              <a:t> </a:t>
+            </a:r>
+            <a:r>
+              <a:rPr lang="tr-TR" sz="2000" dirty="0" err="1"/>
+              <a:t>connection</a:t>
+            </a:r>
+            <a:r>
+              <a:rPr lang="tr-TR" sz="2000" dirty="0"/>
+              <a:t> is done </a:t>
+            </a:r>
+            <a:r>
+              <a:rPr lang="tr-TR" sz="2000" dirty="0" err="1"/>
+              <a:t>to</a:t>
+            </a:r>
+            <a:r>
+              <a:rPr lang="tr-TR" sz="2000" dirty="0"/>
+              <a:t> </a:t>
+            </a:r>
+            <a:r>
+              <a:rPr lang="tr-TR" sz="2000" dirty="0" err="1"/>
+              <a:t>virtual</a:t>
+            </a:r>
+            <a:r>
+              <a:rPr lang="tr-TR" sz="2000" dirty="0"/>
+              <a:t> PC, file </a:t>
+            </a:r>
+            <a:r>
+              <a:rPr lang="tr-TR" sz="2000" dirty="0" err="1"/>
+              <a:t>created</a:t>
+            </a:r>
+            <a:r>
+              <a:rPr lang="tr-TR" sz="2000" dirty="0"/>
+              <a:t> </a:t>
+            </a:r>
+            <a:r>
+              <a:rPr lang="tr-TR" sz="2000" dirty="0" err="1"/>
+              <a:t>to</a:t>
+            </a:r>
+            <a:r>
+              <a:rPr lang="tr-TR" sz="2000" dirty="0"/>
+              <a:t> </a:t>
+            </a:r>
+            <a:r>
+              <a:rPr lang="tr-TR" sz="2000" dirty="0" err="1"/>
+              <a:t>given</a:t>
+            </a:r>
+            <a:r>
+              <a:rPr lang="tr-TR" sz="2000" dirty="0"/>
+              <a:t> </a:t>
+            </a:r>
+            <a:r>
+              <a:rPr lang="tr-TR" sz="2000" dirty="0" err="1"/>
+              <a:t>directory</a:t>
+            </a:r>
+            <a:r>
+              <a:rPr lang="tr-TR" sz="2000" dirty="0"/>
+              <a:t> </a:t>
+            </a:r>
+            <a:r>
+              <a:rPr lang="tr-TR" sz="2000" dirty="0" err="1"/>
+              <a:t>which</a:t>
+            </a:r>
+            <a:r>
+              <a:rPr lang="tr-TR" sz="2000" dirty="0"/>
+              <a:t> </a:t>
+            </a:r>
+            <a:r>
+              <a:rPr lang="tr-TR" sz="2000" dirty="0" err="1"/>
+              <a:t>we</a:t>
+            </a:r>
+            <a:r>
+              <a:rPr lang="tr-TR" sz="2000" dirty="0"/>
+              <a:t> </a:t>
+            </a:r>
+            <a:r>
+              <a:rPr lang="tr-TR" sz="2000" dirty="0" err="1"/>
+              <a:t>run</a:t>
+            </a:r>
+            <a:r>
+              <a:rPr lang="tr-TR" sz="2000" dirty="0"/>
+              <a:t> </a:t>
+            </a:r>
+            <a:r>
+              <a:rPr lang="tr-TR" sz="2000" dirty="0" err="1"/>
+              <a:t>our</a:t>
+            </a:r>
+            <a:r>
+              <a:rPr lang="tr-TR" sz="2000" dirty="0"/>
+              <a:t> .</a:t>
+            </a:r>
+            <a:r>
+              <a:rPr lang="tr-TR" sz="2000" dirty="0" err="1"/>
+              <a:t>jar</a:t>
+            </a:r>
+            <a:r>
+              <a:rPr lang="tr-TR" sz="2000" dirty="0"/>
+              <a:t> file.</a:t>
+            </a:r>
+          </a:p>
+          <a:p>
+            <a:pPr marL="365760" lvl="1" indent="-283464" algn="just">
+              <a:spcBef>
+                <a:spcPts val="600"/>
+              </a:spcBef>
+              <a:buSzPct val="80000"/>
+              <a:buFont typeface="Wingdings 2"/>
+              <a:buChar char=""/>
+            </a:pPr>
             <a:r>
               <a:rPr lang="tr-TR" sz="2000" b="1" dirty="0" err="1"/>
               <a:t>Setup</a:t>
@@ -7937,6 +8781,17 @@
               <a:rPr lang="tr-TR" sz="2000" dirty="0"/>
               <a:t>.</a:t>
             </a:r>
+          </a:p>
+          <a:p>
+            <a:pPr marL="365760" lvl="1" indent="-283464" algn="just">
+              <a:spcBef>
+                <a:spcPts val="600"/>
+              </a:spcBef>
+              <a:buSzPct val="80000"/>
+              <a:buFont typeface="Wingdings 2"/>
+              <a:buChar char=""/>
+            </a:pPr>
+            <a:endParaRPr lang="tr-TR" sz="2000" dirty="0"/>
           </a:p>
           <a:p>
             <a:pPr marL="365760" lvl="1" indent="-283464" algn="just">
@@ -8127,7 +8982,7 @@
 </p:sld>
 </file>
 
-<file path=ppt/slides/slide13.xml><?xml version="1.0" encoding="utf-8"?>
+<file path=ppt/slides/slide14.xml><?xml version="1.0" encoding="utf-8"?>
 <p:sld xmlns:a="http://schemas.openxmlformats.org/drawingml/2006/main" xmlns:r="http://schemas.openxmlformats.org/officeDocument/2006/relationships" xmlns:p="http://schemas.openxmlformats.org/presentationml/2006/main">
   <p:cSld>
     <p:spTree>
@@ -8614,7 +9469,7 @@
                 <a:tabLst/>
                 <a:defRPr/>
               </a:pPr>
-              <a:t>13</a:t>
+              <a:t>14</a:t>
             </a:fld>
             <a:endParaRPr kumimoji="0" lang="en-US" sz="1200" b="0" i="0" u="none" strike="noStrike" kern="1200" cap="none" spc="0" normalizeH="0" baseline="0" noProof="0">
               <a:ln>
@@ -8920,7 +9775,7 @@
 </p:sld>
 </file>
 
-<file path=ppt/slides/slide14.xml><?xml version="1.0" encoding="utf-8"?>
+<file path=ppt/slides/slide15.xml><?xml version="1.0" encoding="utf-8"?>
 <p:sld xmlns:a="http://schemas.openxmlformats.org/drawingml/2006/main" xmlns:r="http://schemas.openxmlformats.org/officeDocument/2006/relationships" xmlns:p="http://schemas.openxmlformats.org/presentationml/2006/main">
   <p:cSld>
     <p:spTree>
@@ -8937,6 +9792,1561 @@
           <a:chExt cx="0" cy="0"/>
         </a:xfrm>
       </p:grpSpPr>
+      <p:pic>
+        <p:nvPicPr>
+          <p:cNvPr id="3" name="Resim 2">
+            <a:extLst>
+              <a:ext uri="{FF2B5EF4-FFF2-40B4-BE49-F238E27FC236}">
+                <a16:creationId xmlns:a16="http://schemas.microsoft.com/office/drawing/2014/main" id="{FFB89A67-DD6D-4A9E-A726-A41DD48F671C}"/>
+              </a:ext>
+            </a:extLst>
+          </p:cNvPr>
+          <p:cNvPicPr>
+            <a:picLocks noChangeAspect="1"/>
+          </p:cNvPicPr>
+          <p:nvPr/>
+        </p:nvPicPr>
+        <p:blipFill>
+          <a:blip r:embed="rId3"/>
+          <a:stretch>
+            <a:fillRect/>
+          </a:stretch>
+        </p:blipFill>
+        <p:spPr>
+          <a:xfrm>
+            <a:off x="3962400" y="1324159"/>
+            <a:ext cx="3581826" cy="2704644"/>
+          </a:xfrm>
+          <a:prstGeom prst="rect">
+            <a:avLst/>
+          </a:prstGeom>
+        </p:spPr>
+      </p:pic>
+      <p:sp>
+        <p:nvSpPr>
+          <p:cNvPr id="2" name="Title 1"/>
+          <p:cNvSpPr>
+            <a:spLocks noGrp="1"/>
+          </p:cNvSpPr>
+          <p:nvPr>
+            <p:ph type="title"/>
+          </p:nvPr>
+        </p:nvSpPr>
+        <p:spPr>
+          <a:xfrm>
+            <a:off x="312933" y="349132"/>
+            <a:ext cx="8229600" cy="911188"/>
+          </a:xfrm>
+        </p:spPr>
+        <p:txBody>
+          <a:bodyPr>
+            <a:normAutofit/>
+          </a:bodyPr>
+          <a:lstStyle/>
+          <a:p>
+            <a:r>
+              <a:rPr lang="tr-TR" sz="4000" dirty="0"/>
+              <a:t>Test Case </a:t>
+            </a:r>
+            <a:r>
+              <a:rPr lang="tr-TR" sz="4000" dirty="0" err="1"/>
+              <a:t>Preparation</a:t>
+            </a:r>
+            <a:r>
+              <a:rPr lang="tr-TR" sz="4000" dirty="0"/>
+              <a:t>(2)</a:t>
+            </a:r>
+            <a:endParaRPr lang="en-US" sz="4000" dirty="0"/>
+          </a:p>
+        </p:txBody>
+      </p:sp>
+      <p:sp>
+        <p:nvSpPr>
+          <p:cNvPr id="4" name="AutoShape 2" descr="Image result for turkcell"/>
+          <p:cNvSpPr>
+            <a:spLocks noChangeAspect="1" noChangeArrowheads="1"/>
+          </p:cNvSpPr>
+          <p:nvPr/>
+        </p:nvSpPr>
+        <p:spPr bwMode="auto">
+          <a:xfrm>
+            <a:off x="155575" y="-144463"/>
+            <a:ext cx="304800" cy="304801"/>
+          </a:xfrm>
+          <a:prstGeom prst="rect">
+            <a:avLst/>
+          </a:prstGeom>
+          <a:noFill/>
+          <a:extLst>
+            <a:ext uri="{909E8E84-426E-40DD-AFC4-6F175D3DCCD1}">
+              <a14:hiddenFill xmlns:a14="http://schemas.microsoft.com/office/drawing/2010/main">
+                <a:solidFill>
+                  <a:srgbClr val="FFFFFF"/>
+                </a:solidFill>
+              </a14:hiddenFill>
+            </a:ext>
+          </a:extLst>
+        </p:spPr>
+        <p:txBody>
+          <a:bodyPr vert="horz" wrap="square" lIns="91440" tIns="45720" rIns="91440" bIns="45720" numCol="1" anchor="t" anchorCtr="0" compatLnSpc="1">
+            <a:prstTxWarp prst="textNoShape">
+              <a:avLst/>
+            </a:prstTxWarp>
+          </a:bodyPr>
+          <a:lstStyle/>
+          <a:p>
+            <a:pPr marL="0" marR="0" lvl="0" indent="0" algn="l" defTabSz="914400" rtl="0" eaLnBrk="1" fontAlgn="auto" latinLnBrk="0" hangingPunct="1">
+              <a:lnSpc>
+                <a:spcPct val="100000"/>
+              </a:lnSpc>
+              <a:spcBef>
+                <a:spcPts val="0"/>
+              </a:spcBef>
+              <a:spcAft>
+                <a:spcPts val="0"/>
+              </a:spcAft>
+              <a:buClrTx/>
+              <a:buSzTx/>
+              <a:buFontTx/>
+              <a:buNone/>
+              <a:tabLst/>
+              <a:defRPr/>
+            </a:pPr>
+            <a:endParaRPr kumimoji="0" lang="en-US" sz="1800" b="0" i="0" u="none" strike="noStrike" kern="1200" cap="none" spc="0" normalizeH="0" baseline="0" noProof="0">
+              <a:ln>
+                <a:noFill/>
+              </a:ln>
+              <a:solidFill>
+                <a:prstClr val="black"/>
+              </a:solidFill>
+              <a:effectLst/>
+              <a:uLnTx/>
+              <a:uFillTx/>
+              <a:latin typeface="Palatino Linotype"/>
+              <a:ea typeface="+mn-ea"/>
+              <a:cs typeface="+mn-cs"/>
+            </a:endParaRPr>
+          </a:p>
+        </p:txBody>
+      </p:sp>
+      <p:sp>
+        <p:nvSpPr>
+          <p:cNvPr id="5" name="AutoShape 4" descr="Image result for turkcell"/>
+          <p:cNvSpPr>
+            <a:spLocks noChangeAspect="1" noChangeArrowheads="1"/>
+          </p:cNvSpPr>
+          <p:nvPr/>
+        </p:nvSpPr>
+        <p:spPr bwMode="auto">
+          <a:xfrm>
+            <a:off x="307975" y="7937"/>
+            <a:ext cx="304800" cy="304801"/>
+          </a:xfrm>
+          <a:prstGeom prst="rect">
+            <a:avLst/>
+          </a:prstGeom>
+          <a:noFill/>
+          <a:extLst>
+            <a:ext uri="{909E8E84-426E-40DD-AFC4-6F175D3DCCD1}">
+              <a14:hiddenFill xmlns:a14="http://schemas.microsoft.com/office/drawing/2010/main">
+                <a:solidFill>
+                  <a:srgbClr val="FFFFFF"/>
+                </a:solidFill>
+              </a14:hiddenFill>
+            </a:ext>
+          </a:extLst>
+        </p:spPr>
+        <p:txBody>
+          <a:bodyPr vert="horz" wrap="square" lIns="91440" tIns="45720" rIns="91440" bIns="45720" numCol="1" anchor="t" anchorCtr="0" compatLnSpc="1">
+            <a:prstTxWarp prst="textNoShape">
+              <a:avLst/>
+            </a:prstTxWarp>
+          </a:bodyPr>
+          <a:lstStyle/>
+          <a:p>
+            <a:pPr marL="0" marR="0" lvl="0" indent="0" algn="l" defTabSz="914400" rtl="0" eaLnBrk="1" fontAlgn="auto" latinLnBrk="0" hangingPunct="1">
+              <a:lnSpc>
+                <a:spcPct val="100000"/>
+              </a:lnSpc>
+              <a:spcBef>
+                <a:spcPts val="0"/>
+              </a:spcBef>
+              <a:spcAft>
+                <a:spcPts val="0"/>
+              </a:spcAft>
+              <a:buClrTx/>
+              <a:buSzTx/>
+              <a:buFontTx/>
+              <a:buNone/>
+              <a:tabLst/>
+              <a:defRPr/>
+            </a:pPr>
+            <a:endParaRPr kumimoji="0" lang="en-US" sz="1800" b="0" i="0" u="none" strike="noStrike" kern="1200" cap="none" spc="0" normalizeH="0" baseline="0" noProof="0">
+              <a:ln>
+                <a:noFill/>
+              </a:ln>
+              <a:solidFill>
+                <a:prstClr val="black"/>
+              </a:solidFill>
+              <a:effectLst/>
+              <a:uLnTx/>
+              <a:uFillTx/>
+              <a:latin typeface="Palatino Linotype"/>
+              <a:ea typeface="+mn-ea"/>
+              <a:cs typeface="+mn-cs"/>
+            </a:endParaRPr>
+          </a:p>
+        </p:txBody>
+      </p:sp>
+      <p:sp>
+        <p:nvSpPr>
+          <p:cNvPr id="11" name="Line Callout 1 10"/>
+          <p:cNvSpPr/>
+          <p:nvPr/>
+        </p:nvSpPr>
+        <p:spPr>
+          <a:xfrm>
+            <a:off x="460375" y="2507096"/>
+            <a:ext cx="1674763" cy="701912"/>
+          </a:xfrm>
+          <a:prstGeom prst="borderCallout1">
+            <a:avLst>
+              <a:gd name="adj1" fmla="val 100666"/>
+              <a:gd name="adj2" fmla="val 52248"/>
+              <a:gd name="adj3" fmla="val 507057"/>
+              <a:gd name="adj4" fmla="val 111864"/>
+            </a:avLst>
+          </a:prstGeom>
+          <a:solidFill>
+            <a:srgbClr val="FF0000"/>
+          </a:solidFill>
+          <a:ln>
+            <a:solidFill>
+              <a:srgbClr val="FF0000"/>
+            </a:solidFill>
+          </a:ln>
+        </p:spPr>
+        <p:style>
+          <a:lnRef idx="2">
+            <a:schemeClr val="accent1">
+              <a:shade val="50000"/>
+            </a:schemeClr>
+          </a:lnRef>
+          <a:fillRef idx="1">
+            <a:schemeClr val="accent1"/>
+          </a:fillRef>
+          <a:effectRef idx="0">
+            <a:schemeClr val="accent1"/>
+          </a:effectRef>
+          <a:fontRef idx="minor">
+            <a:schemeClr val="lt1"/>
+          </a:fontRef>
+        </p:style>
+        <p:txBody>
+          <a:bodyPr rtlCol="0" anchor="ctr"/>
+          <a:lstStyle/>
+          <a:p>
+            <a:pPr marL="0" marR="0" lvl="0" indent="0" algn="ctr" defTabSz="914400" rtl="0" eaLnBrk="1" fontAlgn="auto" latinLnBrk="0" hangingPunct="1">
+              <a:lnSpc>
+                <a:spcPct val="100000"/>
+              </a:lnSpc>
+              <a:spcBef>
+                <a:spcPts val="0"/>
+              </a:spcBef>
+              <a:spcAft>
+                <a:spcPts val="0"/>
+              </a:spcAft>
+              <a:buClrTx/>
+              <a:buSzTx/>
+              <a:buFontTx/>
+              <a:buNone/>
+              <a:tabLst/>
+              <a:defRPr/>
+            </a:pPr>
+            <a:r>
+              <a:rPr kumimoji="0" lang="tr-TR" sz="1600" b="0" i="0" u="none" strike="noStrike" kern="1200" cap="none" spc="0" normalizeH="0" baseline="0" noProof="0" dirty="0" err="1">
+                <a:ln>
+                  <a:noFill/>
+                </a:ln>
+                <a:solidFill>
+                  <a:prstClr val="white"/>
+                </a:solidFill>
+                <a:effectLst/>
+                <a:uLnTx/>
+                <a:uFillTx/>
+                <a:latin typeface="Palatino Linotype"/>
+                <a:ea typeface="+mn-ea"/>
+                <a:cs typeface="+mn-cs"/>
+              </a:rPr>
+              <a:t>Jar</a:t>
+            </a:r>
+            <a:r>
+              <a:rPr kumimoji="0" lang="tr-TR" sz="1600" b="0" i="0" u="none" strike="noStrike" kern="1200" cap="none" spc="0" normalizeH="0" baseline="0" noProof="0" dirty="0">
+                <a:ln>
+                  <a:noFill/>
+                </a:ln>
+                <a:solidFill>
+                  <a:prstClr val="white"/>
+                </a:solidFill>
+                <a:effectLst/>
+                <a:uLnTx/>
+                <a:uFillTx/>
+                <a:latin typeface="Palatino Linotype"/>
+                <a:ea typeface="+mn-ea"/>
+                <a:cs typeface="+mn-cs"/>
+              </a:rPr>
+              <a:t> file </a:t>
+            </a:r>
+            <a:r>
+              <a:rPr kumimoji="0" lang="tr-TR" sz="1600" b="0" i="0" u="none" strike="noStrike" kern="1200" cap="none" spc="0" normalizeH="0" baseline="0" noProof="0" dirty="0" err="1">
+                <a:ln>
+                  <a:noFill/>
+                </a:ln>
+                <a:solidFill>
+                  <a:prstClr val="white"/>
+                </a:solidFill>
+                <a:effectLst/>
+                <a:uLnTx/>
+                <a:uFillTx/>
+                <a:latin typeface="Palatino Linotype"/>
+                <a:ea typeface="+mn-ea"/>
+                <a:cs typeface="+mn-cs"/>
+              </a:rPr>
+              <a:t>running</a:t>
+            </a:r>
+            <a:r>
+              <a:rPr kumimoji="0" lang="tr-TR" sz="1600" b="0" i="0" u="none" strike="noStrike" kern="1200" cap="none" spc="0" normalizeH="0" baseline="0" noProof="0" dirty="0">
+                <a:ln>
+                  <a:noFill/>
+                </a:ln>
+                <a:solidFill>
+                  <a:prstClr val="white"/>
+                </a:solidFill>
+                <a:effectLst/>
+                <a:uLnTx/>
+                <a:uFillTx/>
+                <a:latin typeface="Palatino Linotype"/>
+                <a:ea typeface="+mn-ea"/>
+                <a:cs typeface="+mn-cs"/>
+              </a:rPr>
+              <a:t> here </a:t>
+            </a:r>
+            <a:r>
+              <a:rPr kumimoji="0" lang="tr-TR" sz="1600" b="0" i="0" u="none" strike="noStrike" kern="1200" cap="none" spc="0" normalizeH="0" baseline="0" noProof="0" dirty="0" err="1">
+                <a:ln>
+                  <a:noFill/>
+                </a:ln>
+                <a:solidFill>
+                  <a:prstClr val="white"/>
+                </a:solidFill>
+                <a:effectLst/>
+                <a:uLnTx/>
+                <a:uFillTx/>
+                <a:latin typeface="Palatino Linotype"/>
+                <a:ea typeface="+mn-ea"/>
+                <a:cs typeface="+mn-cs"/>
+              </a:rPr>
+              <a:t>with</a:t>
+            </a:r>
+            <a:r>
+              <a:rPr kumimoji="0" lang="tr-TR" sz="1600" b="0" i="0" u="none" strike="noStrike" kern="1200" cap="none" spc="0" normalizeH="0" baseline="0" noProof="0" dirty="0">
+                <a:ln>
+                  <a:noFill/>
+                </a:ln>
+                <a:solidFill>
+                  <a:prstClr val="white"/>
+                </a:solidFill>
+                <a:effectLst/>
+                <a:uLnTx/>
+                <a:uFillTx/>
+                <a:latin typeface="Palatino Linotype"/>
+                <a:ea typeface="+mn-ea"/>
+                <a:cs typeface="+mn-cs"/>
+              </a:rPr>
+              <a:t> </a:t>
+            </a:r>
+            <a:r>
+              <a:rPr kumimoji="0" lang="tr-TR" sz="1600" b="0" i="0" u="none" strike="noStrike" kern="1200" cap="none" spc="0" normalizeH="0" baseline="0" noProof="0" dirty="0" err="1">
+                <a:ln>
+                  <a:noFill/>
+                </a:ln>
+                <a:solidFill>
+                  <a:prstClr val="white"/>
+                </a:solidFill>
+                <a:effectLst/>
+                <a:uLnTx/>
+                <a:uFillTx/>
+                <a:latin typeface="Palatino Linotype"/>
+                <a:ea typeface="+mn-ea"/>
+                <a:cs typeface="+mn-cs"/>
+              </a:rPr>
+              <a:t>given</a:t>
+            </a:r>
+            <a:r>
+              <a:rPr kumimoji="0" lang="tr-TR" sz="1600" b="0" i="0" u="none" strike="noStrike" kern="1200" cap="none" spc="0" normalizeH="0" baseline="0" noProof="0" dirty="0">
+                <a:ln>
+                  <a:noFill/>
+                </a:ln>
+                <a:solidFill>
+                  <a:prstClr val="white"/>
+                </a:solidFill>
+                <a:effectLst/>
+                <a:uLnTx/>
+                <a:uFillTx/>
+                <a:latin typeface="Palatino Linotype"/>
+                <a:ea typeface="+mn-ea"/>
+                <a:cs typeface="+mn-cs"/>
+              </a:rPr>
+              <a:t> </a:t>
+            </a:r>
+            <a:r>
+              <a:rPr kumimoji="0" lang="tr-TR" sz="1600" b="0" i="0" u="none" strike="noStrike" kern="1200" cap="none" spc="0" normalizeH="0" baseline="0" noProof="0" dirty="0" err="1">
+                <a:ln>
+                  <a:noFill/>
+                </a:ln>
+                <a:solidFill>
+                  <a:prstClr val="white"/>
+                </a:solidFill>
+                <a:effectLst/>
+                <a:uLnTx/>
+                <a:uFillTx/>
+                <a:latin typeface="Palatino Linotype"/>
+                <a:ea typeface="+mn-ea"/>
+                <a:cs typeface="+mn-cs"/>
+              </a:rPr>
+              <a:t>input</a:t>
+            </a:r>
+            <a:r>
+              <a:rPr kumimoji="0" lang="tr-TR" sz="1600" b="0" i="0" u="none" strike="noStrike" kern="1200" cap="none" spc="0" normalizeH="0" baseline="0" noProof="0" dirty="0">
+                <a:ln>
+                  <a:noFill/>
+                </a:ln>
+                <a:solidFill>
+                  <a:prstClr val="white"/>
+                </a:solidFill>
+                <a:effectLst/>
+                <a:uLnTx/>
+                <a:uFillTx/>
+                <a:latin typeface="Palatino Linotype"/>
+                <a:ea typeface="+mn-ea"/>
+                <a:cs typeface="+mn-cs"/>
+              </a:rPr>
+              <a:t>.</a:t>
+            </a:r>
+            <a:endParaRPr kumimoji="0" lang="en-US" sz="1600" b="0" i="0" u="none" strike="noStrike" kern="1200" cap="none" spc="0" normalizeH="0" baseline="0" noProof="0" dirty="0">
+              <a:ln>
+                <a:noFill/>
+              </a:ln>
+              <a:solidFill>
+                <a:prstClr val="white"/>
+              </a:solidFill>
+              <a:effectLst/>
+              <a:uLnTx/>
+              <a:uFillTx/>
+              <a:latin typeface="Palatino Linotype"/>
+              <a:ea typeface="+mn-ea"/>
+              <a:cs typeface="+mn-cs"/>
+            </a:endParaRPr>
+          </a:p>
+        </p:txBody>
+      </p:sp>
+      <p:sp>
+        <p:nvSpPr>
+          <p:cNvPr id="8" name="Slide Number Placeholder 7"/>
+          <p:cNvSpPr>
+            <a:spLocks noGrp="1"/>
+          </p:cNvSpPr>
+          <p:nvPr>
+            <p:ph type="sldNum" sz="quarter" idx="12"/>
+          </p:nvPr>
+        </p:nvSpPr>
+        <p:spPr/>
+        <p:txBody>
+          <a:bodyPr/>
+          <a:lstStyle/>
+          <a:p>
+            <a:pPr marL="0" marR="0" lvl="0" indent="0" algn="l" defTabSz="914400" rtl="0" eaLnBrk="1" fontAlgn="auto" latinLnBrk="0" hangingPunct="1">
+              <a:lnSpc>
+                <a:spcPct val="100000"/>
+              </a:lnSpc>
+              <a:spcBef>
+                <a:spcPts val="0"/>
+              </a:spcBef>
+              <a:spcAft>
+                <a:spcPts val="0"/>
+              </a:spcAft>
+              <a:buClrTx/>
+              <a:buSzTx/>
+              <a:buFontTx/>
+              <a:buNone/>
+              <a:tabLst/>
+              <a:defRPr/>
+            </a:pPr>
+            <a:fld id="{D3A8E80F-08AD-4AA5-83D2-78A6B2333CC0}" type="slidenum">
+              <a:rPr kumimoji="0" lang="en-US" sz="1200" b="0" i="0" u="none" strike="noStrike" kern="1200" cap="none" spc="0" normalizeH="0" baseline="0" noProof="0" smtClean="0">
+                <a:ln>
+                  <a:noFill/>
+                </a:ln>
+                <a:solidFill>
+                  <a:prstClr val="black">
+                    <a:lumMod val="65000"/>
+                    <a:lumOff val="35000"/>
+                  </a:prstClr>
+                </a:solidFill>
+                <a:effectLst/>
+                <a:uLnTx/>
+                <a:uFillTx/>
+                <a:latin typeface="Century Gothic" pitchFamily="34" charset="0"/>
+                <a:ea typeface="+mn-ea"/>
+                <a:cs typeface="+mn-cs"/>
+              </a:rPr>
+              <a:pPr marL="0" marR="0" lvl="0" indent="0" algn="l" defTabSz="914400" rtl="0" eaLnBrk="1" fontAlgn="auto" latinLnBrk="0" hangingPunct="1">
+                <a:lnSpc>
+                  <a:spcPct val="100000"/>
+                </a:lnSpc>
+                <a:spcBef>
+                  <a:spcPts val="0"/>
+                </a:spcBef>
+                <a:spcAft>
+                  <a:spcPts val="0"/>
+                </a:spcAft>
+                <a:buClrTx/>
+                <a:buSzTx/>
+                <a:buFontTx/>
+                <a:buNone/>
+                <a:tabLst/>
+                <a:defRPr/>
+              </a:pPr>
+              <a:t>15</a:t>
+            </a:fld>
+            <a:endParaRPr kumimoji="0" lang="en-US" sz="1200" b="0" i="0" u="none" strike="noStrike" kern="1200" cap="none" spc="0" normalizeH="0" baseline="0" noProof="0">
+              <a:ln>
+                <a:noFill/>
+              </a:ln>
+              <a:solidFill>
+                <a:prstClr val="black">
+                  <a:lumMod val="65000"/>
+                  <a:lumOff val="35000"/>
+                </a:prstClr>
+              </a:solidFill>
+              <a:effectLst/>
+              <a:uLnTx/>
+              <a:uFillTx/>
+              <a:latin typeface="Century Gothic" pitchFamily="34" charset="0"/>
+              <a:ea typeface="+mn-ea"/>
+              <a:cs typeface="+mn-cs"/>
+            </a:endParaRPr>
+          </a:p>
+        </p:txBody>
+      </p:sp>
+      <p:sp>
+        <p:nvSpPr>
+          <p:cNvPr id="12" name="Line Callout 1 10">
+            <a:extLst>
+              <a:ext uri="{FF2B5EF4-FFF2-40B4-BE49-F238E27FC236}">
+                <a16:creationId xmlns:a16="http://schemas.microsoft.com/office/drawing/2014/main" id="{4B8438D1-45AC-43D3-80DC-978012BD5088}"/>
+              </a:ext>
+            </a:extLst>
+          </p:cNvPr>
+          <p:cNvSpPr/>
+          <p:nvPr/>
+        </p:nvSpPr>
+        <p:spPr>
+          <a:xfrm>
+            <a:off x="8079930" y="2458375"/>
+            <a:ext cx="925206" cy="970625"/>
+          </a:xfrm>
+          <a:prstGeom prst="borderCallout1">
+            <a:avLst>
+              <a:gd name="adj1" fmla="val 49832"/>
+              <a:gd name="adj2" fmla="val -4697"/>
+              <a:gd name="adj3" fmla="val -383"/>
+              <a:gd name="adj4" fmla="val -270417"/>
+            </a:avLst>
+          </a:prstGeom>
+          <a:solidFill>
+            <a:srgbClr val="FF0000"/>
+          </a:solidFill>
+          <a:ln>
+            <a:solidFill>
+              <a:srgbClr val="FF0000"/>
+            </a:solidFill>
+          </a:ln>
+        </p:spPr>
+        <p:style>
+          <a:lnRef idx="2">
+            <a:schemeClr val="accent1">
+              <a:shade val="50000"/>
+            </a:schemeClr>
+          </a:lnRef>
+          <a:fillRef idx="1">
+            <a:schemeClr val="accent1"/>
+          </a:fillRef>
+          <a:effectRef idx="0">
+            <a:schemeClr val="accent1"/>
+          </a:effectRef>
+          <a:fontRef idx="minor">
+            <a:schemeClr val="lt1"/>
+          </a:fontRef>
+        </p:style>
+        <p:txBody>
+          <a:bodyPr rtlCol="0" anchor="ctr"/>
+          <a:lstStyle/>
+          <a:p>
+            <a:pPr marL="0" marR="0" lvl="0" indent="0" algn="ctr" defTabSz="914400" rtl="0" eaLnBrk="1" fontAlgn="auto" latinLnBrk="0" hangingPunct="1">
+              <a:lnSpc>
+                <a:spcPct val="100000"/>
+              </a:lnSpc>
+              <a:spcBef>
+                <a:spcPts val="0"/>
+              </a:spcBef>
+              <a:spcAft>
+                <a:spcPts val="0"/>
+              </a:spcAft>
+              <a:buClrTx/>
+              <a:buSzTx/>
+              <a:buFontTx/>
+              <a:buNone/>
+              <a:tabLst/>
+              <a:defRPr/>
+            </a:pPr>
+            <a:r>
+              <a:rPr kumimoji="0" lang="tr-TR" sz="1400" b="0" i="0" u="none" strike="noStrike" kern="1200" cap="none" spc="0" normalizeH="0" baseline="0" noProof="0" dirty="0">
+                <a:ln>
+                  <a:noFill/>
+                </a:ln>
+                <a:solidFill>
+                  <a:prstClr val="white"/>
+                </a:solidFill>
+                <a:effectLst/>
+                <a:uLnTx/>
+                <a:uFillTx/>
+                <a:latin typeface="Palatino Linotype"/>
+                <a:ea typeface="+mn-ea"/>
+                <a:cs typeface="+mn-cs"/>
+              </a:rPr>
+              <a:t>SSH start here </a:t>
+            </a:r>
+            <a:r>
+              <a:rPr kumimoji="0" lang="tr-TR" sz="1400" b="0" i="0" u="none" strike="noStrike" kern="1200" cap="none" spc="0" normalizeH="0" baseline="0" noProof="0" dirty="0" err="1">
+                <a:ln>
+                  <a:noFill/>
+                </a:ln>
+                <a:solidFill>
+                  <a:prstClr val="white"/>
+                </a:solidFill>
+                <a:effectLst/>
+                <a:uLnTx/>
+                <a:uFillTx/>
+                <a:latin typeface="Palatino Linotype"/>
+                <a:ea typeface="+mn-ea"/>
+                <a:cs typeface="+mn-cs"/>
+              </a:rPr>
+              <a:t>given</a:t>
+            </a:r>
+            <a:r>
+              <a:rPr kumimoji="0" lang="tr-TR" sz="1400" b="0" i="0" u="none" strike="noStrike" kern="1200" cap="none" spc="0" normalizeH="0" baseline="0" noProof="0" dirty="0">
+                <a:ln>
+                  <a:noFill/>
+                </a:ln>
+                <a:solidFill>
+                  <a:prstClr val="white"/>
+                </a:solidFill>
+                <a:effectLst/>
+                <a:uLnTx/>
+                <a:uFillTx/>
+                <a:latin typeface="Palatino Linotype"/>
+                <a:ea typeface="+mn-ea"/>
+                <a:cs typeface="+mn-cs"/>
+              </a:rPr>
+              <a:t> PC IP</a:t>
+            </a:r>
+            <a:endParaRPr kumimoji="0" lang="en-US" sz="1400" b="0" i="0" u="none" strike="noStrike" kern="1200" cap="none" spc="0" normalizeH="0" baseline="0" noProof="0" dirty="0">
+              <a:ln>
+                <a:noFill/>
+              </a:ln>
+              <a:solidFill>
+                <a:prstClr val="white"/>
+              </a:solidFill>
+              <a:effectLst/>
+              <a:uLnTx/>
+              <a:uFillTx/>
+              <a:latin typeface="Palatino Linotype"/>
+              <a:ea typeface="+mn-ea"/>
+              <a:cs typeface="+mn-cs"/>
+            </a:endParaRPr>
+          </a:p>
+        </p:txBody>
+      </p:sp>
+      <p:pic>
+        <p:nvPicPr>
+          <p:cNvPr id="9" name="Resim 8">
+            <a:extLst>
+              <a:ext uri="{FF2B5EF4-FFF2-40B4-BE49-F238E27FC236}">
+                <a16:creationId xmlns:a16="http://schemas.microsoft.com/office/drawing/2014/main" id="{099FA8E4-A14C-4E30-A6B9-1BFFAED2CB90}"/>
+              </a:ext>
+            </a:extLst>
+          </p:cNvPr>
+          <p:cNvPicPr>
+            <a:picLocks noChangeAspect="1"/>
+          </p:cNvPicPr>
+          <p:nvPr/>
+        </p:nvPicPr>
+        <p:blipFill>
+          <a:blip r:embed="rId4"/>
+          <a:stretch>
+            <a:fillRect/>
+          </a:stretch>
+        </p:blipFill>
+        <p:spPr>
+          <a:xfrm>
+            <a:off x="1219200" y="4119352"/>
+            <a:ext cx="4278006" cy="2419560"/>
+          </a:xfrm>
+          <a:prstGeom prst="rect">
+            <a:avLst/>
+          </a:prstGeom>
+        </p:spPr>
+      </p:pic>
+    </p:spTree>
+    <p:extLst>
+      <p:ext uri="{BB962C8B-B14F-4D97-AF65-F5344CB8AC3E}">
+        <p14:creationId xmlns:p14="http://schemas.microsoft.com/office/powerpoint/2010/main" val="1190772713"/>
+      </p:ext>
+    </p:extLst>
+  </p:cSld>
+  <p:clrMapOvr>
+    <a:masterClrMapping/>
+  </p:clrMapOvr>
+</p:sld>
+</file>
+
+<file path=ppt/slides/slide16.xml><?xml version="1.0" encoding="utf-8"?>
+<p:sld xmlns:a="http://schemas.openxmlformats.org/drawingml/2006/main" xmlns:r="http://schemas.openxmlformats.org/officeDocument/2006/relationships" xmlns:p="http://schemas.openxmlformats.org/presentationml/2006/main">
+  <p:cSld>
+    <p:spTree>
+      <p:nvGrpSpPr>
+        <p:cNvPr id="1" name=""/>
+        <p:cNvGrpSpPr/>
+        <p:nvPr/>
+      </p:nvGrpSpPr>
+      <p:grpSpPr>
+        <a:xfrm>
+          <a:off x="0" y="0"/>
+          <a:ext cx="0" cy="0"/>
+          <a:chOff x="0" y="0"/>
+          <a:chExt cx="0" cy="0"/>
+        </a:xfrm>
+      </p:grpSpPr>
+      <p:sp>
+        <p:nvSpPr>
+          <p:cNvPr id="2" name="Title 1"/>
+          <p:cNvSpPr>
+            <a:spLocks noGrp="1"/>
+          </p:cNvSpPr>
+          <p:nvPr>
+            <p:ph type="title"/>
+          </p:nvPr>
+        </p:nvSpPr>
+        <p:spPr>
+          <a:xfrm>
+            <a:off x="312933" y="349132"/>
+            <a:ext cx="8229600" cy="911188"/>
+          </a:xfrm>
+        </p:spPr>
+        <p:txBody>
+          <a:bodyPr>
+            <a:normAutofit/>
+          </a:bodyPr>
+          <a:lstStyle/>
+          <a:p>
+            <a:r>
+              <a:rPr lang="tr-TR" sz="4000" dirty="0" err="1"/>
+              <a:t>Conclusion</a:t>
+            </a:r>
+            <a:endParaRPr lang="en-US" sz="4000" dirty="0"/>
+          </a:p>
+        </p:txBody>
+      </p:sp>
+      <p:sp>
+        <p:nvSpPr>
+          <p:cNvPr id="4" name="AutoShape 2" descr="Image result for turkcell"/>
+          <p:cNvSpPr>
+            <a:spLocks noChangeAspect="1" noChangeArrowheads="1"/>
+          </p:cNvSpPr>
+          <p:nvPr/>
+        </p:nvSpPr>
+        <p:spPr bwMode="auto">
+          <a:xfrm>
+            <a:off x="155575" y="-144463"/>
+            <a:ext cx="304800" cy="304801"/>
+          </a:xfrm>
+          <a:prstGeom prst="rect">
+            <a:avLst/>
+          </a:prstGeom>
+          <a:noFill/>
+          <a:extLst>
+            <a:ext uri="{909E8E84-426E-40DD-AFC4-6F175D3DCCD1}">
+              <a14:hiddenFill xmlns:a14="http://schemas.microsoft.com/office/drawing/2010/main">
+                <a:solidFill>
+                  <a:srgbClr val="FFFFFF"/>
+                </a:solidFill>
+              </a14:hiddenFill>
+            </a:ext>
+          </a:extLst>
+        </p:spPr>
+        <p:txBody>
+          <a:bodyPr vert="horz" wrap="square" lIns="91440" tIns="45720" rIns="91440" bIns="45720" numCol="1" anchor="t" anchorCtr="0" compatLnSpc="1">
+            <a:prstTxWarp prst="textNoShape">
+              <a:avLst/>
+            </a:prstTxWarp>
+          </a:bodyPr>
+          <a:lstStyle/>
+          <a:p>
+            <a:pPr marL="0" marR="0" lvl="0" indent="0" algn="l" defTabSz="914400" rtl="0" eaLnBrk="1" fontAlgn="auto" latinLnBrk="0" hangingPunct="1">
+              <a:lnSpc>
+                <a:spcPct val="100000"/>
+              </a:lnSpc>
+              <a:spcBef>
+                <a:spcPts val="0"/>
+              </a:spcBef>
+              <a:spcAft>
+                <a:spcPts val="0"/>
+              </a:spcAft>
+              <a:buClrTx/>
+              <a:buSzTx/>
+              <a:buFontTx/>
+              <a:buNone/>
+              <a:tabLst/>
+              <a:defRPr/>
+            </a:pPr>
+            <a:endParaRPr kumimoji="0" lang="en-US" sz="1800" b="0" i="0" u="none" strike="noStrike" kern="1200" cap="none" spc="0" normalizeH="0" baseline="0" noProof="0">
+              <a:ln>
+                <a:noFill/>
+              </a:ln>
+              <a:solidFill>
+                <a:prstClr val="black"/>
+              </a:solidFill>
+              <a:effectLst/>
+              <a:uLnTx/>
+              <a:uFillTx/>
+              <a:latin typeface="Palatino Linotype"/>
+              <a:ea typeface="+mn-ea"/>
+              <a:cs typeface="+mn-cs"/>
+            </a:endParaRPr>
+          </a:p>
+        </p:txBody>
+      </p:sp>
+      <p:sp>
+        <p:nvSpPr>
+          <p:cNvPr id="5" name="AutoShape 4" descr="Image result for turkcell"/>
+          <p:cNvSpPr>
+            <a:spLocks noChangeAspect="1" noChangeArrowheads="1"/>
+          </p:cNvSpPr>
+          <p:nvPr/>
+        </p:nvSpPr>
+        <p:spPr bwMode="auto">
+          <a:xfrm>
+            <a:off x="307975" y="7937"/>
+            <a:ext cx="304800" cy="304801"/>
+          </a:xfrm>
+          <a:prstGeom prst="rect">
+            <a:avLst/>
+          </a:prstGeom>
+          <a:noFill/>
+          <a:extLst>
+            <a:ext uri="{909E8E84-426E-40DD-AFC4-6F175D3DCCD1}">
+              <a14:hiddenFill xmlns:a14="http://schemas.microsoft.com/office/drawing/2010/main">
+                <a:solidFill>
+                  <a:srgbClr val="FFFFFF"/>
+                </a:solidFill>
+              </a14:hiddenFill>
+            </a:ext>
+          </a:extLst>
+        </p:spPr>
+        <p:txBody>
+          <a:bodyPr vert="horz" wrap="square" lIns="91440" tIns="45720" rIns="91440" bIns="45720" numCol="1" anchor="t" anchorCtr="0" compatLnSpc="1">
+            <a:prstTxWarp prst="textNoShape">
+              <a:avLst/>
+            </a:prstTxWarp>
+          </a:bodyPr>
+          <a:lstStyle/>
+          <a:p>
+            <a:pPr marL="0" marR="0" lvl="0" indent="0" algn="l" defTabSz="914400" rtl="0" eaLnBrk="1" fontAlgn="auto" latinLnBrk="0" hangingPunct="1">
+              <a:lnSpc>
+                <a:spcPct val="100000"/>
+              </a:lnSpc>
+              <a:spcBef>
+                <a:spcPts val="0"/>
+              </a:spcBef>
+              <a:spcAft>
+                <a:spcPts val="0"/>
+              </a:spcAft>
+              <a:buClrTx/>
+              <a:buSzTx/>
+              <a:buFontTx/>
+              <a:buNone/>
+              <a:tabLst/>
+              <a:defRPr/>
+            </a:pPr>
+            <a:endParaRPr kumimoji="0" lang="en-US" sz="1800" b="0" i="0" u="none" strike="noStrike" kern="1200" cap="none" spc="0" normalizeH="0" baseline="0" noProof="0">
+              <a:ln>
+                <a:noFill/>
+              </a:ln>
+              <a:solidFill>
+                <a:prstClr val="black"/>
+              </a:solidFill>
+              <a:effectLst/>
+              <a:uLnTx/>
+              <a:uFillTx/>
+              <a:latin typeface="Palatino Linotype"/>
+              <a:ea typeface="+mn-ea"/>
+              <a:cs typeface="+mn-cs"/>
+            </a:endParaRPr>
+          </a:p>
+        </p:txBody>
+      </p:sp>
+      <p:sp>
+        <p:nvSpPr>
+          <p:cNvPr id="8" name="Slide Number Placeholder 7"/>
+          <p:cNvSpPr>
+            <a:spLocks noGrp="1"/>
+          </p:cNvSpPr>
+          <p:nvPr>
+            <p:ph type="sldNum" sz="quarter" idx="12"/>
+          </p:nvPr>
+        </p:nvSpPr>
+        <p:spPr/>
+        <p:txBody>
+          <a:bodyPr/>
+          <a:lstStyle/>
+          <a:p>
+            <a:pPr marL="0" marR="0" lvl="0" indent="0" algn="l" defTabSz="914400" rtl="0" eaLnBrk="1" fontAlgn="auto" latinLnBrk="0" hangingPunct="1">
+              <a:lnSpc>
+                <a:spcPct val="100000"/>
+              </a:lnSpc>
+              <a:spcBef>
+                <a:spcPts val="0"/>
+              </a:spcBef>
+              <a:spcAft>
+                <a:spcPts val="0"/>
+              </a:spcAft>
+              <a:buClrTx/>
+              <a:buSzTx/>
+              <a:buFontTx/>
+              <a:buNone/>
+              <a:tabLst/>
+              <a:defRPr/>
+            </a:pPr>
+            <a:fld id="{D3A8E80F-08AD-4AA5-83D2-78A6B2333CC0}" type="slidenum">
+              <a:rPr kumimoji="0" lang="en-US" sz="1200" b="0" i="0" u="none" strike="noStrike" kern="1200" cap="none" spc="0" normalizeH="0" baseline="0" noProof="0" smtClean="0">
+                <a:ln>
+                  <a:noFill/>
+                </a:ln>
+                <a:solidFill>
+                  <a:prstClr val="black">
+                    <a:lumMod val="65000"/>
+                    <a:lumOff val="35000"/>
+                  </a:prstClr>
+                </a:solidFill>
+                <a:effectLst/>
+                <a:uLnTx/>
+                <a:uFillTx/>
+                <a:latin typeface="Century Gothic" pitchFamily="34" charset="0"/>
+                <a:ea typeface="+mn-ea"/>
+                <a:cs typeface="+mn-cs"/>
+              </a:rPr>
+              <a:pPr marL="0" marR="0" lvl="0" indent="0" algn="l" defTabSz="914400" rtl="0" eaLnBrk="1" fontAlgn="auto" latinLnBrk="0" hangingPunct="1">
+                <a:lnSpc>
+                  <a:spcPct val="100000"/>
+                </a:lnSpc>
+                <a:spcBef>
+                  <a:spcPts val="0"/>
+                </a:spcBef>
+                <a:spcAft>
+                  <a:spcPts val="0"/>
+                </a:spcAft>
+                <a:buClrTx/>
+                <a:buSzTx/>
+                <a:buFontTx/>
+                <a:buNone/>
+                <a:tabLst/>
+                <a:defRPr/>
+              </a:pPr>
+              <a:t>16</a:t>
+            </a:fld>
+            <a:endParaRPr kumimoji="0" lang="en-US" sz="1200" b="0" i="0" u="none" strike="noStrike" kern="1200" cap="none" spc="0" normalizeH="0" baseline="0" noProof="0">
+              <a:ln>
+                <a:noFill/>
+              </a:ln>
+              <a:solidFill>
+                <a:prstClr val="black">
+                  <a:lumMod val="65000"/>
+                  <a:lumOff val="35000"/>
+                </a:prstClr>
+              </a:solidFill>
+              <a:effectLst/>
+              <a:uLnTx/>
+              <a:uFillTx/>
+              <a:latin typeface="Century Gothic" pitchFamily="34" charset="0"/>
+              <a:ea typeface="+mn-ea"/>
+              <a:cs typeface="+mn-cs"/>
+            </a:endParaRPr>
+          </a:p>
+        </p:txBody>
+      </p:sp>
+      <p:sp>
+        <p:nvSpPr>
+          <p:cNvPr id="10" name="Content Placeholder 2">
+            <a:extLst>
+              <a:ext uri="{FF2B5EF4-FFF2-40B4-BE49-F238E27FC236}">
+                <a16:creationId xmlns:a16="http://schemas.microsoft.com/office/drawing/2014/main" id="{BD8D40BF-6225-489F-80BF-A6BCD7FB8A8C}"/>
+              </a:ext>
+            </a:extLst>
+          </p:cNvPr>
+          <p:cNvSpPr>
+            <a:spLocks noGrp="1"/>
+          </p:cNvSpPr>
+          <p:nvPr>
+            <p:ph idx="1"/>
+          </p:nvPr>
+        </p:nvSpPr>
+        <p:spPr>
+          <a:xfrm>
+            <a:off x="612775" y="1676400"/>
+            <a:ext cx="8229600" cy="4114800"/>
+          </a:xfrm>
+        </p:spPr>
+        <p:txBody>
+          <a:bodyPr>
+            <a:normAutofit lnSpcReduction="10000"/>
+          </a:bodyPr>
+          <a:lstStyle/>
+          <a:p>
+            <a:pPr marL="365760" lvl="1" indent="-283464" algn="just">
+              <a:spcBef>
+                <a:spcPts val="600"/>
+              </a:spcBef>
+              <a:buSzPct val="80000"/>
+              <a:buFont typeface="Wingdings 2"/>
+              <a:buChar char=""/>
+            </a:pPr>
+            <a:r>
+              <a:rPr lang="tr-TR" sz="2000" b="1" dirty="0" err="1"/>
+              <a:t>GenerateTestStepList</a:t>
+            </a:r>
+            <a:r>
+              <a:rPr lang="tr-TR" sz="2000" b="1" dirty="0"/>
+              <a:t> </a:t>
+            </a:r>
+            <a:r>
+              <a:rPr lang="tr-TR" sz="2000" dirty="0" err="1"/>
+              <a:t>and</a:t>
+            </a:r>
+            <a:r>
+              <a:rPr lang="tr-TR" sz="2000" b="1" dirty="0"/>
+              <a:t> </a:t>
+            </a:r>
+            <a:r>
+              <a:rPr lang="tr-TR" sz="2000" b="1" dirty="0" err="1"/>
+              <a:t>getSetupInformation</a:t>
+            </a:r>
+            <a:r>
+              <a:rPr lang="tr-TR" sz="2000" b="1" dirty="0"/>
+              <a:t> </a:t>
+            </a:r>
+            <a:r>
+              <a:rPr lang="tr-TR" sz="2000" b="1" dirty="0" err="1"/>
+              <a:t>modules</a:t>
+            </a:r>
+            <a:r>
+              <a:rPr lang="tr-TR" sz="2000" b="1" dirty="0"/>
+              <a:t> </a:t>
+            </a:r>
+            <a:r>
+              <a:rPr lang="tr-TR" sz="2000" dirty="0"/>
+              <a:t>can </a:t>
+            </a:r>
+            <a:r>
+              <a:rPr lang="tr-TR" sz="2000" dirty="0" err="1"/>
+              <a:t>use</a:t>
+            </a:r>
+            <a:r>
+              <a:rPr lang="tr-TR" sz="2000" dirty="0"/>
+              <a:t> </a:t>
+            </a:r>
+            <a:r>
+              <a:rPr lang="tr-TR" sz="2000" dirty="0" err="1"/>
+              <a:t>for</a:t>
+            </a:r>
+            <a:r>
+              <a:rPr lang="tr-TR" sz="2000" dirty="0"/>
+              <a:t> </a:t>
+            </a:r>
+            <a:r>
+              <a:rPr lang="tr-TR" sz="2000" dirty="0" err="1"/>
+              <a:t>all</a:t>
+            </a:r>
+            <a:r>
+              <a:rPr lang="tr-TR" sz="2000" dirty="0"/>
+              <a:t> test </a:t>
+            </a:r>
+            <a:r>
+              <a:rPr lang="tr-TR" sz="2000" dirty="0" err="1"/>
+              <a:t>cases</a:t>
+            </a:r>
+            <a:r>
+              <a:rPr lang="tr-TR" sz="2000" dirty="0"/>
+              <a:t>.</a:t>
+            </a:r>
+          </a:p>
+          <a:p>
+            <a:pPr marL="365760" lvl="1" indent="-283464" algn="just">
+              <a:spcBef>
+                <a:spcPts val="600"/>
+              </a:spcBef>
+              <a:buSzPct val="80000"/>
+              <a:buFont typeface="Wingdings 2"/>
+              <a:buChar char=""/>
+            </a:pPr>
+            <a:endParaRPr lang="tr-TR" sz="2000" dirty="0"/>
+          </a:p>
+          <a:p>
+            <a:pPr marL="365760" lvl="1" indent="-283464" algn="just">
+              <a:spcBef>
+                <a:spcPts val="600"/>
+              </a:spcBef>
+              <a:buSzPct val="80000"/>
+              <a:buFont typeface="Wingdings 2"/>
+              <a:buChar char=""/>
+            </a:pPr>
+            <a:r>
+              <a:rPr lang="tr-TR" sz="2000" dirty="0" err="1"/>
+              <a:t>We</a:t>
+            </a:r>
+            <a:r>
+              <a:rPr lang="tr-TR" sz="2000" dirty="0"/>
+              <a:t> </a:t>
+            </a:r>
+            <a:r>
+              <a:rPr lang="tr-TR" sz="2000" dirty="0" err="1"/>
+              <a:t>just</a:t>
+            </a:r>
+            <a:r>
+              <a:rPr lang="tr-TR" sz="2000" dirty="0"/>
+              <a:t> </a:t>
+            </a:r>
+            <a:r>
+              <a:rPr lang="tr-TR" sz="2000" dirty="0" err="1"/>
+              <a:t>give</a:t>
+            </a:r>
+            <a:r>
+              <a:rPr lang="tr-TR" sz="2000" dirty="0"/>
+              <a:t> </a:t>
+            </a:r>
+            <a:r>
+              <a:rPr lang="tr-TR" sz="2000" dirty="0" err="1"/>
+              <a:t>these</a:t>
+            </a:r>
+            <a:r>
+              <a:rPr lang="tr-TR" sz="2000" dirty="0"/>
+              <a:t> </a:t>
+            </a:r>
+            <a:r>
+              <a:rPr lang="tr-TR" sz="2000" dirty="0" err="1"/>
+              <a:t>inputs</a:t>
+            </a:r>
+            <a:r>
+              <a:rPr lang="tr-TR" sz="2000" dirty="0"/>
+              <a:t> </a:t>
+            </a:r>
+            <a:r>
+              <a:rPr lang="tr-TR" sz="2000" dirty="0" err="1"/>
+              <a:t>for</a:t>
+            </a:r>
+            <a:r>
+              <a:rPr lang="tr-TR" sz="2000" dirty="0"/>
+              <a:t> </a:t>
+            </a:r>
+            <a:r>
+              <a:rPr lang="tr-TR" sz="2000" dirty="0" err="1"/>
+              <a:t>run</a:t>
+            </a:r>
+            <a:r>
+              <a:rPr lang="tr-TR" sz="2000" dirty="0"/>
+              <a:t> test, </a:t>
+            </a:r>
+            <a:r>
+              <a:rPr lang="tr-TR" sz="2000" dirty="0" err="1"/>
+              <a:t>operations</a:t>
+            </a:r>
+            <a:r>
+              <a:rPr lang="tr-TR" sz="2000" dirty="0"/>
+              <a:t> </a:t>
+            </a:r>
+            <a:r>
+              <a:rPr lang="tr-TR" sz="2000" dirty="0" err="1"/>
+              <a:t>list</a:t>
+            </a:r>
+            <a:r>
+              <a:rPr lang="tr-TR" sz="2000" dirty="0"/>
+              <a:t> </a:t>
+            </a:r>
+            <a:r>
+              <a:rPr lang="tr-TR" sz="2000" dirty="0" err="1"/>
+              <a:t>and</a:t>
+            </a:r>
+            <a:r>
+              <a:rPr lang="tr-TR" sz="2000" dirty="0"/>
+              <a:t> web link </a:t>
+            </a:r>
+            <a:r>
+              <a:rPr lang="tr-TR" sz="2000" dirty="0" err="1"/>
+              <a:t>adress</a:t>
+            </a:r>
+            <a:r>
+              <a:rPr lang="tr-TR" sz="2000" dirty="0"/>
+              <a:t> </a:t>
+            </a:r>
+            <a:r>
+              <a:rPr lang="tr-TR" sz="2000" dirty="0" err="1"/>
+              <a:t>and</a:t>
+            </a:r>
+            <a:r>
+              <a:rPr lang="tr-TR" sz="2000" dirty="0"/>
+              <a:t> </a:t>
+            </a:r>
+            <a:r>
+              <a:rPr lang="tr-TR" sz="2000" dirty="0" err="1"/>
+              <a:t>mapping</a:t>
+            </a:r>
+            <a:r>
+              <a:rPr lang="tr-TR" sz="2000" dirty="0"/>
+              <a:t>.</a:t>
+            </a:r>
+          </a:p>
+          <a:p>
+            <a:pPr marL="365760" lvl="1" indent="-283464" algn="just">
+              <a:spcBef>
+                <a:spcPts val="600"/>
+              </a:spcBef>
+              <a:buSzPct val="80000"/>
+              <a:buFont typeface="Wingdings 2"/>
+              <a:buChar char=""/>
+            </a:pPr>
+            <a:endParaRPr lang="tr-TR" sz="2000" dirty="0"/>
+          </a:p>
+          <a:p>
+            <a:pPr marL="365760" lvl="1" indent="-283464" algn="just">
+              <a:spcBef>
+                <a:spcPts val="600"/>
+              </a:spcBef>
+              <a:buSzPct val="80000"/>
+              <a:buFont typeface="Wingdings 2"/>
+              <a:buChar char=""/>
+            </a:pPr>
+            <a:r>
+              <a:rPr lang="tr-TR" sz="2000" dirty="0" err="1"/>
+              <a:t>Mapping</a:t>
+            </a:r>
+            <a:r>
+              <a:rPr lang="tr-TR" sz="2000" dirty="0"/>
+              <a:t> is </a:t>
+            </a:r>
+            <a:r>
+              <a:rPr lang="tr-TR" sz="2000" dirty="0" err="1"/>
+              <a:t>one</a:t>
+            </a:r>
+            <a:r>
+              <a:rPr lang="tr-TR" sz="2000" dirty="0"/>
+              <a:t> time </a:t>
+            </a:r>
+            <a:r>
+              <a:rPr lang="tr-TR" sz="2000" dirty="0" err="1"/>
+              <a:t>effort</a:t>
+            </a:r>
+            <a:r>
+              <a:rPr lang="tr-TR" sz="2000" dirty="0"/>
+              <a:t> </a:t>
+            </a:r>
+            <a:r>
+              <a:rPr lang="tr-TR" sz="2000" dirty="0" err="1"/>
+              <a:t>for</a:t>
+            </a:r>
+            <a:r>
+              <a:rPr lang="tr-TR" sz="2000" dirty="0"/>
+              <a:t> </a:t>
+            </a:r>
+            <a:r>
+              <a:rPr lang="tr-TR" sz="2000" dirty="0" err="1"/>
+              <a:t>the</a:t>
+            </a:r>
+            <a:r>
+              <a:rPr lang="tr-TR" sz="2000" dirty="0"/>
+              <a:t> </a:t>
+            </a:r>
+            <a:r>
+              <a:rPr lang="tr-TR" sz="2000" dirty="0" err="1"/>
+              <a:t>each</a:t>
+            </a:r>
+            <a:r>
+              <a:rPr lang="tr-TR" sz="2000" dirty="0"/>
+              <a:t> </a:t>
+            </a:r>
+            <a:r>
+              <a:rPr lang="tr-TR" sz="2000" dirty="0" err="1"/>
+              <a:t>different</a:t>
+            </a:r>
+            <a:r>
+              <a:rPr lang="tr-TR" sz="2000" dirty="0"/>
+              <a:t> web </a:t>
+            </a:r>
+            <a:r>
+              <a:rPr lang="tr-TR" sz="2000" dirty="0" err="1"/>
+              <a:t>address</a:t>
+            </a:r>
+            <a:r>
+              <a:rPr lang="tr-TR" sz="2000" dirty="0"/>
+              <a:t>. </a:t>
+            </a:r>
+          </a:p>
+          <a:p>
+            <a:pPr marL="365760" lvl="1" indent="-283464" algn="just">
+              <a:spcBef>
+                <a:spcPts val="600"/>
+              </a:spcBef>
+              <a:buSzPct val="80000"/>
+              <a:buFont typeface="Wingdings 2"/>
+              <a:buChar char=""/>
+            </a:pPr>
+            <a:endParaRPr lang="tr-TR" sz="2000" dirty="0"/>
+          </a:p>
+          <a:p>
+            <a:pPr marL="365760" lvl="1" indent="-283464" algn="just">
+              <a:spcBef>
+                <a:spcPts val="600"/>
+              </a:spcBef>
+              <a:buSzPct val="80000"/>
+              <a:buFont typeface="Wingdings 2"/>
+              <a:buChar char=""/>
+            </a:pPr>
+            <a:r>
+              <a:rPr lang="tr-TR" sz="2000" dirty="0" err="1"/>
+              <a:t>We</a:t>
+            </a:r>
+            <a:r>
+              <a:rPr lang="tr-TR" sz="2000" dirty="0"/>
+              <a:t> can </a:t>
+            </a:r>
+            <a:r>
+              <a:rPr lang="tr-TR" sz="2000" dirty="0" err="1"/>
+              <a:t>create</a:t>
+            </a:r>
+            <a:r>
+              <a:rPr lang="tr-TR" sz="2000" dirty="0"/>
+              <a:t> </a:t>
+            </a:r>
+            <a:r>
+              <a:rPr lang="tr-TR" sz="2000" dirty="0" err="1"/>
+              <a:t>lots</a:t>
+            </a:r>
+            <a:r>
+              <a:rPr lang="tr-TR" sz="2000" dirty="0"/>
+              <a:t> of </a:t>
+            </a:r>
+            <a:r>
+              <a:rPr lang="tr-TR" sz="2000" dirty="0" err="1"/>
+              <a:t>different</a:t>
+            </a:r>
+            <a:r>
+              <a:rPr lang="tr-TR" sz="2000" dirty="0"/>
+              <a:t> </a:t>
+            </a:r>
+            <a:r>
+              <a:rPr lang="tr-TR" sz="2000" dirty="0" err="1"/>
+              <a:t>scenario</a:t>
+            </a:r>
+            <a:r>
+              <a:rPr lang="tr-TR" sz="2000" dirty="0"/>
+              <a:t> </a:t>
+            </a:r>
+            <a:r>
+              <a:rPr lang="tr-TR" sz="2000" dirty="0" err="1"/>
+              <a:t>with</a:t>
+            </a:r>
+            <a:r>
+              <a:rPr lang="tr-TR" sz="2000" dirty="0"/>
+              <a:t> </a:t>
+            </a:r>
+            <a:r>
+              <a:rPr lang="tr-TR" sz="2000" dirty="0" err="1"/>
+              <a:t>mapping</a:t>
+            </a:r>
+            <a:r>
+              <a:rPr lang="tr-TR" sz="2000" dirty="0"/>
+              <a:t> </a:t>
+            </a:r>
+            <a:r>
+              <a:rPr lang="tr-TR" sz="2000" dirty="0" err="1"/>
+              <a:t>ID’s</a:t>
+            </a:r>
+            <a:r>
+              <a:rPr lang="tr-TR" sz="2000" dirty="0"/>
+              <a:t>.</a:t>
+            </a:r>
+          </a:p>
+          <a:p>
+            <a:pPr marL="365760" lvl="1" indent="-283464" algn="just">
+              <a:spcBef>
+                <a:spcPts val="600"/>
+              </a:spcBef>
+              <a:buSzPct val="80000"/>
+              <a:buFont typeface="Wingdings 2"/>
+              <a:buChar char=""/>
+            </a:pPr>
+            <a:endParaRPr lang="tr-TR" sz="2000" dirty="0"/>
+          </a:p>
+          <a:p>
+            <a:pPr marL="365760" lvl="1" indent="-283464" algn="just">
+              <a:spcBef>
+                <a:spcPts val="600"/>
+              </a:spcBef>
+              <a:buSzPct val="80000"/>
+              <a:buFont typeface="Wingdings 2"/>
+              <a:buChar char=""/>
+            </a:pPr>
+            <a:r>
+              <a:rPr lang="tr-TR" sz="2000" dirty="0" err="1"/>
+              <a:t>When</a:t>
+            </a:r>
+            <a:r>
+              <a:rPr lang="tr-TR" sz="2000" dirty="0"/>
+              <a:t> test </a:t>
+            </a:r>
+            <a:r>
+              <a:rPr lang="tr-TR" sz="2000" dirty="0" err="1"/>
+              <a:t>login</a:t>
+            </a:r>
+            <a:r>
+              <a:rPr lang="tr-TR" sz="2000" dirty="0"/>
+              <a:t> </a:t>
+            </a:r>
+            <a:r>
+              <a:rPr lang="tr-TR" sz="2000" dirty="0" err="1"/>
+              <a:t>scenario</a:t>
+            </a:r>
+            <a:r>
+              <a:rPr lang="tr-TR" sz="2000" dirty="0"/>
+              <a:t> </a:t>
+            </a:r>
+            <a:r>
+              <a:rPr lang="tr-TR" sz="2000" dirty="0" err="1"/>
+              <a:t>for</a:t>
+            </a:r>
+            <a:r>
+              <a:rPr lang="tr-TR" sz="2000" dirty="0"/>
+              <a:t> </a:t>
+            </a:r>
+            <a:r>
+              <a:rPr lang="tr-TR" sz="2000" dirty="0" err="1"/>
+              <a:t>different</a:t>
+            </a:r>
+            <a:r>
+              <a:rPr lang="tr-TR" sz="2000" dirty="0"/>
+              <a:t> web link </a:t>
+            </a:r>
+            <a:r>
+              <a:rPr lang="tr-TR" sz="2000" dirty="0" err="1"/>
+              <a:t>we</a:t>
+            </a:r>
+            <a:r>
+              <a:rPr lang="tr-TR" sz="2000" dirty="0"/>
+              <a:t> </a:t>
+            </a:r>
+            <a:r>
+              <a:rPr lang="tr-TR" sz="2000" dirty="0" err="1"/>
+              <a:t>need</a:t>
+            </a:r>
+            <a:r>
+              <a:rPr lang="tr-TR" sz="2000" dirty="0"/>
+              <a:t> </a:t>
+            </a:r>
+            <a:r>
+              <a:rPr lang="tr-TR" sz="2000" dirty="0" err="1"/>
+              <a:t>the</a:t>
+            </a:r>
+            <a:r>
+              <a:rPr lang="tr-TR" sz="2000" dirty="0"/>
+              <a:t> </a:t>
+            </a:r>
+            <a:r>
+              <a:rPr lang="tr-TR" sz="2000" dirty="0" err="1"/>
+              <a:t>change</a:t>
+            </a:r>
+            <a:r>
+              <a:rPr lang="tr-TR" sz="2000" dirty="0"/>
+              <a:t> </a:t>
+            </a:r>
+            <a:r>
+              <a:rPr lang="tr-TR" sz="2000" dirty="0" err="1"/>
+              <a:t>just</a:t>
+            </a:r>
+            <a:r>
+              <a:rPr lang="tr-TR" sz="2000" dirty="0"/>
+              <a:t> </a:t>
+            </a:r>
+            <a:r>
+              <a:rPr lang="tr-TR" sz="2000" dirty="0" err="1"/>
+              <a:t>map</a:t>
+            </a:r>
+            <a:r>
+              <a:rPr lang="tr-TR" sz="2000" dirty="0"/>
+              <a:t> file. </a:t>
+            </a:r>
+          </a:p>
+          <a:p>
+            <a:pPr marL="365760" lvl="1" indent="-283464" algn="just">
+              <a:spcBef>
+                <a:spcPts val="600"/>
+              </a:spcBef>
+              <a:buSzPct val="80000"/>
+              <a:buFont typeface="Wingdings 2"/>
+              <a:buChar char=""/>
+            </a:pPr>
+            <a:endParaRPr lang="en-US" sz="2000" dirty="0"/>
+          </a:p>
+        </p:txBody>
+      </p:sp>
+    </p:spTree>
+    <p:extLst>
+      <p:ext uri="{BB962C8B-B14F-4D97-AF65-F5344CB8AC3E}">
+        <p14:creationId xmlns:p14="http://schemas.microsoft.com/office/powerpoint/2010/main" val="1127632233"/>
+      </p:ext>
+    </p:extLst>
+  </p:cSld>
+  <p:clrMapOvr>
+    <a:masterClrMapping/>
+  </p:clrMapOvr>
+</p:sld>
+</file>
+
+<file path=ppt/slides/slide17.xml><?xml version="1.0" encoding="utf-8"?>
+<p:sld xmlns:a="http://schemas.openxmlformats.org/drawingml/2006/main" xmlns:r="http://schemas.openxmlformats.org/officeDocument/2006/relationships" xmlns:p="http://schemas.openxmlformats.org/presentationml/2006/main">
+  <p:cSld>
+    <p:spTree>
+      <p:nvGrpSpPr>
+        <p:cNvPr id="1" name=""/>
+        <p:cNvGrpSpPr/>
+        <p:nvPr/>
+      </p:nvGrpSpPr>
+      <p:grpSpPr>
+        <a:xfrm>
+          <a:off x="0" y="0"/>
+          <a:ext cx="0" cy="0"/>
+          <a:chOff x="0" y="0"/>
+          <a:chExt cx="0" cy="0"/>
+        </a:xfrm>
+      </p:grpSpPr>
       <p:sp>
         <p:nvSpPr>
           <p:cNvPr id="2" name="Title 1"/>
@@ -8990,7 +11400,7 @@
           <a:p>
             <a:fld id="{D3A8E80F-08AD-4AA5-83D2-78A6B2333CC0}" type="slidenum">
               <a:rPr lang="en-US" smtClean="0"/>
-              <a:t>14</a:t>
+              <a:t>17</a:t>
             </a:fld>
             <a:endParaRPr lang="en-US"/>
           </a:p>
@@ -9728,6 +12138,15 @@
               <a:rPr lang="tr-TR" dirty="0"/>
               <a:t> WAP Web UI. </a:t>
             </a:r>
+          </a:p>
+          <a:p>
+            <a:pPr>
+              <a:spcBef>
+                <a:spcPts val="0"/>
+              </a:spcBef>
+              <a:defRPr/>
+            </a:pPr>
+            <a:endParaRPr lang="tr-TR" dirty="0"/>
           </a:p>
           <a:p>
             <a:pPr>
@@ -10018,7 +12437,13 @@
       </p:grpSpPr>
       <p:sp>
         <p:nvSpPr>
-          <p:cNvPr id="2" name="Title 1"/>
+          <p:cNvPr id="2" name="Unvan 1">
+            <a:extLst>
+              <a:ext uri="{FF2B5EF4-FFF2-40B4-BE49-F238E27FC236}">
+                <a16:creationId xmlns:a16="http://schemas.microsoft.com/office/drawing/2014/main" id="{7ECE2EAC-192D-46EE-95B2-C9E38A43D148}"/>
+              </a:ext>
+            </a:extLst>
+          </p:cNvPr>
           <p:cNvSpPr>
             <a:spLocks noGrp="1"/>
           </p:cNvSpPr>
@@ -10028,8 +12453,8 @@
         </p:nvSpPr>
         <p:spPr>
           <a:xfrm>
-            <a:off x="457200" y="381000"/>
-            <a:ext cx="8229600" cy="914400"/>
+            <a:off x="313678" y="303213"/>
+            <a:ext cx="8229600" cy="1066800"/>
           </a:xfrm>
         </p:spPr>
         <p:txBody>
@@ -10046,7 +12471,7 @@
             </a:r>
             <a:r>
               <a:rPr lang="tr-TR" sz="4000" dirty="0" err="1"/>
-              <a:t>Script</a:t>
+              <a:t>Usage</a:t>
             </a:r>
             <a:r>
               <a:rPr lang="tr-TR" sz="4000" dirty="0"/>
@@ -10054,11 +12479,7 @@
             </a:r>
             <a:r>
               <a:rPr lang="tr-TR" sz="4000" dirty="0" err="1"/>
-              <a:t>Runner</a:t>
-            </a:r>
-            <a:r>
-              <a:rPr lang="tr-TR" sz="4000" dirty="0"/>
-              <a:t> </a:t>
+              <a:t>Area</a:t>
             </a:r>
             <a:endParaRPr lang="en-US" sz="4000" dirty="0"/>
           </a:p>
@@ -10066,7 +12487,13 @@
       </p:sp>
       <p:sp>
         <p:nvSpPr>
-          <p:cNvPr id="12" name="Content Placeholder 2"/>
+          <p:cNvPr id="3" name="İçerik Yer Tutucusu 2">
+            <a:extLst>
+              <a:ext uri="{FF2B5EF4-FFF2-40B4-BE49-F238E27FC236}">
+                <a16:creationId xmlns:a16="http://schemas.microsoft.com/office/drawing/2014/main" id="{3B9542BF-A521-4F2F-9229-DD250A8ED1D7}"/>
+              </a:ext>
+            </a:extLst>
+          </p:cNvPr>
           <p:cNvSpPr>
             <a:spLocks noGrp="1"/>
           </p:cNvSpPr>
@@ -10076,14 +12503,12 @@
         </p:nvSpPr>
         <p:spPr>
           <a:xfrm>
-            <a:off x="952500" y="1905000"/>
-            <a:ext cx="7239000" cy="2667000"/>
+            <a:off x="685800" y="1905000"/>
+            <a:ext cx="8001000" cy="4221163"/>
           </a:xfrm>
         </p:spPr>
         <p:txBody>
-          <a:bodyPr>
-            <a:normAutofit/>
-          </a:bodyPr>
+          <a:bodyPr/>
           <a:lstStyle/>
           <a:p>
             <a:pPr>
@@ -10094,59 +12519,19 @@
             </a:pPr>
             <a:r>
               <a:rPr lang="tr-TR" dirty="0" err="1"/>
-              <a:t>Selenium</a:t>
-            </a:r>
-            <a:r>
-              <a:rPr lang="tr-TR" dirty="0"/>
-              <a:t> </a:t>
-            </a:r>
-            <a:r>
-              <a:rPr lang="tr-TR" dirty="0" err="1"/>
-              <a:t>Script</a:t>
-            </a:r>
-            <a:r>
-              <a:rPr lang="tr-TR" dirty="0"/>
-              <a:t> </a:t>
-            </a:r>
-            <a:r>
-              <a:rPr lang="tr-TR" dirty="0" err="1"/>
-              <a:t>runner</a:t>
-            </a:r>
-            <a:r>
-              <a:rPr lang="tr-TR" dirty="0"/>
-              <a:t> is </a:t>
-            </a:r>
-            <a:r>
-              <a:rPr lang="tr-TR" dirty="0" err="1"/>
-              <a:t>provide</a:t>
-            </a:r>
-            <a:r>
-              <a:rPr lang="tr-TR" dirty="0"/>
-              <a:t> </a:t>
-            </a:r>
-            <a:r>
-              <a:rPr lang="tr-TR" dirty="0" err="1"/>
-              <a:t>user</a:t>
-            </a:r>
-            <a:r>
-              <a:rPr lang="tr-TR" dirty="0"/>
-              <a:t> </a:t>
-            </a:r>
-            <a:r>
-              <a:rPr lang="tr-TR" dirty="0" err="1"/>
-              <a:t>flexible</a:t>
-            </a:r>
-            <a:r>
-              <a:rPr lang="tr-TR" dirty="0"/>
-              <a:t> </a:t>
-            </a:r>
-            <a:r>
-              <a:rPr lang="tr-TR" dirty="0" err="1"/>
-              <a:t>usage</a:t>
-            </a:r>
-            <a:r>
-              <a:rPr lang="tr-TR" dirty="0"/>
-              <a:t> </a:t>
+              <a:t>We</a:t>
+            </a:r>
+            <a:r>
+              <a:rPr lang="tr-TR" dirty="0"/>
+              <a:t> </a:t>
+            </a:r>
+            <a:r>
+              <a:rPr lang="tr-TR" dirty="0" err="1"/>
+              <a:t>also</a:t>
+            </a:r>
+            <a:r>
+              <a:rPr lang="tr-TR" dirty="0"/>
+              <a:t> test </a:t>
             </a:r>
             <a:r>
               <a:rPr lang="tr-TR" dirty="0" err="1"/>
@@ -10158,51 +12543,19 @@
             </a:r>
             <a:r>
               <a:rPr lang="tr-TR" dirty="0" err="1"/>
-              <a:t>the</a:t>
-            </a:r>
-            <a:r>
-              <a:rPr lang="tr-TR" dirty="0"/>
-              <a:t> </a:t>
-            </a:r>
-            <a:r>
-              <a:rPr lang="tr-TR" dirty="0" err="1"/>
-              <a:t>all</a:t>
-            </a:r>
-            <a:r>
-              <a:rPr lang="tr-TR" dirty="0"/>
-              <a:t> web </a:t>
-            </a:r>
-            <a:r>
-              <a:rPr lang="tr-TR" dirty="0" err="1"/>
-              <a:t>sites</a:t>
-            </a:r>
-            <a:r>
-              <a:rPr lang="tr-TR" dirty="0"/>
-              <a:t> </a:t>
-            </a:r>
-            <a:r>
-              <a:rPr lang="tr-TR" dirty="0" err="1"/>
-              <a:t>testing</a:t>
-            </a:r>
-            <a:r>
-              <a:rPr lang="tr-TR" dirty="0"/>
-              <a:t> </a:t>
-            </a:r>
-            <a:r>
-              <a:rPr lang="tr-TR" dirty="0" err="1"/>
-              <a:t>and</a:t>
-            </a:r>
-            <a:r>
-              <a:rPr lang="tr-TR" dirty="0"/>
-              <a:t> </a:t>
-            </a:r>
-            <a:r>
-              <a:rPr lang="tr-TR" dirty="0" err="1"/>
-              <a:t>managing</a:t>
-            </a:r>
-            <a:r>
-              <a:rPr lang="tr-TR" dirty="0"/>
-              <a:t>.</a:t>
+              <a:t>each</a:t>
+            </a:r>
+            <a:r>
+              <a:rPr lang="tr-TR" dirty="0"/>
+              <a:t> WAP </a:t>
+            </a:r>
+            <a:r>
+              <a:rPr lang="tr-TR" dirty="0" err="1"/>
+              <a:t>these</a:t>
+            </a:r>
+            <a:r>
+              <a:rPr lang="tr-TR" dirty="0"/>
+              <a:t> web UI</a:t>
             </a:r>
           </a:p>
           <a:p>
@@ -10223,6 +12576,566 @@
             </a:pPr>
             <a:r>
               <a:rPr lang="tr-TR" dirty="0" err="1"/>
+              <a:t>Our</a:t>
+            </a:r>
+            <a:r>
+              <a:rPr lang="tr-TR" dirty="0"/>
+              <a:t> </a:t>
+            </a:r>
+            <a:r>
+              <a:rPr lang="tr-TR" dirty="0" err="1"/>
+              <a:t>each</a:t>
+            </a:r>
+            <a:r>
+              <a:rPr lang="tr-TR" dirty="0"/>
+              <a:t> WAP </a:t>
+            </a:r>
+            <a:r>
+              <a:rPr lang="tr-TR" dirty="0" err="1"/>
+              <a:t>connected</a:t>
+            </a:r>
+            <a:r>
+              <a:rPr lang="tr-TR" dirty="0"/>
+              <a:t> </a:t>
+            </a:r>
+            <a:r>
+              <a:rPr lang="tr-TR" dirty="0" err="1"/>
+              <a:t>to</a:t>
+            </a:r>
+            <a:r>
+              <a:rPr lang="tr-TR" dirty="0"/>
+              <a:t> a </a:t>
+            </a:r>
+            <a:r>
+              <a:rPr lang="tr-TR" dirty="0" err="1"/>
+              <a:t>virtual</a:t>
+            </a:r>
+            <a:r>
+              <a:rPr lang="tr-TR" dirty="0"/>
+              <a:t> PC </a:t>
+            </a:r>
+            <a:r>
+              <a:rPr lang="tr-TR" dirty="0" err="1"/>
+              <a:t>and</a:t>
+            </a:r>
+            <a:r>
+              <a:rPr lang="tr-TR" dirty="0"/>
+              <a:t> </a:t>
+            </a:r>
+            <a:r>
+              <a:rPr lang="tr-TR" dirty="0" err="1"/>
+              <a:t>we</a:t>
+            </a:r>
+            <a:r>
+              <a:rPr lang="tr-TR" dirty="0"/>
+              <a:t> </a:t>
+            </a:r>
+            <a:r>
+              <a:rPr lang="tr-TR" dirty="0" err="1"/>
+              <a:t>run</a:t>
+            </a:r>
+            <a:r>
+              <a:rPr lang="tr-TR" dirty="0"/>
+              <a:t> </a:t>
+            </a:r>
+            <a:r>
+              <a:rPr lang="tr-TR" dirty="0" err="1"/>
+              <a:t>the</a:t>
+            </a:r>
+            <a:r>
+              <a:rPr lang="tr-TR" dirty="0"/>
+              <a:t> </a:t>
+            </a:r>
+            <a:r>
+              <a:rPr lang="tr-TR" dirty="0" err="1"/>
+              <a:t>selenium</a:t>
+            </a:r>
+            <a:r>
+              <a:rPr lang="tr-TR" dirty="0"/>
+              <a:t> </a:t>
+            </a:r>
+            <a:r>
+              <a:rPr lang="tr-TR" dirty="0" err="1"/>
+              <a:t>these</a:t>
+            </a:r>
+            <a:r>
+              <a:rPr lang="tr-TR" dirty="0"/>
+              <a:t> PC.</a:t>
+            </a:r>
+          </a:p>
+          <a:p>
+            <a:pPr>
+              <a:spcBef>
+                <a:spcPts val="0"/>
+              </a:spcBef>
+              <a:defRPr/>
+            </a:pPr>
+            <a:endParaRPr lang="tr-TR" dirty="0"/>
+          </a:p>
+          <a:p>
+            <a:pPr>
+              <a:spcBef>
+                <a:spcPts val="0"/>
+              </a:spcBef>
+              <a:defRPr/>
+            </a:pPr>
+            <a:r>
+              <a:rPr lang="tr-TR" dirty="0" err="1"/>
+              <a:t>We</a:t>
+            </a:r>
+            <a:r>
+              <a:rPr lang="tr-TR" dirty="0"/>
+              <a:t> </a:t>
+            </a:r>
+            <a:r>
+              <a:rPr lang="tr-TR" dirty="0" err="1"/>
+              <a:t>have</a:t>
+            </a:r>
+            <a:r>
+              <a:rPr lang="tr-TR" dirty="0"/>
+              <a:t> 4 test </a:t>
+            </a:r>
+            <a:r>
+              <a:rPr lang="tr-TR" dirty="0" err="1"/>
+              <a:t>house</a:t>
+            </a:r>
+            <a:r>
+              <a:rPr lang="tr-TR" dirty="0"/>
+              <a:t> </a:t>
+            </a:r>
+            <a:r>
+              <a:rPr lang="tr-TR" dirty="0" err="1"/>
+              <a:t>and</a:t>
+            </a:r>
+            <a:r>
+              <a:rPr lang="tr-TR" dirty="0"/>
+              <a:t> </a:t>
+            </a:r>
+            <a:r>
+              <a:rPr lang="tr-TR" dirty="0" err="1"/>
+              <a:t>each</a:t>
+            </a:r>
+            <a:r>
+              <a:rPr lang="tr-TR" dirty="0"/>
+              <a:t> test </a:t>
+            </a:r>
+            <a:r>
+              <a:rPr lang="tr-TR" dirty="0" err="1"/>
+              <a:t>house</a:t>
+            </a:r>
+            <a:r>
+              <a:rPr lang="tr-TR" dirty="0"/>
+              <a:t> has </a:t>
+            </a:r>
+            <a:r>
+              <a:rPr lang="tr-TR" dirty="0" err="1"/>
+              <a:t>more</a:t>
+            </a:r>
+            <a:r>
+              <a:rPr lang="tr-TR" dirty="0"/>
+              <a:t> </a:t>
+            </a:r>
+            <a:r>
+              <a:rPr lang="tr-TR" dirty="0" err="1"/>
+              <a:t>than</a:t>
+            </a:r>
+            <a:r>
+              <a:rPr lang="tr-TR" dirty="0"/>
+              <a:t> 20 WAP test </a:t>
+            </a:r>
+            <a:r>
+              <a:rPr lang="tr-TR" dirty="0" err="1"/>
+              <a:t>setup</a:t>
+            </a:r>
+            <a:r>
+              <a:rPr lang="tr-TR" dirty="0"/>
+              <a:t>. </a:t>
+            </a:r>
+          </a:p>
+          <a:p>
+            <a:pPr>
+              <a:spcBef>
+                <a:spcPts val="0"/>
+              </a:spcBef>
+              <a:defRPr/>
+            </a:pPr>
+            <a:endParaRPr lang="tr-TR" dirty="0"/>
+          </a:p>
+          <a:p>
+            <a:pPr>
+              <a:spcBef>
+                <a:spcPts val="0"/>
+              </a:spcBef>
+              <a:defRPr/>
+            </a:pPr>
+            <a:r>
+              <a:rPr lang="tr-TR" dirty="0" err="1"/>
+              <a:t>So</a:t>
+            </a:r>
+            <a:r>
+              <a:rPr lang="tr-TR" dirty="0"/>
+              <a:t> </a:t>
+            </a:r>
+            <a:r>
+              <a:rPr lang="tr-TR" dirty="0" err="1"/>
+              <a:t>we</a:t>
+            </a:r>
+            <a:r>
+              <a:rPr lang="tr-TR" dirty="0"/>
+              <a:t> </a:t>
+            </a:r>
+            <a:r>
+              <a:rPr lang="tr-TR" dirty="0" err="1"/>
+              <a:t>need</a:t>
+            </a:r>
+            <a:r>
+              <a:rPr lang="tr-TR" dirty="0"/>
+              <a:t> </a:t>
+            </a:r>
+            <a:r>
+              <a:rPr lang="tr-TR" dirty="0" err="1"/>
+              <a:t>dynamic</a:t>
+            </a:r>
+            <a:r>
+              <a:rPr lang="tr-TR" dirty="0"/>
+              <a:t> </a:t>
+            </a:r>
+            <a:r>
+              <a:rPr lang="tr-TR" dirty="0" err="1"/>
+              <a:t>system</a:t>
+            </a:r>
+            <a:r>
+              <a:rPr lang="tr-TR" dirty="0"/>
+              <a:t> </a:t>
+            </a:r>
+            <a:r>
+              <a:rPr lang="tr-TR" dirty="0" err="1"/>
+              <a:t>for</a:t>
+            </a:r>
+            <a:r>
+              <a:rPr lang="tr-TR" dirty="0"/>
+              <a:t> </a:t>
+            </a:r>
+            <a:r>
+              <a:rPr lang="tr-TR" dirty="0" err="1"/>
+              <a:t>running</a:t>
+            </a:r>
+            <a:r>
+              <a:rPr lang="tr-TR" dirty="0"/>
+              <a:t> test </a:t>
+            </a:r>
+            <a:r>
+              <a:rPr lang="tr-TR" dirty="0" err="1"/>
+              <a:t>all</a:t>
+            </a:r>
+            <a:r>
+              <a:rPr lang="tr-TR" dirty="0"/>
+              <a:t> PC </a:t>
+            </a:r>
+            <a:r>
+              <a:rPr lang="tr-TR" dirty="0" err="1"/>
+              <a:t>same</a:t>
+            </a:r>
+            <a:r>
+              <a:rPr lang="tr-TR" dirty="0"/>
+              <a:t> time </a:t>
+            </a:r>
+            <a:r>
+              <a:rPr lang="tr-TR" dirty="0" err="1"/>
+              <a:t>with</a:t>
+            </a:r>
+            <a:r>
+              <a:rPr lang="tr-TR" dirty="0"/>
+              <a:t> </a:t>
+            </a:r>
+            <a:r>
+              <a:rPr lang="tr-TR" dirty="0" err="1"/>
+              <a:t>different</a:t>
+            </a:r>
+            <a:r>
+              <a:rPr lang="tr-TR" dirty="0"/>
+              <a:t> </a:t>
+            </a:r>
+            <a:r>
+              <a:rPr lang="tr-TR" dirty="0" err="1"/>
+              <a:t>inputs</a:t>
+            </a:r>
+            <a:r>
+              <a:rPr lang="tr-TR" dirty="0"/>
+              <a:t>.</a:t>
+            </a:r>
+          </a:p>
+          <a:p>
+            <a:endParaRPr lang="en-US" dirty="0"/>
+          </a:p>
+        </p:txBody>
+      </p:sp>
+      <p:sp>
+        <p:nvSpPr>
+          <p:cNvPr id="4" name="Slayt Numarası Yer Tutucusu 3">
+            <a:extLst>
+              <a:ext uri="{FF2B5EF4-FFF2-40B4-BE49-F238E27FC236}">
+                <a16:creationId xmlns:a16="http://schemas.microsoft.com/office/drawing/2014/main" id="{0E3D2E47-09CC-44A9-B16C-FFC1A9084D07}"/>
+              </a:ext>
+            </a:extLst>
+          </p:cNvPr>
+          <p:cNvSpPr>
+            <a:spLocks noGrp="1"/>
+          </p:cNvSpPr>
+          <p:nvPr>
+            <p:ph type="sldNum" sz="quarter" idx="12"/>
+          </p:nvPr>
+        </p:nvSpPr>
+        <p:spPr/>
+        <p:txBody>
+          <a:bodyPr/>
+          <a:lstStyle/>
+          <a:p>
+            <a:fld id="{D3A8E80F-08AD-4AA5-83D2-78A6B2333CC0}" type="slidenum">
+              <a:rPr lang="en-US" smtClean="0"/>
+              <a:t>5</a:t>
+            </a:fld>
+            <a:endParaRPr lang="en-US"/>
+          </a:p>
+        </p:txBody>
+      </p:sp>
+    </p:spTree>
+    <p:extLst>
+      <p:ext uri="{BB962C8B-B14F-4D97-AF65-F5344CB8AC3E}">
+        <p14:creationId xmlns:p14="http://schemas.microsoft.com/office/powerpoint/2010/main" val="2889299845"/>
+      </p:ext>
+    </p:extLst>
+  </p:cSld>
+  <p:clrMapOvr>
+    <a:masterClrMapping/>
+  </p:clrMapOvr>
+</p:sld>
+</file>
+
+<file path=ppt/slides/slide6.xml><?xml version="1.0" encoding="utf-8"?>
+<p:sld xmlns:a="http://schemas.openxmlformats.org/drawingml/2006/main" xmlns:r="http://schemas.openxmlformats.org/officeDocument/2006/relationships" xmlns:p="http://schemas.openxmlformats.org/presentationml/2006/main">
+  <p:cSld>
+    <p:spTree>
+      <p:nvGrpSpPr>
+        <p:cNvPr id="1" name=""/>
+        <p:cNvGrpSpPr/>
+        <p:nvPr/>
+      </p:nvGrpSpPr>
+      <p:grpSpPr>
+        <a:xfrm>
+          <a:off x="0" y="0"/>
+          <a:ext cx="0" cy="0"/>
+          <a:chOff x="0" y="0"/>
+          <a:chExt cx="0" cy="0"/>
+        </a:xfrm>
+      </p:grpSpPr>
+      <p:sp>
+        <p:nvSpPr>
+          <p:cNvPr id="2" name="Title 1"/>
+          <p:cNvSpPr>
+            <a:spLocks noGrp="1"/>
+          </p:cNvSpPr>
+          <p:nvPr>
+            <p:ph type="title"/>
+          </p:nvPr>
+        </p:nvSpPr>
+        <p:spPr>
+          <a:xfrm>
+            <a:off x="457200" y="381000"/>
+            <a:ext cx="8229600" cy="914400"/>
+          </a:xfrm>
+        </p:spPr>
+        <p:txBody>
+          <a:bodyPr/>
+          <a:lstStyle/>
+          <a:p>
+            <a:r>
+              <a:rPr lang="tr-TR" sz="4000" dirty="0" err="1"/>
+              <a:t>Selenium</a:t>
+            </a:r>
+            <a:r>
+              <a:rPr lang="tr-TR" sz="4000" dirty="0"/>
+              <a:t> </a:t>
+            </a:r>
+            <a:r>
+              <a:rPr lang="tr-TR" sz="4000" dirty="0" err="1"/>
+              <a:t>Script</a:t>
+            </a:r>
+            <a:r>
+              <a:rPr lang="tr-TR" sz="4000" dirty="0"/>
+              <a:t> </a:t>
+            </a:r>
+            <a:r>
+              <a:rPr lang="tr-TR" sz="4000" dirty="0" err="1"/>
+              <a:t>Runner</a:t>
+            </a:r>
+            <a:r>
+              <a:rPr lang="tr-TR" sz="4000" dirty="0"/>
+              <a:t> </a:t>
+            </a:r>
+            <a:endParaRPr lang="en-US" sz="4000" dirty="0"/>
+          </a:p>
+        </p:txBody>
+      </p:sp>
+      <p:sp>
+        <p:nvSpPr>
+          <p:cNvPr id="12" name="Content Placeholder 2"/>
+          <p:cNvSpPr>
+            <a:spLocks noGrp="1"/>
+          </p:cNvSpPr>
+          <p:nvPr>
+            <p:ph idx="1"/>
+          </p:nvPr>
+        </p:nvSpPr>
+        <p:spPr>
+          <a:xfrm>
+            <a:off x="952500" y="1905000"/>
+            <a:ext cx="7239000" cy="2667000"/>
+          </a:xfrm>
+        </p:spPr>
+        <p:txBody>
+          <a:bodyPr>
+            <a:normAutofit fontScale="92500"/>
+          </a:bodyPr>
+          <a:lstStyle/>
+          <a:p>
+            <a:pPr>
+              <a:spcBef>
+                <a:spcPts val="0"/>
+              </a:spcBef>
+              <a:defRPr/>
+            </a:pPr>
+            <a:r>
+              <a:rPr lang="tr-TR" dirty="0" err="1"/>
+              <a:t>Selenium</a:t>
+            </a:r>
+            <a:r>
+              <a:rPr lang="tr-TR" dirty="0"/>
+              <a:t> </a:t>
+            </a:r>
+            <a:r>
+              <a:rPr lang="tr-TR" dirty="0" err="1"/>
+              <a:t>Script</a:t>
+            </a:r>
+            <a:r>
+              <a:rPr lang="tr-TR" dirty="0"/>
+              <a:t> </a:t>
+            </a:r>
+            <a:r>
+              <a:rPr lang="tr-TR" dirty="0" err="1"/>
+              <a:t>runner</a:t>
+            </a:r>
+            <a:r>
+              <a:rPr lang="tr-TR" dirty="0"/>
+              <a:t> is </a:t>
+            </a:r>
+            <a:r>
+              <a:rPr lang="tr-TR" dirty="0" err="1"/>
+              <a:t>provide</a:t>
+            </a:r>
+            <a:r>
+              <a:rPr lang="tr-TR" dirty="0"/>
+              <a:t> </a:t>
+            </a:r>
+            <a:r>
+              <a:rPr lang="tr-TR" dirty="0" err="1"/>
+              <a:t>user</a:t>
+            </a:r>
+            <a:r>
+              <a:rPr lang="tr-TR" dirty="0"/>
+              <a:t> </a:t>
+            </a:r>
+            <a:r>
+              <a:rPr lang="tr-TR" dirty="0" err="1"/>
+              <a:t>flexible</a:t>
+            </a:r>
+            <a:r>
+              <a:rPr lang="tr-TR" dirty="0"/>
+              <a:t> </a:t>
+            </a:r>
+            <a:r>
+              <a:rPr lang="tr-TR" dirty="0" err="1"/>
+              <a:t>usage</a:t>
+            </a:r>
+            <a:r>
+              <a:rPr lang="tr-TR" dirty="0"/>
+              <a:t> </a:t>
+            </a:r>
+            <a:r>
+              <a:rPr lang="tr-TR" dirty="0" err="1"/>
+              <a:t>for</a:t>
+            </a:r>
+            <a:r>
+              <a:rPr lang="tr-TR" dirty="0"/>
+              <a:t> </a:t>
+            </a:r>
+            <a:r>
+              <a:rPr lang="tr-TR" dirty="0" err="1"/>
+              <a:t>the</a:t>
+            </a:r>
+            <a:r>
+              <a:rPr lang="tr-TR" dirty="0"/>
+              <a:t> </a:t>
+            </a:r>
+            <a:r>
+              <a:rPr lang="tr-TR" dirty="0" err="1"/>
+              <a:t>all</a:t>
+            </a:r>
+            <a:r>
+              <a:rPr lang="tr-TR" dirty="0"/>
+              <a:t> web </a:t>
+            </a:r>
+            <a:r>
+              <a:rPr lang="tr-TR" dirty="0" err="1"/>
+              <a:t>sites</a:t>
+            </a:r>
+            <a:r>
+              <a:rPr lang="tr-TR" dirty="0"/>
+              <a:t> </a:t>
+            </a:r>
+            <a:r>
+              <a:rPr lang="tr-TR" dirty="0" err="1"/>
+              <a:t>testing</a:t>
+            </a:r>
+            <a:r>
+              <a:rPr lang="tr-TR" dirty="0"/>
+              <a:t> </a:t>
+            </a:r>
+            <a:r>
+              <a:rPr lang="tr-TR" dirty="0" err="1"/>
+              <a:t>and</a:t>
+            </a:r>
+            <a:r>
+              <a:rPr lang="tr-TR" dirty="0"/>
+              <a:t> </a:t>
+            </a:r>
+            <a:r>
+              <a:rPr lang="tr-TR" dirty="0" err="1"/>
+              <a:t>managing</a:t>
+            </a:r>
+            <a:r>
+              <a:rPr lang="tr-TR" dirty="0"/>
+              <a:t>.</a:t>
+            </a:r>
+          </a:p>
+          <a:p>
+            <a:pPr>
+              <a:spcBef>
+                <a:spcPts val="0"/>
+              </a:spcBef>
+              <a:defRPr/>
+            </a:pPr>
+            <a:endParaRPr lang="tr-TR" dirty="0"/>
+          </a:p>
+          <a:p>
+            <a:pPr>
+              <a:spcBef>
+                <a:spcPts val="0"/>
+              </a:spcBef>
+              <a:defRPr/>
+            </a:pPr>
+            <a:r>
+              <a:rPr lang="tr-TR" dirty="0" err="1"/>
               <a:t>It</a:t>
             </a:r>
             <a:r>
@@ -10292,6 +13205,103 @@
             <a:r>
               <a:rPr lang="tr-TR" dirty="0"/>
               <a:t>.</a:t>
+            </a:r>
+          </a:p>
+          <a:p>
+            <a:pPr>
+              <a:spcBef>
+                <a:spcPts val="0"/>
+              </a:spcBef>
+              <a:defRPr/>
+            </a:pPr>
+            <a:endParaRPr lang="tr-TR" dirty="0"/>
+          </a:p>
+          <a:p>
+            <a:pPr>
+              <a:spcBef>
+                <a:spcPts val="0"/>
+              </a:spcBef>
+              <a:defRPr/>
+            </a:pPr>
+            <a:r>
+              <a:rPr lang="tr-TR" dirty="0" err="1"/>
+              <a:t>We</a:t>
+            </a:r>
+            <a:r>
+              <a:rPr lang="tr-TR" dirty="0"/>
+              <a:t> </a:t>
+            </a:r>
+            <a:r>
+              <a:rPr lang="tr-TR" dirty="0" err="1"/>
+              <a:t>have</a:t>
+            </a:r>
+            <a:r>
+              <a:rPr lang="tr-TR" dirty="0"/>
+              <a:t> </a:t>
+            </a:r>
+            <a:r>
+              <a:rPr lang="tr-TR" dirty="0" err="1"/>
+              <a:t>script</a:t>
+            </a:r>
+            <a:r>
+              <a:rPr lang="tr-TR" dirty="0"/>
+              <a:t> </a:t>
+            </a:r>
+            <a:r>
+              <a:rPr lang="tr-TR" dirty="0" err="1"/>
+              <a:t>for</a:t>
+            </a:r>
+            <a:r>
+              <a:rPr lang="tr-TR" dirty="0"/>
+              <a:t> </a:t>
+            </a:r>
+            <a:r>
+              <a:rPr lang="tr-TR" dirty="0" err="1"/>
+              <a:t>copy</a:t>
+            </a:r>
+            <a:r>
+              <a:rPr lang="tr-TR" dirty="0"/>
+              <a:t> </a:t>
+            </a:r>
+            <a:r>
+              <a:rPr lang="tr-TR" dirty="0" err="1"/>
+              <a:t>the</a:t>
+            </a:r>
+            <a:r>
+              <a:rPr lang="tr-TR" dirty="0"/>
+              <a:t> </a:t>
+            </a:r>
+            <a:r>
+              <a:rPr lang="tr-TR" dirty="0" err="1"/>
+              <a:t>jar</a:t>
+            </a:r>
+            <a:r>
+              <a:rPr lang="tr-TR" dirty="0"/>
+              <a:t> </a:t>
+            </a:r>
+            <a:r>
+              <a:rPr lang="tr-TR" dirty="0" err="1"/>
+              <a:t>files</a:t>
+            </a:r>
+            <a:r>
+              <a:rPr lang="tr-TR" dirty="0"/>
+              <a:t> </a:t>
+            </a:r>
+            <a:r>
+              <a:rPr lang="tr-TR" dirty="0" err="1"/>
+              <a:t>all</a:t>
+            </a:r>
+            <a:r>
+              <a:rPr lang="tr-TR" dirty="0"/>
+              <a:t> </a:t>
+            </a:r>
+            <a:r>
+              <a:rPr lang="tr-TR" dirty="0" err="1"/>
+              <a:t>the</a:t>
+            </a:r>
+            <a:r>
+              <a:rPr lang="tr-TR" dirty="0"/>
+              <a:t> PC.</a:t>
             </a:r>
           </a:p>
           <a:p>
@@ -10376,7 +13386,7 @@
                 <a:tabLst/>
                 <a:defRPr/>
               </a:pPr>
-              <a:t>5</a:t>
+              <a:t>6</a:t>
             </a:fld>
             <a:endParaRPr kumimoji="0" lang="en-US" sz="1200" b="0" i="0" u="none" strike="noStrike" kern="1200" cap="none" spc="0" normalizeH="0" baseline="0" noProof="0">
               <a:ln>
@@ -10420,7 +13430,7 @@
         </p:blipFill>
         <p:spPr>
           <a:xfrm>
-            <a:off x="990601" y="4583784"/>
+            <a:off x="1003956" y="5040406"/>
             <a:ext cx="7200899" cy="282388"/>
           </a:xfrm>
           <a:prstGeom prst="rect">
@@ -10441,7 +13451,7 @@
 </p:sld>
 </file>
 
-<file path=ppt/slides/slide6.xml><?xml version="1.0" encoding="utf-8"?>
+<file path=ppt/slides/slide7.xml><?xml version="1.0" encoding="utf-8"?>
 <p:sld xmlns:a="http://schemas.openxmlformats.org/drawingml/2006/main" xmlns:r="http://schemas.openxmlformats.org/officeDocument/2006/relationships" xmlns:p="http://schemas.openxmlformats.org/presentationml/2006/main">
   <p:cSld>
     <p:spTree>
@@ -10793,7 +13803,7 @@
                 <a:tabLst/>
                 <a:defRPr/>
               </a:pPr>
-              <a:t>6</a:t>
+              <a:t>7</a:t>
             </a:fld>
             <a:endParaRPr kumimoji="0" lang="en-US" sz="1200" b="0" i="0" u="none" strike="noStrike" kern="1200" cap="none" spc="0" normalizeH="0" baseline="0" noProof="0">
               <a:ln>
@@ -10946,7 +13956,7 @@
 </p:sld>
 </file>
 
-<file path=ppt/slides/slide7.xml><?xml version="1.0" encoding="utf-8"?>
+<file path=ppt/slides/slide8.xml><?xml version="1.0" encoding="utf-8"?>
 <p:sld xmlns:a="http://schemas.openxmlformats.org/drawingml/2006/main" xmlns:r="http://schemas.openxmlformats.org/officeDocument/2006/relationships" xmlns:p="http://schemas.openxmlformats.org/presentationml/2006/main">
   <p:cSld>
     <p:spTree>
@@ -11284,7 +14294,7 @@
                 <a:tabLst/>
                 <a:defRPr/>
               </a:pPr>
-              <a:t>7</a:t>
+              <a:t>8</a:t>
             </a:fld>
             <a:endParaRPr kumimoji="0" lang="en-US" sz="1200" b="0" i="0" u="none" strike="noStrike" kern="1200" cap="none" spc="0" normalizeH="0" baseline="0" noProof="0">
               <a:ln>
@@ -11423,7 +14433,7 @@
 </p:sld>
 </file>
 
-<file path=ppt/slides/slide8.xml><?xml version="1.0" encoding="utf-8"?>
+<file path=ppt/slides/slide9.xml><?xml version="1.0" encoding="utf-8"?>
 <p:sld xmlns:a="http://schemas.openxmlformats.org/drawingml/2006/main" xmlns:r="http://schemas.openxmlformats.org/officeDocument/2006/relationships" xmlns:p="http://schemas.openxmlformats.org/presentationml/2006/main">
   <p:cSld>
     <p:spTree>
@@ -11781,7 +14791,7 @@
                 <a:tabLst/>
                 <a:defRPr/>
               </a:pPr>
-              <a:t>8</a:t>
+              <a:t>9</a:t>
             </a:fld>
             <a:endParaRPr kumimoji="0" lang="en-US" sz="1200" b="0" i="0" u="none" strike="noStrike" kern="1200" cap="none" spc="0" normalizeH="0" baseline="0" noProof="0">
               <a:ln>
@@ -12071,518 +15081,6 @@
     <p:extLst>
       <p:ext uri="{BB962C8B-B14F-4D97-AF65-F5344CB8AC3E}">
         <p14:creationId xmlns:p14="http://schemas.microsoft.com/office/powerpoint/2010/main" val="3289904659"/>
-      </p:ext>
-    </p:extLst>
-  </p:cSld>
-  <p:clrMapOvr>
-    <a:masterClrMapping/>
-  </p:clrMapOvr>
-</p:sld>
-</file>
-
-<file path=ppt/slides/slide9.xml><?xml version="1.0" encoding="utf-8"?>
-<p:sld xmlns:a="http://schemas.openxmlformats.org/drawingml/2006/main" xmlns:r="http://schemas.openxmlformats.org/officeDocument/2006/relationships" xmlns:p="http://schemas.openxmlformats.org/presentationml/2006/main">
-  <p:cSld>
-    <p:spTree>
-      <p:nvGrpSpPr>
-        <p:cNvPr id="1" name=""/>
-        <p:cNvGrpSpPr/>
-        <p:nvPr/>
-      </p:nvGrpSpPr>
-      <p:grpSpPr>
-        <a:xfrm>
-          <a:off x="0" y="0"/>
-          <a:ext cx="0" cy="0"/>
-          <a:chOff x="0" y="0"/>
-          <a:chExt cx="0" cy="0"/>
-        </a:xfrm>
-      </p:grpSpPr>
-      <p:pic>
-        <p:nvPicPr>
-          <p:cNvPr id="3" name="Resim 2">
-            <a:extLst>
-              <a:ext uri="{FF2B5EF4-FFF2-40B4-BE49-F238E27FC236}">
-                <a16:creationId xmlns:a16="http://schemas.microsoft.com/office/drawing/2014/main" id="{A06B6C7E-8A44-4274-9595-F1D06749EB49}"/>
-              </a:ext>
-            </a:extLst>
-          </p:cNvPr>
-          <p:cNvPicPr>
-            <a:picLocks noChangeAspect="1"/>
-          </p:cNvPicPr>
-          <p:nvPr/>
-        </p:nvPicPr>
-        <p:blipFill>
-          <a:blip r:embed="rId3"/>
-          <a:stretch>
-            <a:fillRect/>
-          </a:stretch>
-        </p:blipFill>
-        <p:spPr>
-          <a:xfrm>
-            <a:off x="5469490" y="1981200"/>
-            <a:ext cx="3384627" cy="2633769"/>
-          </a:xfrm>
-          <a:prstGeom prst="rect">
-            <a:avLst/>
-          </a:prstGeom>
-        </p:spPr>
-      </p:pic>
-      <p:sp>
-        <p:nvSpPr>
-          <p:cNvPr id="2" name="Title 1"/>
-          <p:cNvSpPr>
-            <a:spLocks noGrp="1"/>
-          </p:cNvSpPr>
-          <p:nvPr>
-            <p:ph type="title"/>
-          </p:nvPr>
-        </p:nvSpPr>
-        <p:spPr>
-          <a:xfrm>
-            <a:off x="457200" y="381000"/>
-            <a:ext cx="8229600" cy="914400"/>
-          </a:xfrm>
-        </p:spPr>
-        <p:txBody>
-          <a:bodyPr/>
-          <a:lstStyle/>
-          <a:p>
-            <a:r>
-              <a:rPr lang="tr-TR" sz="4000" dirty="0"/>
-              <a:t>Test Step </a:t>
-            </a:r>
-            <a:r>
-              <a:rPr lang="tr-TR" sz="4000" dirty="0" err="1"/>
-              <a:t>List</a:t>
-            </a:r>
-            <a:r>
-              <a:rPr lang="tr-TR" sz="4000" dirty="0"/>
-              <a:t> File</a:t>
-            </a:r>
-            <a:endParaRPr lang="en-US" sz="4000" dirty="0"/>
-          </a:p>
-        </p:txBody>
-      </p:sp>
-      <p:sp>
-        <p:nvSpPr>
-          <p:cNvPr id="14" name="Slide Number Placeholder 13"/>
-          <p:cNvSpPr>
-            <a:spLocks noGrp="1"/>
-          </p:cNvSpPr>
-          <p:nvPr>
-            <p:ph type="sldNum" sz="quarter" idx="12"/>
-          </p:nvPr>
-        </p:nvSpPr>
-        <p:spPr/>
-        <p:txBody>
-          <a:bodyPr/>
-          <a:lstStyle/>
-          <a:p>
-            <a:pPr marL="0" marR="0" lvl="0" indent="0" algn="l" defTabSz="914400" rtl="0" eaLnBrk="1" fontAlgn="auto" latinLnBrk="0" hangingPunct="1">
-              <a:lnSpc>
-                <a:spcPct val="100000"/>
-              </a:lnSpc>
-              <a:spcBef>
-                <a:spcPts val="0"/>
-              </a:spcBef>
-              <a:spcAft>
-                <a:spcPts val="0"/>
-              </a:spcAft>
-              <a:buClrTx/>
-              <a:buSzTx/>
-              <a:buFontTx/>
-              <a:buNone/>
-              <a:tabLst/>
-              <a:defRPr/>
-            </a:pPr>
-            <a:fld id="{D3A8E80F-08AD-4AA5-83D2-78A6B2333CC0}" type="slidenum">
-              <a:rPr kumimoji="0" lang="en-US" sz="1200" b="0" i="0" u="none" strike="noStrike" kern="1200" cap="none" spc="0" normalizeH="0" baseline="0" noProof="0" smtClean="0">
-                <a:ln>
-                  <a:noFill/>
-                </a:ln>
-                <a:solidFill>
-                  <a:prstClr val="black">
-                    <a:lumMod val="65000"/>
-                    <a:lumOff val="35000"/>
-                  </a:prstClr>
-                </a:solidFill>
-                <a:effectLst/>
-                <a:uLnTx/>
-                <a:uFillTx/>
-                <a:latin typeface="Century Gothic" pitchFamily="34" charset="0"/>
-                <a:ea typeface="+mn-ea"/>
-                <a:cs typeface="+mn-cs"/>
-              </a:rPr>
-              <a:pPr marL="0" marR="0" lvl="0" indent="0" algn="l" defTabSz="914400" rtl="0" eaLnBrk="1" fontAlgn="auto" latinLnBrk="0" hangingPunct="1">
-                <a:lnSpc>
-                  <a:spcPct val="100000"/>
-                </a:lnSpc>
-                <a:spcBef>
-                  <a:spcPts val="0"/>
-                </a:spcBef>
-                <a:spcAft>
-                  <a:spcPts val="0"/>
-                </a:spcAft>
-                <a:buClrTx/>
-                <a:buSzTx/>
-                <a:buFontTx/>
-                <a:buNone/>
-                <a:tabLst/>
-                <a:defRPr/>
-              </a:pPr>
-              <a:t>9</a:t>
-            </a:fld>
-            <a:endParaRPr kumimoji="0" lang="en-US" sz="1200" b="0" i="0" u="none" strike="noStrike" kern="1200" cap="none" spc="0" normalizeH="0" baseline="0" noProof="0">
-              <a:ln>
-                <a:noFill/>
-              </a:ln>
-              <a:solidFill>
-                <a:prstClr val="black">
-                  <a:lumMod val="65000"/>
-                  <a:lumOff val="35000"/>
-                </a:prstClr>
-              </a:solidFill>
-              <a:effectLst/>
-              <a:uLnTx/>
-              <a:uFillTx/>
-              <a:latin typeface="Century Gothic" pitchFamily="34" charset="0"/>
-              <a:ea typeface="+mn-ea"/>
-              <a:cs typeface="+mn-cs"/>
-            </a:endParaRPr>
-          </a:p>
-        </p:txBody>
-      </p:sp>
-      <p:cxnSp>
-        <p:nvCxnSpPr>
-          <p:cNvPr id="15" name="Düz Ok Bağlayıcısı 14">
-            <a:extLst>
-              <a:ext uri="{FF2B5EF4-FFF2-40B4-BE49-F238E27FC236}">
-                <a16:creationId xmlns:a16="http://schemas.microsoft.com/office/drawing/2014/main" id="{9E112050-01A1-437C-A755-CF996B3C58F8}"/>
-              </a:ext>
-            </a:extLst>
-          </p:cNvPr>
-          <p:cNvCxnSpPr/>
-          <p:nvPr/>
-        </p:nvCxnSpPr>
-        <p:spPr>
-          <a:xfrm>
-            <a:off x="3886200" y="3429000"/>
-            <a:ext cx="0" cy="0"/>
-          </a:xfrm>
-          <a:prstGeom prst="straightConnector1">
-            <a:avLst/>
-          </a:prstGeom>
-          <a:ln>
-            <a:tailEnd type="triangle"/>
-          </a:ln>
-        </p:spPr>
-        <p:style>
-          <a:lnRef idx="1">
-            <a:schemeClr val="accent1"/>
-          </a:lnRef>
-          <a:fillRef idx="0">
-            <a:schemeClr val="accent1"/>
-          </a:fillRef>
-          <a:effectRef idx="0">
-            <a:schemeClr val="accent1"/>
-          </a:effectRef>
-          <a:fontRef idx="minor">
-            <a:schemeClr val="tx1"/>
-          </a:fontRef>
-        </p:style>
-      </p:cxnSp>
-      <p:cxnSp>
-        <p:nvCxnSpPr>
-          <p:cNvPr id="19" name="Düz Ok Bağlayıcısı 18">
-            <a:extLst>
-              <a:ext uri="{FF2B5EF4-FFF2-40B4-BE49-F238E27FC236}">
-                <a16:creationId xmlns:a16="http://schemas.microsoft.com/office/drawing/2014/main" id="{DDDF5E7E-B7F0-403A-AD0D-192C397BBC76}"/>
-              </a:ext>
-            </a:extLst>
-          </p:cNvPr>
-          <p:cNvCxnSpPr/>
-          <p:nvPr/>
-        </p:nvCxnSpPr>
-        <p:spPr>
-          <a:xfrm>
-            <a:off x="2133600" y="3383556"/>
-            <a:ext cx="0" cy="0"/>
-          </a:xfrm>
-          <a:prstGeom prst="straightConnector1">
-            <a:avLst/>
-          </a:prstGeom>
-          <a:ln>
-            <a:tailEnd type="triangle"/>
-          </a:ln>
-        </p:spPr>
-        <p:style>
-          <a:lnRef idx="1">
-            <a:schemeClr val="accent1"/>
-          </a:lnRef>
-          <a:fillRef idx="0">
-            <a:schemeClr val="accent1"/>
-          </a:fillRef>
-          <a:effectRef idx="0">
-            <a:schemeClr val="accent1"/>
-          </a:effectRef>
-          <a:fontRef idx="minor">
-            <a:schemeClr val="tx1"/>
-          </a:fontRef>
-        </p:style>
-      </p:cxnSp>
-      <p:sp>
-        <p:nvSpPr>
-          <p:cNvPr id="7" name="İçerik Yer Tutucusu 6">
-            <a:extLst>
-              <a:ext uri="{FF2B5EF4-FFF2-40B4-BE49-F238E27FC236}">
-                <a16:creationId xmlns:a16="http://schemas.microsoft.com/office/drawing/2014/main" id="{9E0E01C6-2C40-4F79-A50C-D27B144C25F5}"/>
-              </a:ext>
-            </a:extLst>
-          </p:cNvPr>
-          <p:cNvSpPr>
-            <a:spLocks noGrp="1"/>
-          </p:cNvSpPr>
-          <p:nvPr>
-            <p:ph idx="1"/>
-          </p:nvPr>
-        </p:nvSpPr>
-        <p:spPr>
-          <a:xfrm>
-            <a:off x="457200" y="1813462"/>
-            <a:ext cx="4800600" cy="4053938"/>
-          </a:xfrm>
-        </p:spPr>
-        <p:txBody>
-          <a:bodyPr>
-            <a:normAutofit/>
-          </a:bodyPr>
-          <a:lstStyle/>
-          <a:p>
-            <a:r>
-              <a:rPr lang="tr-TR" dirty="0"/>
-              <a:t>Test Step </a:t>
-            </a:r>
-            <a:r>
-              <a:rPr lang="tr-TR" dirty="0" err="1"/>
-              <a:t>List</a:t>
-            </a:r>
-            <a:r>
-              <a:rPr lang="tr-TR" dirty="0"/>
-              <a:t> </a:t>
-            </a:r>
-            <a:r>
-              <a:rPr lang="tr-TR" dirty="0" err="1"/>
-              <a:t>operations</a:t>
-            </a:r>
-            <a:r>
-              <a:rPr lang="tr-TR" dirty="0"/>
-              <a:t> </a:t>
-            </a:r>
-            <a:r>
-              <a:rPr lang="tr-TR" dirty="0" err="1"/>
-              <a:t>are</a:t>
-            </a:r>
-            <a:r>
-              <a:rPr lang="tr-TR" dirty="0"/>
-              <a:t> </a:t>
-            </a:r>
-            <a:r>
-              <a:rPr lang="tr-TR" dirty="0" err="1"/>
-              <a:t>given</a:t>
-            </a:r>
-            <a:r>
-              <a:rPr lang="tr-TR" dirty="0"/>
-              <a:t> as </a:t>
-            </a:r>
-            <a:r>
-              <a:rPr lang="tr-TR" dirty="0" err="1"/>
-              <a:t>input</a:t>
-            </a:r>
-            <a:r>
-              <a:rPr lang="tr-TR" dirty="0"/>
-              <a:t> </a:t>
-            </a:r>
-            <a:r>
-              <a:rPr lang="tr-TR" dirty="0" err="1"/>
-              <a:t>to</a:t>
-            </a:r>
-            <a:r>
-              <a:rPr lang="tr-TR" dirty="0"/>
-              <a:t> </a:t>
-            </a:r>
-            <a:r>
-              <a:rPr lang="tr-TR" dirty="0" err="1"/>
-              <a:t>tes</a:t>
-            </a:r>
-            <a:r>
-              <a:rPr lang="tr-TR" dirty="0"/>
-              <a:t> </a:t>
-            </a:r>
-            <a:r>
-              <a:rPr lang="tr-TR" dirty="0" err="1"/>
-              <a:t>case</a:t>
-            </a:r>
-            <a:r>
-              <a:rPr lang="tr-TR" dirty="0"/>
-              <a:t>.</a:t>
-            </a:r>
-          </a:p>
-          <a:p>
-            <a:r>
-              <a:rPr lang="tr-TR" dirty="0"/>
-              <a:t>Operations </a:t>
-            </a:r>
-            <a:r>
-              <a:rPr lang="tr-TR" dirty="0" err="1"/>
-              <a:t>are</a:t>
-            </a:r>
-            <a:r>
-              <a:rPr lang="tr-TR" dirty="0"/>
-              <a:t> </a:t>
-            </a:r>
-            <a:r>
-              <a:rPr lang="tr-TR" dirty="0" err="1"/>
-              <a:t>wiriting</a:t>
-            </a:r>
-            <a:r>
-              <a:rPr lang="tr-TR" dirty="0"/>
-              <a:t> a </a:t>
-            </a:r>
-            <a:r>
-              <a:rPr lang="tr-TR" dirty="0" err="1"/>
-              <a:t>text</a:t>
-            </a:r>
-            <a:r>
-              <a:rPr lang="tr-TR" dirty="0"/>
-              <a:t> file </a:t>
-            </a:r>
-            <a:r>
-              <a:rPr lang="tr-TR" dirty="0" err="1"/>
-              <a:t>and</a:t>
-            </a:r>
-            <a:r>
-              <a:rPr lang="tr-TR" dirty="0"/>
-              <a:t> </a:t>
-            </a:r>
-            <a:r>
-              <a:rPr lang="tr-TR" dirty="0" err="1"/>
-              <a:t>send</a:t>
-            </a:r>
-            <a:r>
-              <a:rPr lang="tr-TR" dirty="0"/>
-              <a:t> </a:t>
-            </a:r>
-            <a:r>
-              <a:rPr lang="tr-TR" dirty="0" err="1"/>
-              <a:t>related</a:t>
-            </a:r>
-            <a:r>
-              <a:rPr lang="tr-TR" dirty="0"/>
-              <a:t> </a:t>
-            </a:r>
-            <a:r>
-              <a:rPr lang="tr-TR" dirty="0" err="1"/>
-              <a:t>directory</a:t>
-            </a:r>
-            <a:r>
-              <a:rPr lang="tr-TR" dirty="0"/>
-              <a:t> </a:t>
-            </a:r>
-            <a:r>
-              <a:rPr lang="tr-TR" dirty="0" err="1"/>
-              <a:t>automatically</a:t>
-            </a:r>
-            <a:r>
-              <a:rPr lang="tr-TR" dirty="0"/>
-              <a:t>.</a:t>
-            </a:r>
-          </a:p>
-          <a:p>
-            <a:r>
-              <a:rPr lang="tr-TR" dirty="0" err="1"/>
-              <a:t>Usage</a:t>
-            </a:r>
-            <a:r>
-              <a:rPr lang="tr-TR" dirty="0"/>
-              <a:t> is </a:t>
-            </a:r>
-            <a:r>
-              <a:rPr lang="tr-TR" dirty="0" err="1"/>
-              <a:t>like</a:t>
-            </a:r>
-            <a:r>
-              <a:rPr lang="tr-TR" dirty="0"/>
-              <a:t> </a:t>
-            </a:r>
-            <a:r>
-              <a:rPr lang="tr-TR" dirty="0" err="1"/>
-              <a:t>this</a:t>
-            </a:r>
-            <a:r>
-              <a:rPr lang="tr-TR" dirty="0"/>
-              <a:t> </a:t>
-            </a:r>
-          </a:p>
-          <a:p>
-            <a:r>
-              <a:rPr lang="tr-TR" dirty="0"/>
-              <a:t>Operations </a:t>
-            </a:r>
-            <a:r>
-              <a:rPr lang="tr-TR" dirty="0" err="1"/>
-              <a:t>list</a:t>
-            </a:r>
-            <a:endParaRPr lang="tr-TR" dirty="0"/>
-          </a:p>
-          <a:p>
-            <a:pPr lvl="1"/>
-            <a:r>
-              <a:rPr lang="tr-TR" dirty="0"/>
-              <a:t>CLICK</a:t>
-            </a:r>
-          </a:p>
-          <a:p>
-            <a:pPr lvl="1"/>
-            <a:r>
-              <a:rPr lang="tr-TR" dirty="0"/>
-              <a:t>SETPARAM</a:t>
-            </a:r>
-          </a:p>
-          <a:p>
-            <a:pPr lvl="1"/>
-            <a:r>
-              <a:rPr lang="tr-TR" dirty="0"/>
-              <a:t>VERIFYPARAM</a:t>
-            </a:r>
-          </a:p>
-          <a:p>
-            <a:pPr lvl="1"/>
-            <a:r>
-              <a:rPr lang="tr-TR" dirty="0"/>
-              <a:t>VERIFYOBJECT</a:t>
-            </a:r>
-          </a:p>
-          <a:p>
-            <a:pPr lvl="1"/>
-            <a:endParaRPr lang="tr-TR" dirty="0"/>
-          </a:p>
-          <a:p>
-            <a:pPr lvl="1"/>
-            <a:endParaRPr lang="tr-TR" dirty="0"/>
-          </a:p>
-          <a:p>
-            <a:pPr lvl="1"/>
-            <a:endParaRPr lang="tr-TR" dirty="0"/>
-          </a:p>
-          <a:p>
-            <a:endParaRPr lang="en-US" dirty="0"/>
-          </a:p>
-        </p:txBody>
-      </p:sp>
-    </p:spTree>
-    <p:extLst>
-      <p:ext uri="{BB962C8B-B14F-4D97-AF65-F5344CB8AC3E}">
-        <p14:creationId xmlns:p14="http://schemas.microsoft.com/office/powerpoint/2010/main" val="1040358282"/>
       </p:ext>
     </p:extLst>
   </p:cSld>
